--- a/Images/fig0.pptx
+++ b/Images/fig0.pptx
@@ -2,7 +2,7 @@
 <file path=ppt/presentation.xml><?xml version="1.0" encoding="utf-8"?>
 <p:presentation xmlns:a="http://schemas.openxmlformats.org/drawingml/2006/main" xmlns:r="http://schemas.openxmlformats.org/officeDocument/2006/relationships" xmlns:p="http://schemas.openxmlformats.org/presentationml/2006/main" saveSubsetFonts="1">
   <p:sldMasterIdLst>
-    <p:sldMasterId id="2147483780" r:id="rId1"/>
+    <p:sldMasterId id="2147483816" r:id="rId1"/>
   </p:sldMasterIdLst>
   <p:notesMasterIdLst>
     <p:notesMasterId r:id="rId3"/>
@@ -10,7 +10,7 @@
   <p:sldIdLst>
     <p:sldId id="256" r:id="rId2"/>
   </p:sldIdLst>
-  <p:sldSz cx="18288000" cy="12801600"/>
+  <p:sldSz cx="22860000" cy="27432000"/>
   <p:notesSz cx="6858000" cy="9144000"/>
   <p:defaultTextStyle>
     <a:defPPr>
@@ -197,7 +197,7 @@
           <a:p>
             <a:fld id="{D34CEA9E-E5A5-49C8-A578-AF124664FEC0}" type="datetimeFigureOut">
               <a:rPr lang="en-US" smtClean="0"/>
-              <a:t>9/3/2021</a:t>
+              <a:t>9/10/2021</a:t>
             </a:fld>
             <a:endParaRPr lang="en-US"/>
           </a:p>
@@ -215,8 +215,8 @@
         </p:nvSpPr>
         <p:spPr>
           <a:xfrm>
-            <a:off x="1225550" y="1143000"/>
-            <a:ext cx="4406900" cy="3086100"/>
+            <a:off x="2143125" y="1143000"/>
+            <a:ext cx="2571750" cy="3086100"/>
           </a:xfrm>
           <a:prstGeom prst="rect">
             <a:avLst/>
@@ -370,8 +370,8 @@
   </p:cSld>
   <p:clrMap bg1="lt1" tx1="dk1" bg2="lt2" tx2="dk2" accent1="accent1" accent2="accent2" accent3="accent3" accent4="accent4" accent5="accent5" accent6="accent6" hlink="hlink" folHlink="folHlink"/>
   <p:notesStyle>
-    <a:lvl1pPr marL="0" algn="l" defTabSz="914400" rtl="0" eaLnBrk="1" latinLnBrk="0" hangingPunct="1">
-      <a:defRPr sz="1200" kern="1200">
+    <a:lvl1pPr marL="0" algn="l" defTabSz="1197407" rtl="0" eaLnBrk="1" latinLnBrk="0" hangingPunct="1">
+      <a:defRPr sz="1571" kern="1200">
         <a:solidFill>
           <a:schemeClr val="tx1"/>
         </a:solidFill>
@@ -380,8 +380,8 @@
         <a:cs typeface="+mn-cs"/>
       </a:defRPr>
     </a:lvl1pPr>
-    <a:lvl2pPr marL="457200" algn="l" defTabSz="914400" rtl="0" eaLnBrk="1" latinLnBrk="0" hangingPunct="1">
-      <a:defRPr sz="1200" kern="1200">
+    <a:lvl2pPr marL="598703" algn="l" defTabSz="1197407" rtl="0" eaLnBrk="1" latinLnBrk="0" hangingPunct="1">
+      <a:defRPr sz="1571" kern="1200">
         <a:solidFill>
           <a:schemeClr val="tx1"/>
         </a:solidFill>
@@ -390,8 +390,8 @@
         <a:cs typeface="+mn-cs"/>
       </a:defRPr>
     </a:lvl2pPr>
-    <a:lvl3pPr marL="914400" algn="l" defTabSz="914400" rtl="0" eaLnBrk="1" latinLnBrk="0" hangingPunct="1">
-      <a:defRPr sz="1200" kern="1200">
+    <a:lvl3pPr marL="1197407" algn="l" defTabSz="1197407" rtl="0" eaLnBrk="1" latinLnBrk="0" hangingPunct="1">
+      <a:defRPr sz="1571" kern="1200">
         <a:solidFill>
           <a:schemeClr val="tx1"/>
         </a:solidFill>
@@ -400,8 +400,8 @@
         <a:cs typeface="+mn-cs"/>
       </a:defRPr>
     </a:lvl3pPr>
-    <a:lvl4pPr marL="1371600" algn="l" defTabSz="914400" rtl="0" eaLnBrk="1" latinLnBrk="0" hangingPunct="1">
-      <a:defRPr sz="1200" kern="1200">
+    <a:lvl4pPr marL="1796110" algn="l" defTabSz="1197407" rtl="0" eaLnBrk="1" latinLnBrk="0" hangingPunct="1">
+      <a:defRPr sz="1571" kern="1200">
         <a:solidFill>
           <a:schemeClr val="tx1"/>
         </a:solidFill>
@@ -410,8 +410,8 @@
         <a:cs typeface="+mn-cs"/>
       </a:defRPr>
     </a:lvl4pPr>
-    <a:lvl5pPr marL="1828800" algn="l" defTabSz="914400" rtl="0" eaLnBrk="1" latinLnBrk="0" hangingPunct="1">
-      <a:defRPr sz="1200" kern="1200">
+    <a:lvl5pPr marL="2394814" algn="l" defTabSz="1197407" rtl="0" eaLnBrk="1" latinLnBrk="0" hangingPunct="1">
+      <a:defRPr sz="1571" kern="1200">
         <a:solidFill>
           <a:schemeClr val="tx1"/>
         </a:solidFill>
@@ -420,8 +420,8 @@
         <a:cs typeface="+mn-cs"/>
       </a:defRPr>
     </a:lvl5pPr>
-    <a:lvl6pPr marL="2286000" algn="l" defTabSz="914400" rtl="0" eaLnBrk="1" latinLnBrk="0" hangingPunct="1">
-      <a:defRPr sz="1200" kern="1200">
+    <a:lvl6pPr marL="2993517" algn="l" defTabSz="1197407" rtl="0" eaLnBrk="1" latinLnBrk="0" hangingPunct="1">
+      <a:defRPr sz="1571" kern="1200">
         <a:solidFill>
           <a:schemeClr val="tx1"/>
         </a:solidFill>
@@ -430,8 +430,8 @@
         <a:cs typeface="+mn-cs"/>
       </a:defRPr>
     </a:lvl6pPr>
-    <a:lvl7pPr marL="2743200" algn="l" defTabSz="914400" rtl="0" eaLnBrk="1" latinLnBrk="0" hangingPunct="1">
-      <a:defRPr sz="1200" kern="1200">
+    <a:lvl7pPr marL="3592220" algn="l" defTabSz="1197407" rtl="0" eaLnBrk="1" latinLnBrk="0" hangingPunct="1">
+      <a:defRPr sz="1571" kern="1200">
         <a:solidFill>
           <a:schemeClr val="tx1"/>
         </a:solidFill>
@@ -440,8 +440,8 @@
         <a:cs typeface="+mn-cs"/>
       </a:defRPr>
     </a:lvl7pPr>
-    <a:lvl8pPr marL="3200400" algn="l" defTabSz="914400" rtl="0" eaLnBrk="1" latinLnBrk="0" hangingPunct="1">
-      <a:defRPr sz="1200" kern="1200">
+    <a:lvl8pPr marL="4190924" algn="l" defTabSz="1197407" rtl="0" eaLnBrk="1" latinLnBrk="0" hangingPunct="1">
+      <a:defRPr sz="1571" kern="1200">
         <a:solidFill>
           <a:schemeClr val="tx1"/>
         </a:solidFill>
@@ -450,8 +450,8 @@
         <a:cs typeface="+mn-cs"/>
       </a:defRPr>
     </a:lvl8pPr>
-    <a:lvl9pPr marL="3657600" algn="l" defTabSz="914400" rtl="0" eaLnBrk="1" latinLnBrk="0" hangingPunct="1">
-      <a:defRPr sz="1200" kern="1200">
+    <a:lvl9pPr marL="4789627" algn="l" defTabSz="1197407" rtl="0" eaLnBrk="1" latinLnBrk="0" hangingPunct="1">
+      <a:defRPr sz="1571" kern="1200">
         <a:solidFill>
           <a:schemeClr val="tx1"/>
         </a:solidFill>
@@ -493,8 +493,8 @@
         </p:nvSpPr>
         <p:spPr>
           <a:xfrm>
-            <a:off x="1225550" y="1143000"/>
-            <a:ext cx="4406900" cy="3086100"/>
+            <a:off x="2143125" y="1143000"/>
+            <a:ext cx="2571750" cy="3086100"/>
           </a:xfrm>
         </p:spPr>
       </p:sp>
@@ -582,15 +582,15 @@
         </p:nvSpPr>
         <p:spPr>
           <a:xfrm>
-            <a:off x="1371600" y="2095078"/>
-            <a:ext cx="15544800" cy="4456853"/>
+            <a:off x="1714500" y="4489452"/>
+            <a:ext cx="19431000" cy="9550400"/>
           </a:xfrm>
         </p:spPr>
         <p:txBody>
           <a:bodyPr anchor="b"/>
           <a:lstStyle>
             <a:lvl1pPr algn="ctr">
-              <a:defRPr sz="11200"/>
+              <a:defRPr sz="15000"/>
             </a:lvl1pPr>
           </a:lstStyle>
           <a:p>
@@ -614,8 +614,8 @@
         </p:nvSpPr>
         <p:spPr>
           <a:xfrm>
-            <a:off x="2286000" y="6723804"/>
-            <a:ext cx="13716000" cy="3090756"/>
+            <a:off x="2857500" y="14408152"/>
+            <a:ext cx="17145000" cy="6623048"/>
           </a:xfrm>
         </p:spPr>
         <p:txBody>
@@ -623,39 +623,39 @@
           <a:lstStyle>
             <a:lvl1pPr marL="0" indent="0" algn="ctr">
               <a:buNone/>
-              <a:defRPr sz="4480"/>
+              <a:defRPr sz="6000"/>
             </a:lvl1pPr>
-            <a:lvl2pPr marL="853455" indent="0" algn="ctr">
-              <a:buNone/>
-              <a:defRPr sz="3733"/>
+            <a:lvl2pPr marL="1143000" indent="0" algn="ctr">
+              <a:buNone/>
+              <a:defRPr sz="5000"/>
             </a:lvl2pPr>
-            <a:lvl3pPr marL="1706910" indent="0" algn="ctr">
-              <a:buNone/>
-              <a:defRPr sz="3360"/>
+            <a:lvl3pPr marL="2286000" indent="0" algn="ctr">
+              <a:buNone/>
+              <a:defRPr sz="4500"/>
             </a:lvl3pPr>
-            <a:lvl4pPr marL="2560366" indent="0" algn="ctr">
-              <a:buNone/>
-              <a:defRPr sz="2987"/>
+            <a:lvl4pPr marL="3429000" indent="0" algn="ctr">
+              <a:buNone/>
+              <a:defRPr sz="4000"/>
             </a:lvl4pPr>
-            <a:lvl5pPr marL="3413821" indent="0" algn="ctr">
-              <a:buNone/>
-              <a:defRPr sz="2987"/>
+            <a:lvl5pPr marL="4572000" indent="0" algn="ctr">
+              <a:buNone/>
+              <a:defRPr sz="4000"/>
             </a:lvl5pPr>
-            <a:lvl6pPr marL="4267276" indent="0" algn="ctr">
-              <a:buNone/>
-              <a:defRPr sz="2987"/>
+            <a:lvl6pPr marL="5715000" indent="0" algn="ctr">
+              <a:buNone/>
+              <a:defRPr sz="4000"/>
             </a:lvl6pPr>
-            <a:lvl7pPr marL="5120731" indent="0" algn="ctr">
-              <a:buNone/>
-              <a:defRPr sz="2987"/>
+            <a:lvl7pPr marL="6858000" indent="0" algn="ctr">
+              <a:buNone/>
+              <a:defRPr sz="4000"/>
             </a:lvl7pPr>
-            <a:lvl8pPr marL="5974187" indent="0" algn="ctr">
-              <a:buNone/>
-              <a:defRPr sz="2987"/>
+            <a:lvl8pPr marL="8001000" indent="0" algn="ctr">
+              <a:buNone/>
+              <a:defRPr sz="4000"/>
             </a:lvl8pPr>
-            <a:lvl9pPr marL="6827642" indent="0" algn="ctr">
-              <a:buNone/>
-              <a:defRPr sz="2987"/>
+            <a:lvl9pPr marL="9144000" indent="0" algn="ctr">
+              <a:buNone/>
+              <a:defRPr sz="4000"/>
             </a:lvl9pPr>
           </a:lstStyle>
           <a:p>
@@ -684,7 +684,7 @@
           <a:p>
             <a:fld id="{BA05AF01-4F0E-4718-A4C1-DFCBB47EE5F2}" type="datetimeFigureOut">
               <a:rPr lang="en-US" smtClean="0"/>
-              <a:t>9/3/2021</a:t>
+              <a:t>9/10/2021</a:t>
             </a:fld>
             <a:endParaRPr lang="en-US"/>
           </a:p>
@@ -735,7 +735,7 @@
     </p:spTree>
     <p:extLst>
       <p:ext uri="{BB962C8B-B14F-4D97-AF65-F5344CB8AC3E}">
-        <p14:creationId xmlns:p14="http://schemas.microsoft.com/office/powerpoint/2010/main" val="2803516137"/>
+        <p14:creationId xmlns:p14="http://schemas.microsoft.com/office/powerpoint/2010/main" val="1270695012"/>
       </p:ext>
     </p:extLst>
   </p:cSld>
@@ -854,7 +854,7 @@
           <a:p>
             <a:fld id="{BA05AF01-4F0E-4718-A4C1-DFCBB47EE5F2}" type="datetimeFigureOut">
               <a:rPr lang="en-US" smtClean="0"/>
-              <a:t>9/3/2021</a:t>
+              <a:t>9/10/2021</a:t>
             </a:fld>
             <a:endParaRPr lang="en-US"/>
           </a:p>
@@ -905,7 +905,7 @@
     </p:spTree>
     <p:extLst>
       <p:ext uri="{BB962C8B-B14F-4D97-AF65-F5344CB8AC3E}">
-        <p14:creationId xmlns:p14="http://schemas.microsoft.com/office/powerpoint/2010/main" val="3506887135"/>
+        <p14:creationId xmlns:p14="http://schemas.microsoft.com/office/powerpoint/2010/main" val="3289544125"/>
       </p:ext>
     </p:extLst>
   </p:cSld>
@@ -944,8 +944,8 @@
         </p:nvSpPr>
         <p:spPr>
           <a:xfrm>
-            <a:off x="13087351" y="681567"/>
-            <a:ext cx="3943350" cy="10848764"/>
+            <a:off x="16359189" y="1460500"/>
+            <a:ext cx="4929188" cy="23247352"/>
           </a:xfrm>
         </p:spPr>
         <p:txBody>
@@ -972,8 +972,8 @@
         </p:nvSpPr>
         <p:spPr>
           <a:xfrm>
-            <a:off x="1257301" y="681567"/>
-            <a:ext cx="11601450" cy="10848764"/>
+            <a:off x="1571626" y="1460500"/>
+            <a:ext cx="14501813" cy="23247352"/>
           </a:xfrm>
         </p:spPr>
         <p:txBody>
@@ -1034,7 +1034,7 @@
           <a:p>
             <a:fld id="{BA05AF01-4F0E-4718-A4C1-DFCBB47EE5F2}" type="datetimeFigureOut">
               <a:rPr lang="en-US" smtClean="0"/>
-              <a:t>9/3/2021</a:t>
+              <a:t>9/10/2021</a:t>
             </a:fld>
             <a:endParaRPr lang="en-US"/>
           </a:p>
@@ -1085,7 +1085,7 @@
     </p:spTree>
     <p:extLst>
       <p:ext uri="{BB962C8B-B14F-4D97-AF65-F5344CB8AC3E}">
-        <p14:creationId xmlns:p14="http://schemas.microsoft.com/office/powerpoint/2010/main" val="3664239435"/>
+        <p14:creationId xmlns:p14="http://schemas.microsoft.com/office/powerpoint/2010/main" val="3369001503"/>
       </p:ext>
     </p:extLst>
   </p:cSld>
@@ -1204,7 +1204,7 @@
           <a:p>
             <a:fld id="{BA05AF01-4F0E-4718-A4C1-DFCBB47EE5F2}" type="datetimeFigureOut">
               <a:rPr lang="en-US" smtClean="0"/>
-              <a:t>9/3/2021</a:t>
+              <a:t>9/10/2021</a:t>
             </a:fld>
             <a:endParaRPr lang="en-US"/>
           </a:p>
@@ -1255,7 +1255,7 @@
     </p:spTree>
     <p:extLst>
       <p:ext uri="{BB962C8B-B14F-4D97-AF65-F5344CB8AC3E}">
-        <p14:creationId xmlns:p14="http://schemas.microsoft.com/office/powerpoint/2010/main" val="2883026279"/>
+        <p14:creationId xmlns:p14="http://schemas.microsoft.com/office/powerpoint/2010/main" val="136437294"/>
       </p:ext>
     </p:extLst>
   </p:cSld>
@@ -1294,15 +1294,15 @@
         </p:nvSpPr>
         <p:spPr>
           <a:xfrm>
-            <a:off x="1247776" y="3191514"/>
-            <a:ext cx="15773400" cy="5325109"/>
+            <a:off x="1559720" y="6838958"/>
+            <a:ext cx="19716750" cy="11410948"/>
           </a:xfrm>
         </p:spPr>
         <p:txBody>
           <a:bodyPr anchor="b"/>
           <a:lstStyle>
             <a:lvl1pPr>
-              <a:defRPr sz="11200"/>
+              <a:defRPr sz="15000"/>
             </a:lvl1pPr>
           </a:lstStyle>
           <a:p>
@@ -1326,8 +1326,8 @@
         </p:nvSpPr>
         <p:spPr>
           <a:xfrm>
-            <a:off x="1247776" y="8567000"/>
-            <a:ext cx="15773400" cy="2800349"/>
+            <a:off x="1559720" y="18357858"/>
+            <a:ext cx="19716750" cy="6000748"/>
           </a:xfrm>
         </p:spPr>
         <p:txBody>
@@ -1335,15 +1335,15 @@
           <a:lstStyle>
             <a:lvl1pPr marL="0" indent="0">
               <a:buNone/>
-              <a:defRPr sz="4480">
+              <a:defRPr sz="6000">
                 <a:solidFill>
                   <a:schemeClr val="tx1"/>
                 </a:solidFill>
               </a:defRPr>
             </a:lvl1pPr>
-            <a:lvl2pPr marL="853455" indent="0">
-              <a:buNone/>
-              <a:defRPr sz="3733">
+            <a:lvl2pPr marL="1143000" indent="0">
+              <a:buNone/>
+              <a:defRPr sz="5000">
                 <a:solidFill>
                   <a:schemeClr val="tx1">
                     <a:tint val="75000"/>
@@ -1351,9 +1351,9 @@
                 </a:solidFill>
               </a:defRPr>
             </a:lvl2pPr>
-            <a:lvl3pPr marL="1706910" indent="0">
-              <a:buNone/>
-              <a:defRPr sz="3360">
+            <a:lvl3pPr marL="2286000" indent="0">
+              <a:buNone/>
+              <a:defRPr sz="4500">
                 <a:solidFill>
                   <a:schemeClr val="tx1">
                     <a:tint val="75000"/>
@@ -1361,9 +1361,9 @@
                 </a:solidFill>
               </a:defRPr>
             </a:lvl3pPr>
-            <a:lvl4pPr marL="2560366" indent="0">
-              <a:buNone/>
-              <a:defRPr sz="2987">
+            <a:lvl4pPr marL="3429000" indent="0">
+              <a:buNone/>
+              <a:defRPr sz="4000">
                 <a:solidFill>
                   <a:schemeClr val="tx1">
                     <a:tint val="75000"/>
@@ -1371,9 +1371,9 @@
                 </a:solidFill>
               </a:defRPr>
             </a:lvl4pPr>
-            <a:lvl5pPr marL="3413821" indent="0">
-              <a:buNone/>
-              <a:defRPr sz="2987">
+            <a:lvl5pPr marL="4572000" indent="0">
+              <a:buNone/>
+              <a:defRPr sz="4000">
                 <a:solidFill>
                   <a:schemeClr val="tx1">
                     <a:tint val="75000"/>
@@ -1381,9 +1381,9 @@
                 </a:solidFill>
               </a:defRPr>
             </a:lvl5pPr>
-            <a:lvl6pPr marL="4267276" indent="0">
-              <a:buNone/>
-              <a:defRPr sz="2987">
+            <a:lvl6pPr marL="5715000" indent="0">
+              <a:buNone/>
+              <a:defRPr sz="4000">
                 <a:solidFill>
                   <a:schemeClr val="tx1">
                     <a:tint val="75000"/>
@@ -1391,9 +1391,9 @@
                 </a:solidFill>
               </a:defRPr>
             </a:lvl6pPr>
-            <a:lvl7pPr marL="5120731" indent="0">
-              <a:buNone/>
-              <a:defRPr sz="2987">
+            <a:lvl7pPr marL="6858000" indent="0">
+              <a:buNone/>
+              <a:defRPr sz="4000">
                 <a:solidFill>
                   <a:schemeClr val="tx1">
                     <a:tint val="75000"/>
@@ -1401,9 +1401,9 @@
                 </a:solidFill>
               </a:defRPr>
             </a:lvl7pPr>
-            <a:lvl8pPr marL="5974187" indent="0">
-              <a:buNone/>
-              <a:defRPr sz="2987">
+            <a:lvl8pPr marL="8001000" indent="0">
+              <a:buNone/>
+              <a:defRPr sz="4000">
                 <a:solidFill>
                   <a:schemeClr val="tx1">
                     <a:tint val="75000"/>
@@ -1411,9 +1411,9 @@
                 </a:solidFill>
               </a:defRPr>
             </a:lvl8pPr>
-            <a:lvl9pPr marL="6827642" indent="0">
-              <a:buNone/>
-              <a:defRPr sz="2987">
+            <a:lvl9pPr marL="9144000" indent="0">
+              <a:buNone/>
+              <a:defRPr sz="4000">
                 <a:solidFill>
                   <a:schemeClr val="tx1">
                     <a:tint val="75000"/>
@@ -1448,7 +1448,7 @@
           <a:p>
             <a:fld id="{BA05AF01-4F0E-4718-A4C1-DFCBB47EE5F2}" type="datetimeFigureOut">
               <a:rPr lang="en-US" smtClean="0"/>
-              <a:t>9/3/2021</a:t>
+              <a:t>9/10/2021</a:t>
             </a:fld>
             <a:endParaRPr lang="en-US"/>
           </a:p>
@@ -1499,7 +1499,7 @@
     </p:spTree>
     <p:extLst>
       <p:ext uri="{BB962C8B-B14F-4D97-AF65-F5344CB8AC3E}">
-        <p14:creationId xmlns:p14="http://schemas.microsoft.com/office/powerpoint/2010/main" val="2931331982"/>
+        <p14:creationId xmlns:p14="http://schemas.microsoft.com/office/powerpoint/2010/main" val="2961669354"/>
       </p:ext>
     </p:extLst>
   </p:cSld>
@@ -1561,8 +1561,8 @@
         </p:nvSpPr>
         <p:spPr>
           <a:xfrm>
-            <a:off x="1257300" y="3407833"/>
-            <a:ext cx="7772400" cy="8122498"/>
+            <a:off x="1571625" y="7302500"/>
+            <a:ext cx="9715500" cy="17405352"/>
           </a:xfrm>
         </p:spPr>
         <p:txBody>
@@ -1618,8 +1618,8 @@
         </p:nvSpPr>
         <p:spPr>
           <a:xfrm>
-            <a:off x="9258300" y="3407833"/>
-            <a:ext cx="7772400" cy="8122498"/>
+            <a:off x="11572875" y="7302500"/>
+            <a:ext cx="9715500" cy="17405352"/>
           </a:xfrm>
         </p:spPr>
         <p:txBody>
@@ -1680,7 +1680,7 @@
           <a:p>
             <a:fld id="{BA05AF01-4F0E-4718-A4C1-DFCBB47EE5F2}" type="datetimeFigureOut">
               <a:rPr lang="en-US" smtClean="0"/>
-              <a:t>9/3/2021</a:t>
+              <a:t>9/10/2021</a:t>
             </a:fld>
             <a:endParaRPr lang="en-US"/>
           </a:p>
@@ -1731,7 +1731,7 @@
     </p:spTree>
     <p:extLst>
       <p:ext uri="{BB962C8B-B14F-4D97-AF65-F5344CB8AC3E}">
-        <p14:creationId xmlns:p14="http://schemas.microsoft.com/office/powerpoint/2010/main" val="2939358391"/>
+        <p14:creationId xmlns:p14="http://schemas.microsoft.com/office/powerpoint/2010/main" val="2435797056"/>
       </p:ext>
     </p:extLst>
   </p:cSld>
@@ -1770,8 +1770,8 @@
         </p:nvSpPr>
         <p:spPr>
           <a:xfrm>
-            <a:off x="1259682" y="681570"/>
-            <a:ext cx="15773400" cy="2474384"/>
+            <a:off x="1574603" y="1460506"/>
+            <a:ext cx="19716750" cy="5302252"/>
           </a:xfrm>
         </p:spPr>
         <p:txBody>
@@ -1798,8 +1798,8 @@
         </p:nvSpPr>
         <p:spPr>
           <a:xfrm>
-            <a:off x="1259684" y="3138171"/>
-            <a:ext cx="7736680" cy="1537969"/>
+            <a:off x="1574605" y="6724652"/>
+            <a:ext cx="9670850" cy="3295648"/>
           </a:xfrm>
         </p:spPr>
         <p:txBody>
@@ -1807,39 +1807,39 @@
           <a:lstStyle>
             <a:lvl1pPr marL="0" indent="0">
               <a:buNone/>
-              <a:defRPr sz="4480" b="1"/>
+              <a:defRPr sz="6000" b="1"/>
             </a:lvl1pPr>
-            <a:lvl2pPr marL="853455" indent="0">
-              <a:buNone/>
-              <a:defRPr sz="3733" b="1"/>
+            <a:lvl2pPr marL="1143000" indent="0">
+              <a:buNone/>
+              <a:defRPr sz="5000" b="1"/>
             </a:lvl2pPr>
-            <a:lvl3pPr marL="1706910" indent="0">
-              <a:buNone/>
-              <a:defRPr sz="3360" b="1"/>
+            <a:lvl3pPr marL="2286000" indent="0">
+              <a:buNone/>
+              <a:defRPr sz="4500" b="1"/>
             </a:lvl3pPr>
-            <a:lvl4pPr marL="2560366" indent="0">
-              <a:buNone/>
-              <a:defRPr sz="2987" b="1"/>
+            <a:lvl4pPr marL="3429000" indent="0">
+              <a:buNone/>
+              <a:defRPr sz="4000" b="1"/>
             </a:lvl4pPr>
-            <a:lvl5pPr marL="3413821" indent="0">
-              <a:buNone/>
-              <a:defRPr sz="2987" b="1"/>
+            <a:lvl5pPr marL="4572000" indent="0">
+              <a:buNone/>
+              <a:defRPr sz="4000" b="1"/>
             </a:lvl5pPr>
-            <a:lvl6pPr marL="4267276" indent="0">
-              <a:buNone/>
-              <a:defRPr sz="2987" b="1"/>
+            <a:lvl6pPr marL="5715000" indent="0">
+              <a:buNone/>
+              <a:defRPr sz="4000" b="1"/>
             </a:lvl6pPr>
-            <a:lvl7pPr marL="5120731" indent="0">
-              <a:buNone/>
-              <a:defRPr sz="2987" b="1"/>
+            <a:lvl7pPr marL="6858000" indent="0">
+              <a:buNone/>
+              <a:defRPr sz="4000" b="1"/>
             </a:lvl7pPr>
-            <a:lvl8pPr marL="5974187" indent="0">
-              <a:buNone/>
-              <a:defRPr sz="2987" b="1"/>
+            <a:lvl8pPr marL="8001000" indent="0">
+              <a:buNone/>
+              <a:defRPr sz="4000" b="1"/>
             </a:lvl8pPr>
-            <a:lvl9pPr marL="6827642" indent="0">
-              <a:buNone/>
-              <a:defRPr sz="2987" b="1"/>
+            <a:lvl9pPr marL="9144000" indent="0">
+              <a:buNone/>
+              <a:defRPr sz="4000" b="1"/>
             </a:lvl9pPr>
           </a:lstStyle>
           <a:p>
@@ -1863,8 +1863,8 @@
         </p:nvSpPr>
         <p:spPr>
           <a:xfrm>
-            <a:off x="1259684" y="4676140"/>
-            <a:ext cx="7736680" cy="6877898"/>
+            <a:off x="1574605" y="10020300"/>
+            <a:ext cx="9670850" cy="14738352"/>
           </a:xfrm>
         </p:spPr>
         <p:txBody>
@@ -1920,8 +1920,8 @@
         </p:nvSpPr>
         <p:spPr>
           <a:xfrm>
-            <a:off x="9258301" y="3138171"/>
-            <a:ext cx="7774782" cy="1537969"/>
+            <a:off x="11572876" y="6724652"/>
+            <a:ext cx="9718478" cy="3295648"/>
           </a:xfrm>
         </p:spPr>
         <p:txBody>
@@ -1929,39 +1929,39 @@
           <a:lstStyle>
             <a:lvl1pPr marL="0" indent="0">
               <a:buNone/>
-              <a:defRPr sz="4480" b="1"/>
+              <a:defRPr sz="6000" b="1"/>
             </a:lvl1pPr>
-            <a:lvl2pPr marL="853455" indent="0">
-              <a:buNone/>
-              <a:defRPr sz="3733" b="1"/>
+            <a:lvl2pPr marL="1143000" indent="0">
+              <a:buNone/>
+              <a:defRPr sz="5000" b="1"/>
             </a:lvl2pPr>
-            <a:lvl3pPr marL="1706910" indent="0">
-              <a:buNone/>
-              <a:defRPr sz="3360" b="1"/>
+            <a:lvl3pPr marL="2286000" indent="0">
+              <a:buNone/>
+              <a:defRPr sz="4500" b="1"/>
             </a:lvl3pPr>
-            <a:lvl4pPr marL="2560366" indent="0">
-              <a:buNone/>
-              <a:defRPr sz="2987" b="1"/>
+            <a:lvl4pPr marL="3429000" indent="0">
+              <a:buNone/>
+              <a:defRPr sz="4000" b="1"/>
             </a:lvl4pPr>
-            <a:lvl5pPr marL="3413821" indent="0">
-              <a:buNone/>
-              <a:defRPr sz="2987" b="1"/>
+            <a:lvl5pPr marL="4572000" indent="0">
+              <a:buNone/>
+              <a:defRPr sz="4000" b="1"/>
             </a:lvl5pPr>
-            <a:lvl6pPr marL="4267276" indent="0">
-              <a:buNone/>
-              <a:defRPr sz="2987" b="1"/>
+            <a:lvl6pPr marL="5715000" indent="0">
+              <a:buNone/>
+              <a:defRPr sz="4000" b="1"/>
             </a:lvl6pPr>
-            <a:lvl7pPr marL="5120731" indent="0">
-              <a:buNone/>
-              <a:defRPr sz="2987" b="1"/>
+            <a:lvl7pPr marL="6858000" indent="0">
+              <a:buNone/>
+              <a:defRPr sz="4000" b="1"/>
             </a:lvl7pPr>
-            <a:lvl8pPr marL="5974187" indent="0">
-              <a:buNone/>
-              <a:defRPr sz="2987" b="1"/>
+            <a:lvl8pPr marL="8001000" indent="0">
+              <a:buNone/>
+              <a:defRPr sz="4000" b="1"/>
             </a:lvl8pPr>
-            <a:lvl9pPr marL="6827642" indent="0">
-              <a:buNone/>
-              <a:defRPr sz="2987" b="1"/>
+            <a:lvl9pPr marL="9144000" indent="0">
+              <a:buNone/>
+              <a:defRPr sz="4000" b="1"/>
             </a:lvl9pPr>
           </a:lstStyle>
           <a:p>
@@ -1985,8 +1985,8 @@
         </p:nvSpPr>
         <p:spPr>
           <a:xfrm>
-            <a:off x="9258301" y="4676140"/>
-            <a:ext cx="7774782" cy="6877898"/>
+            <a:off x="11572876" y="10020300"/>
+            <a:ext cx="9718478" cy="14738352"/>
           </a:xfrm>
         </p:spPr>
         <p:txBody>
@@ -2047,7 +2047,7 @@
           <a:p>
             <a:fld id="{BA05AF01-4F0E-4718-A4C1-DFCBB47EE5F2}" type="datetimeFigureOut">
               <a:rPr lang="en-US" smtClean="0"/>
-              <a:t>9/3/2021</a:t>
+              <a:t>9/10/2021</a:t>
             </a:fld>
             <a:endParaRPr lang="en-US"/>
           </a:p>
@@ -2098,7 +2098,7 @@
     </p:spTree>
     <p:extLst>
       <p:ext uri="{BB962C8B-B14F-4D97-AF65-F5344CB8AC3E}">
-        <p14:creationId xmlns:p14="http://schemas.microsoft.com/office/powerpoint/2010/main" val="3253493906"/>
+        <p14:creationId xmlns:p14="http://schemas.microsoft.com/office/powerpoint/2010/main" val="606634717"/>
       </p:ext>
     </p:extLst>
   </p:cSld>
@@ -2165,7 +2165,7 @@
           <a:p>
             <a:fld id="{BA05AF01-4F0E-4718-A4C1-DFCBB47EE5F2}" type="datetimeFigureOut">
               <a:rPr lang="en-US" smtClean="0"/>
-              <a:t>9/3/2021</a:t>
+              <a:t>9/10/2021</a:t>
             </a:fld>
             <a:endParaRPr lang="en-US"/>
           </a:p>
@@ -2216,7 +2216,7 @@
     </p:spTree>
     <p:extLst>
       <p:ext uri="{BB962C8B-B14F-4D97-AF65-F5344CB8AC3E}">
-        <p14:creationId xmlns:p14="http://schemas.microsoft.com/office/powerpoint/2010/main" val="2919867889"/>
+        <p14:creationId xmlns:p14="http://schemas.microsoft.com/office/powerpoint/2010/main" val="3813578140"/>
       </p:ext>
     </p:extLst>
   </p:cSld>
@@ -2260,7 +2260,7 @@
           <a:p>
             <a:fld id="{BA05AF01-4F0E-4718-A4C1-DFCBB47EE5F2}" type="datetimeFigureOut">
               <a:rPr lang="en-US" smtClean="0"/>
-              <a:t>9/3/2021</a:t>
+              <a:t>9/10/2021</a:t>
             </a:fld>
             <a:endParaRPr lang="en-US"/>
           </a:p>
@@ -2311,7 +2311,7 @@
     </p:spTree>
     <p:extLst>
       <p:ext uri="{BB962C8B-B14F-4D97-AF65-F5344CB8AC3E}">
-        <p14:creationId xmlns:p14="http://schemas.microsoft.com/office/powerpoint/2010/main" val="2467910925"/>
+        <p14:creationId xmlns:p14="http://schemas.microsoft.com/office/powerpoint/2010/main" val="2764974718"/>
       </p:ext>
     </p:extLst>
   </p:cSld>
@@ -2350,15 +2350,15 @@
         </p:nvSpPr>
         <p:spPr>
           <a:xfrm>
-            <a:off x="1259682" y="853440"/>
-            <a:ext cx="5898356" cy="2987040"/>
+            <a:off x="1574603" y="1828800"/>
+            <a:ext cx="7372945" cy="6400800"/>
           </a:xfrm>
         </p:spPr>
         <p:txBody>
           <a:bodyPr anchor="b"/>
           <a:lstStyle>
             <a:lvl1pPr>
-              <a:defRPr sz="5973"/>
+              <a:defRPr sz="8000"/>
             </a:lvl1pPr>
           </a:lstStyle>
           <a:p>
@@ -2382,39 +2382,39 @@
         </p:nvSpPr>
         <p:spPr>
           <a:xfrm>
-            <a:off x="7774782" y="1843196"/>
-            <a:ext cx="9258300" cy="9097433"/>
+            <a:off x="9718477" y="3949706"/>
+            <a:ext cx="11572875" cy="19494500"/>
           </a:xfrm>
         </p:spPr>
         <p:txBody>
           <a:bodyPr/>
           <a:lstStyle>
             <a:lvl1pPr>
-              <a:defRPr sz="5973"/>
+              <a:defRPr sz="8000"/>
             </a:lvl1pPr>
             <a:lvl2pPr>
-              <a:defRPr sz="5227"/>
+              <a:defRPr sz="7000"/>
             </a:lvl2pPr>
             <a:lvl3pPr>
-              <a:defRPr sz="4480"/>
+              <a:defRPr sz="6000"/>
             </a:lvl3pPr>
             <a:lvl4pPr>
-              <a:defRPr sz="3733"/>
+              <a:defRPr sz="5000"/>
             </a:lvl4pPr>
             <a:lvl5pPr>
-              <a:defRPr sz="3733"/>
+              <a:defRPr sz="5000"/>
             </a:lvl5pPr>
             <a:lvl6pPr>
-              <a:defRPr sz="3733"/>
+              <a:defRPr sz="5000"/>
             </a:lvl6pPr>
             <a:lvl7pPr>
-              <a:defRPr sz="3733"/>
+              <a:defRPr sz="5000"/>
             </a:lvl7pPr>
             <a:lvl8pPr>
-              <a:defRPr sz="3733"/>
+              <a:defRPr sz="5000"/>
             </a:lvl8pPr>
             <a:lvl9pPr>
-              <a:defRPr sz="3733"/>
+              <a:defRPr sz="5000"/>
             </a:lvl9pPr>
           </a:lstStyle>
           <a:p>
@@ -2467,8 +2467,8 @@
         </p:nvSpPr>
         <p:spPr>
           <a:xfrm>
-            <a:off x="1259682" y="3840480"/>
-            <a:ext cx="5898356" cy="7114964"/>
+            <a:off x="1574603" y="8229600"/>
+            <a:ext cx="7372945" cy="15246352"/>
           </a:xfrm>
         </p:spPr>
         <p:txBody>
@@ -2476,39 +2476,39 @@
           <a:lstStyle>
             <a:lvl1pPr marL="0" indent="0">
               <a:buNone/>
-              <a:defRPr sz="2987"/>
+              <a:defRPr sz="4000"/>
             </a:lvl1pPr>
-            <a:lvl2pPr marL="853455" indent="0">
-              <a:buNone/>
-              <a:defRPr sz="2613"/>
+            <a:lvl2pPr marL="1143000" indent="0">
+              <a:buNone/>
+              <a:defRPr sz="3500"/>
             </a:lvl2pPr>
-            <a:lvl3pPr marL="1706910" indent="0">
-              <a:buNone/>
-              <a:defRPr sz="2240"/>
+            <a:lvl3pPr marL="2286000" indent="0">
+              <a:buNone/>
+              <a:defRPr sz="3000"/>
             </a:lvl3pPr>
-            <a:lvl4pPr marL="2560366" indent="0">
-              <a:buNone/>
-              <a:defRPr sz="1867"/>
+            <a:lvl4pPr marL="3429000" indent="0">
+              <a:buNone/>
+              <a:defRPr sz="2500"/>
             </a:lvl4pPr>
-            <a:lvl5pPr marL="3413821" indent="0">
-              <a:buNone/>
-              <a:defRPr sz="1867"/>
+            <a:lvl5pPr marL="4572000" indent="0">
+              <a:buNone/>
+              <a:defRPr sz="2500"/>
             </a:lvl5pPr>
-            <a:lvl6pPr marL="4267276" indent="0">
-              <a:buNone/>
-              <a:defRPr sz="1867"/>
+            <a:lvl6pPr marL="5715000" indent="0">
+              <a:buNone/>
+              <a:defRPr sz="2500"/>
             </a:lvl6pPr>
-            <a:lvl7pPr marL="5120731" indent="0">
-              <a:buNone/>
-              <a:defRPr sz="1867"/>
+            <a:lvl7pPr marL="6858000" indent="0">
+              <a:buNone/>
+              <a:defRPr sz="2500"/>
             </a:lvl7pPr>
-            <a:lvl8pPr marL="5974187" indent="0">
-              <a:buNone/>
-              <a:defRPr sz="1867"/>
+            <a:lvl8pPr marL="8001000" indent="0">
+              <a:buNone/>
+              <a:defRPr sz="2500"/>
             </a:lvl8pPr>
-            <a:lvl9pPr marL="6827642" indent="0">
-              <a:buNone/>
-              <a:defRPr sz="1867"/>
+            <a:lvl9pPr marL="9144000" indent="0">
+              <a:buNone/>
+              <a:defRPr sz="2500"/>
             </a:lvl9pPr>
           </a:lstStyle>
           <a:p>
@@ -2537,7 +2537,7 @@
           <a:p>
             <a:fld id="{BA05AF01-4F0E-4718-A4C1-DFCBB47EE5F2}" type="datetimeFigureOut">
               <a:rPr lang="en-US" smtClean="0"/>
-              <a:t>9/3/2021</a:t>
+              <a:t>9/10/2021</a:t>
             </a:fld>
             <a:endParaRPr lang="en-US"/>
           </a:p>
@@ -2588,7 +2588,7 @@
     </p:spTree>
     <p:extLst>
       <p:ext uri="{BB962C8B-B14F-4D97-AF65-F5344CB8AC3E}">
-        <p14:creationId xmlns:p14="http://schemas.microsoft.com/office/powerpoint/2010/main" val="596951496"/>
+        <p14:creationId xmlns:p14="http://schemas.microsoft.com/office/powerpoint/2010/main" val="1366870942"/>
       </p:ext>
     </p:extLst>
   </p:cSld>
@@ -2627,15 +2627,15 @@
         </p:nvSpPr>
         <p:spPr>
           <a:xfrm>
-            <a:off x="1259682" y="853440"/>
-            <a:ext cx="5898356" cy="2987040"/>
+            <a:off x="1574603" y="1828800"/>
+            <a:ext cx="7372945" cy="6400800"/>
           </a:xfrm>
         </p:spPr>
         <p:txBody>
           <a:bodyPr anchor="b"/>
           <a:lstStyle>
             <a:lvl1pPr>
-              <a:defRPr sz="5973"/>
+              <a:defRPr sz="8000"/>
             </a:lvl1pPr>
           </a:lstStyle>
           <a:p>
@@ -2659,8 +2659,8 @@
         </p:nvSpPr>
         <p:spPr>
           <a:xfrm>
-            <a:off x="7774782" y="1843196"/>
-            <a:ext cx="9258300" cy="9097433"/>
+            <a:off x="9718477" y="3949706"/>
+            <a:ext cx="11572875" cy="19494500"/>
           </a:xfrm>
         </p:spPr>
         <p:txBody>
@@ -2668,39 +2668,39 @@
           <a:lstStyle>
             <a:lvl1pPr marL="0" indent="0">
               <a:buNone/>
-              <a:defRPr sz="5973"/>
+              <a:defRPr sz="8000"/>
             </a:lvl1pPr>
-            <a:lvl2pPr marL="853455" indent="0">
-              <a:buNone/>
-              <a:defRPr sz="5227"/>
+            <a:lvl2pPr marL="1143000" indent="0">
+              <a:buNone/>
+              <a:defRPr sz="7000"/>
             </a:lvl2pPr>
-            <a:lvl3pPr marL="1706910" indent="0">
-              <a:buNone/>
-              <a:defRPr sz="4480"/>
+            <a:lvl3pPr marL="2286000" indent="0">
+              <a:buNone/>
+              <a:defRPr sz="6000"/>
             </a:lvl3pPr>
-            <a:lvl4pPr marL="2560366" indent="0">
-              <a:buNone/>
-              <a:defRPr sz="3733"/>
+            <a:lvl4pPr marL="3429000" indent="0">
+              <a:buNone/>
+              <a:defRPr sz="5000"/>
             </a:lvl4pPr>
-            <a:lvl5pPr marL="3413821" indent="0">
-              <a:buNone/>
-              <a:defRPr sz="3733"/>
+            <a:lvl5pPr marL="4572000" indent="0">
+              <a:buNone/>
+              <a:defRPr sz="5000"/>
             </a:lvl5pPr>
-            <a:lvl6pPr marL="4267276" indent="0">
-              <a:buNone/>
-              <a:defRPr sz="3733"/>
+            <a:lvl6pPr marL="5715000" indent="0">
+              <a:buNone/>
+              <a:defRPr sz="5000"/>
             </a:lvl6pPr>
-            <a:lvl7pPr marL="5120731" indent="0">
-              <a:buNone/>
-              <a:defRPr sz="3733"/>
+            <a:lvl7pPr marL="6858000" indent="0">
+              <a:buNone/>
+              <a:defRPr sz="5000"/>
             </a:lvl7pPr>
-            <a:lvl8pPr marL="5974187" indent="0">
-              <a:buNone/>
-              <a:defRPr sz="3733"/>
+            <a:lvl8pPr marL="8001000" indent="0">
+              <a:buNone/>
+              <a:defRPr sz="5000"/>
             </a:lvl8pPr>
-            <a:lvl9pPr marL="6827642" indent="0">
-              <a:buNone/>
-              <a:defRPr sz="3733"/>
+            <a:lvl9pPr marL="9144000" indent="0">
+              <a:buNone/>
+              <a:defRPr sz="5000"/>
             </a:lvl9pPr>
           </a:lstStyle>
           <a:p>
@@ -2724,8 +2724,8 @@
         </p:nvSpPr>
         <p:spPr>
           <a:xfrm>
-            <a:off x="1259682" y="3840480"/>
-            <a:ext cx="5898356" cy="7114964"/>
+            <a:off x="1574603" y="8229600"/>
+            <a:ext cx="7372945" cy="15246352"/>
           </a:xfrm>
         </p:spPr>
         <p:txBody>
@@ -2733,39 +2733,39 @@
           <a:lstStyle>
             <a:lvl1pPr marL="0" indent="0">
               <a:buNone/>
-              <a:defRPr sz="2987"/>
+              <a:defRPr sz="4000"/>
             </a:lvl1pPr>
-            <a:lvl2pPr marL="853455" indent="0">
-              <a:buNone/>
-              <a:defRPr sz="2613"/>
+            <a:lvl2pPr marL="1143000" indent="0">
+              <a:buNone/>
+              <a:defRPr sz="3500"/>
             </a:lvl2pPr>
-            <a:lvl3pPr marL="1706910" indent="0">
-              <a:buNone/>
-              <a:defRPr sz="2240"/>
+            <a:lvl3pPr marL="2286000" indent="0">
+              <a:buNone/>
+              <a:defRPr sz="3000"/>
             </a:lvl3pPr>
-            <a:lvl4pPr marL="2560366" indent="0">
-              <a:buNone/>
-              <a:defRPr sz="1867"/>
+            <a:lvl4pPr marL="3429000" indent="0">
+              <a:buNone/>
+              <a:defRPr sz="2500"/>
             </a:lvl4pPr>
-            <a:lvl5pPr marL="3413821" indent="0">
-              <a:buNone/>
-              <a:defRPr sz="1867"/>
+            <a:lvl5pPr marL="4572000" indent="0">
+              <a:buNone/>
+              <a:defRPr sz="2500"/>
             </a:lvl5pPr>
-            <a:lvl6pPr marL="4267276" indent="0">
-              <a:buNone/>
-              <a:defRPr sz="1867"/>
+            <a:lvl6pPr marL="5715000" indent="0">
+              <a:buNone/>
+              <a:defRPr sz="2500"/>
             </a:lvl6pPr>
-            <a:lvl7pPr marL="5120731" indent="0">
-              <a:buNone/>
-              <a:defRPr sz="1867"/>
+            <a:lvl7pPr marL="6858000" indent="0">
+              <a:buNone/>
+              <a:defRPr sz="2500"/>
             </a:lvl7pPr>
-            <a:lvl8pPr marL="5974187" indent="0">
-              <a:buNone/>
-              <a:defRPr sz="1867"/>
+            <a:lvl8pPr marL="8001000" indent="0">
+              <a:buNone/>
+              <a:defRPr sz="2500"/>
             </a:lvl8pPr>
-            <a:lvl9pPr marL="6827642" indent="0">
-              <a:buNone/>
-              <a:defRPr sz="1867"/>
+            <a:lvl9pPr marL="9144000" indent="0">
+              <a:buNone/>
+              <a:defRPr sz="2500"/>
             </a:lvl9pPr>
           </a:lstStyle>
           <a:p>
@@ -2794,7 +2794,7 @@
           <a:p>
             <a:fld id="{BA05AF01-4F0E-4718-A4C1-DFCBB47EE5F2}" type="datetimeFigureOut">
               <a:rPr lang="en-US" smtClean="0"/>
-              <a:t>9/3/2021</a:t>
+              <a:t>9/10/2021</a:t>
             </a:fld>
             <a:endParaRPr lang="en-US"/>
           </a:p>
@@ -2845,7 +2845,7 @@
     </p:spTree>
     <p:extLst>
       <p:ext uri="{BB962C8B-B14F-4D97-AF65-F5344CB8AC3E}">
-        <p14:creationId xmlns:p14="http://schemas.microsoft.com/office/powerpoint/2010/main" val="610948829"/>
+        <p14:creationId xmlns:p14="http://schemas.microsoft.com/office/powerpoint/2010/main" val="3918239290"/>
       </p:ext>
     </p:extLst>
   </p:cSld>
@@ -2889,8 +2889,8 @@
         </p:nvSpPr>
         <p:spPr>
           <a:xfrm>
-            <a:off x="1257300" y="681570"/>
-            <a:ext cx="15773400" cy="2474384"/>
+            <a:off x="1571625" y="1460506"/>
+            <a:ext cx="19716750" cy="5302252"/>
           </a:xfrm>
           <a:prstGeom prst="rect">
             <a:avLst/>
@@ -2922,8 +2922,8 @@
         </p:nvSpPr>
         <p:spPr>
           <a:xfrm>
-            <a:off x="1257300" y="3407833"/>
-            <a:ext cx="15773400" cy="8122498"/>
+            <a:off x="1571625" y="7302500"/>
+            <a:ext cx="19716750" cy="17405352"/>
           </a:xfrm>
           <a:prstGeom prst="rect">
             <a:avLst/>
@@ -2984,8 +2984,8 @@
         </p:nvSpPr>
         <p:spPr>
           <a:xfrm>
-            <a:off x="1257300" y="11865189"/>
-            <a:ext cx="4114800" cy="681567"/>
+            <a:off x="1571625" y="25425406"/>
+            <a:ext cx="5143500" cy="1460500"/>
           </a:xfrm>
           <a:prstGeom prst="rect">
             <a:avLst/>
@@ -2995,7 +2995,7 @@
           <a:bodyPr vert="horz" lIns="91440" tIns="45720" rIns="91440" bIns="45720" rtlCol="0" anchor="ctr"/>
           <a:lstStyle>
             <a:lvl1pPr algn="l">
-              <a:defRPr sz="2240">
+              <a:defRPr sz="3000">
                 <a:solidFill>
                   <a:schemeClr val="tx1">
                     <a:tint val="75000"/>
@@ -3007,7 +3007,7 @@
           <a:p>
             <a:fld id="{BA05AF01-4F0E-4718-A4C1-DFCBB47EE5F2}" type="datetimeFigureOut">
               <a:rPr lang="en-US" smtClean="0"/>
-              <a:t>9/3/2021</a:t>
+              <a:t>9/10/2021</a:t>
             </a:fld>
             <a:endParaRPr lang="en-US"/>
           </a:p>
@@ -3025,8 +3025,8 @@
         </p:nvSpPr>
         <p:spPr>
           <a:xfrm>
-            <a:off x="6057900" y="11865189"/>
-            <a:ext cx="6172200" cy="681567"/>
+            <a:off x="7572375" y="25425406"/>
+            <a:ext cx="7715250" cy="1460500"/>
           </a:xfrm>
           <a:prstGeom prst="rect">
             <a:avLst/>
@@ -3036,7 +3036,7 @@
           <a:bodyPr vert="horz" lIns="91440" tIns="45720" rIns="91440" bIns="45720" rtlCol="0" anchor="ctr"/>
           <a:lstStyle>
             <a:lvl1pPr algn="ctr">
-              <a:defRPr sz="2240">
+              <a:defRPr sz="3000">
                 <a:solidFill>
                   <a:schemeClr val="tx1">
                     <a:tint val="75000"/>
@@ -3062,8 +3062,8 @@
         </p:nvSpPr>
         <p:spPr>
           <a:xfrm>
-            <a:off x="12915900" y="11865189"/>
-            <a:ext cx="4114800" cy="681567"/>
+            <a:off x="16144875" y="25425406"/>
+            <a:ext cx="5143500" cy="1460500"/>
           </a:xfrm>
           <a:prstGeom prst="rect">
             <a:avLst/>
@@ -3073,7 +3073,7 @@
           <a:bodyPr vert="horz" lIns="91440" tIns="45720" rIns="91440" bIns="45720" rtlCol="0" anchor="ctr"/>
           <a:lstStyle>
             <a:lvl1pPr algn="r">
-              <a:defRPr sz="2240">
+              <a:defRPr sz="3000">
                 <a:solidFill>
                   <a:schemeClr val="tx1">
                     <a:tint val="75000"/>
@@ -3094,27 +3094,27 @@
     </p:spTree>
     <p:extLst>
       <p:ext uri="{BB962C8B-B14F-4D97-AF65-F5344CB8AC3E}">
-        <p14:creationId xmlns:p14="http://schemas.microsoft.com/office/powerpoint/2010/main" val="2472109824"/>
+        <p14:creationId xmlns:p14="http://schemas.microsoft.com/office/powerpoint/2010/main" val="2022178849"/>
       </p:ext>
     </p:extLst>
   </p:cSld>
   <p:clrMap bg1="lt1" tx1="dk1" bg2="lt2" tx2="dk2" accent1="accent1" accent2="accent2" accent3="accent3" accent4="accent4" accent5="accent5" accent6="accent6" hlink="hlink" folHlink="folHlink"/>
   <p:sldLayoutIdLst>
-    <p:sldLayoutId id="2147483781" r:id="rId1"/>
-    <p:sldLayoutId id="2147483782" r:id="rId2"/>
-    <p:sldLayoutId id="2147483783" r:id="rId3"/>
-    <p:sldLayoutId id="2147483784" r:id="rId4"/>
-    <p:sldLayoutId id="2147483785" r:id="rId5"/>
-    <p:sldLayoutId id="2147483786" r:id="rId6"/>
-    <p:sldLayoutId id="2147483787" r:id="rId7"/>
-    <p:sldLayoutId id="2147483788" r:id="rId8"/>
-    <p:sldLayoutId id="2147483789" r:id="rId9"/>
-    <p:sldLayoutId id="2147483790" r:id="rId10"/>
-    <p:sldLayoutId id="2147483791" r:id="rId11"/>
+    <p:sldLayoutId id="2147483817" r:id="rId1"/>
+    <p:sldLayoutId id="2147483818" r:id="rId2"/>
+    <p:sldLayoutId id="2147483819" r:id="rId3"/>
+    <p:sldLayoutId id="2147483820" r:id="rId4"/>
+    <p:sldLayoutId id="2147483821" r:id="rId5"/>
+    <p:sldLayoutId id="2147483822" r:id="rId6"/>
+    <p:sldLayoutId id="2147483823" r:id="rId7"/>
+    <p:sldLayoutId id="2147483824" r:id="rId8"/>
+    <p:sldLayoutId id="2147483825" r:id="rId9"/>
+    <p:sldLayoutId id="2147483826" r:id="rId10"/>
+    <p:sldLayoutId id="2147483827" r:id="rId11"/>
   </p:sldLayoutIdLst>
   <p:txStyles>
     <p:titleStyle>
-      <a:lvl1pPr algn="l" defTabSz="1706910" rtl="0" eaLnBrk="1" latinLnBrk="0" hangingPunct="1">
+      <a:lvl1pPr algn="l" defTabSz="2286000" rtl="0" eaLnBrk="1" latinLnBrk="0" hangingPunct="1">
         <a:lnSpc>
           <a:spcPct val="90000"/>
         </a:lnSpc>
@@ -3122,7 +3122,7 @@
           <a:spcPct val="0"/>
         </a:spcBef>
         <a:buNone/>
-        <a:defRPr sz="8213" kern="1200">
+        <a:defRPr sz="11000" kern="1200">
           <a:solidFill>
             <a:schemeClr val="tx1"/>
           </a:solidFill>
@@ -3133,16 +3133,16 @@
       </a:lvl1pPr>
     </p:titleStyle>
     <p:bodyStyle>
-      <a:lvl1pPr marL="426728" indent="-426728" algn="l" defTabSz="1706910" rtl="0" eaLnBrk="1" latinLnBrk="0" hangingPunct="1">
+      <a:lvl1pPr marL="571500" indent="-571500" algn="l" defTabSz="2286000" rtl="0" eaLnBrk="1" latinLnBrk="0" hangingPunct="1">
         <a:lnSpc>
           <a:spcPct val="90000"/>
         </a:lnSpc>
         <a:spcBef>
-          <a:spcPts val="1867"/>
+          <a:spcPts val="2500"/>
         </a:spcBef>
         <a:buFont typeface="Arial" panose="020B0604020202020204" pitchFamily="34" charset="0"/>
         <a:buChar char="•"/>
-        <a:defRPr sz="5227" kern="1200">
+        <a:defRPr sz="7000" kern="1200">
           <a:solidFill>
             <a:schemeClr val="tx1"/>
           </a:solidFill>
@@ -3151,16 +3151,16 @@
           <a:cs typeface="+mn-cs"/>
         </a:defRPr>
       </a:lvl1pPr>
-      <a:lvl2pPr marL="1280183" indent="-426728" algn="l" defTabSz="1706910" rtl="0" eaLnBrk="1" latinLnBrk="0" hangingPunct="1">
+      <a:lvl2pPr marL="1714500" indent="-571500" algn="l" defTabSz="2286000" rtl="0" eaLnBrk="1" latinLnBrk="0" hangingPunct="1">
         <a:lnSpc>
           <a:spcPct val="90000"/>
         </a:lnSpc>
         <a:spcBef>
-          <a:spcPts val="933"/>
+          <a:spcPts val="1250"/>
         </a:spcBef>
         <a:buFont typeface="Arial" panose="020B0604020202020204" pitchFamily="34" charset="0"/>
         <a:buChar char="•"/>
-        <a:defRPr sz="4480" kern="1200">
+        <a:defRPr sz="6000" kern="1200">
           <a:solidFill>
             <a:schemeClr val="tx1"/>
           </a:solidFill>
@@ -3169,16 +3169,16 @@
           <a:cs typeface="+mn-cs"/>
         </a:defRPr>
       </a:lvl2pPr>
-      <a:lvl3pPr marL="2133638" indent="-426728" algn="l" defTabSz="1706910" rtl="0" eaLnBrk="1" latinLnBrk="0" hangingPunct="1">
+      <a:lvl3pPr marL="2857500" indent="-571500" algn="l" defTabSz="2286000" rtl="0" eaLnBrk="1" latinLnBrk="0" hangingPunct="1">
         <a:lnSpc>
           <a:spcPct val="90000"/>
         </a:lnSpc>
         <a:spcBef>
-          <a:spcPts val="933"/>
+          <a:spcPts val="1250"/>
         </a:spcBef>
         <a:buFont typeface="Arial" panose="020B0604020202020204" pitchFamily="34" charset="0"/>
         <a:buChar char="•"/>
-        <a:defRPr sz="3733" kern="1200">
+        <a:defRPr sz="5000" kern="1200">
           <a:solidFill>
             <a:schemeClr val="tx1"/>
           </a:solidFill>
@@ -3187,16 +3187,16 @@
           <a:cs typeface="+mn-cs"/>
         </a:defRPr>
       </a:lvl3pPr>
-      <a:lvl4pPr marL="2987093" indent="-426728" algn="l" defTabSz="1706910" rtl="0" eaLnBrk="1" latinLnBrk="0" hangingPunct="1">
+      <a:lvl4pPr marL="4000500" indent="-571500" algn="l" defTabSz="2286000" rtl="0" eaLnBrk="1" latinLnBrk="0" hangingPunct="1">
         <a:lnSpc>
           <a:spcPct val="90000"/>
         </a:lnSpc>
         <a:spcBef>
-          <a:spcPts val="933"/>
+          <a:spcPts val="1250"/>
         </a:spcBef>
         <a:buFont typeface="Arial" panose="020B0604020202020204" pitchFamily="34" charset="0"/>
         <a:buChar char="•"/>
-        <a:defRPr sz="3360" kern="1200">
+        <a:defRPr sz="4500" kern="1200">
           <a:solidFill>
             <a:schemeClr val="tx1"/>
           </a:solidFill>
@@ -3205,16 +3205,16 @@
           <a:cs typeface="+mn-cs"/>
         </a:defRPr>
       </a:lvl4pPr>
-      <a:lvl5pPr marL="3840549" indent="-426728" algn="l" defTabSz="1706910" rtl="0" eaLnBrk="1" latinLnBrk="0" hangingPunct="1">
+      <a:lvl5pPr marL="5143500" indent="-571500" algn="l" defTabSz="2286000" rtl="0" eaLnBrk="1" latinLnBrk="0" hangingPunct="1">
         <a:lnSpc>
           <a:spcPct val="90000"/>
         </a:lnSpc>
         <a:spcBef>
-          <a:spcPts val="933"/>
+          <a:spcPts val="1250"/>
         </a:spcBef>
         <a:buFont typeface="Arial" panose="020B0604020202020204" pitchFamily="34" charset="0"/>
         <a:buChar char="•"/>
-        <a:defRPr sz="3360" kern="1200">
+        <a:defRPr sz="4500" kern="1200">
           <a:solidFill>
             <a:schemeClr val="tx1"/>
           </a:solidFill>
@@ -3223,16 +3223,16 @@
           <a:cs typeface="+mn-cs"/>
         </a:defRPr>
       </a:lvl5pPr>
-      <a:lvl6pPr marL="4694004" indent="-426728" algn="l" defTabSz="1706910" rtl="0" eaLnBrk="1" latinLnBrk="0" hangingPunct="1">
+      <a:lvl6pPr marL="6286500" indent="-571500" algn="l" defTabSz="2286000" rtl="0" eaLnBrk="1" latinLnBrk="0" hangingPunct="1">
         <a:lnSpc>
           <a:spcPct val="90000"/>
         </a:lnSpc>
         <a:spcBef>
-          <a:spcPts val="933"/>
+          <a:spcPts val="1250"/>
         </a:spcBef>
         <a:buFont typeface="Arial" panose="020B0604020202020204" pitchFamily="34" charset="0"/>
         <a:buChar char="•"/>
-        <a:defRPr sz="3360" kern="1200">
+        <a:defRPr sz="4500" kern="1200">
           <a:solidFill>
             <a:schemeClr val="tx1"/>
           </a:solidFill>
@@ -3241,16 +3241,16 @@
           <a:cs typeface="+mn-cs"/>
         </a:defRPr>
       </a:lvl6pPr>
-      <a:lvl7pPr marL="5547459" indent="-426728" algn="l" defTabSz="1706910" rtl="0" eaLnBrk="1" latinLnBrk="0" hangingPunct="1">
+      <a:lvl7pPr marL="7429500" indent="-571500" algn="l" defTabSz="2286000" rtl="0" eaLnBrk="1" latinLnBrk="0" hangingPunct="1">
         <a:lnSpc>
           <a:spcPct val="90000"/>
         </a:lnSpc>
         <a:spcBef>
-          <a:spcPts val="933"/>
+          <a:spcPts val="1250"/>
         </a:spcBef>
         <a:buFont typeface="Arial" panose="020B0604020202020204" pitchFamily="34" charset="0"/>
         <a:buChar char="•"/>
-        <a:defRPr sz="3360" kern="1200">
+        <a:defRPr sz="4500" kern="1200">
           <a:solidFill>
             <a:schemeClr val="tx1"/>
           </a:solidFill>
@@ -3259,16 +3259,16 @@
           <a:cs typeface="+mn-cs"/>
         </a:defRPr>
       </a:lvl7pPr>
-      <a:lvl8pPr marL="6400914" indent="-426728" algn="l" defTabSz="1706910" rtl="0" eaLnBrk="1" latinLnBrk="0" hangingPunct="1">
+      <a:lvl8pPr marL="8572500" indent="-571500" algn="l" defTabSz="2286000" rtl="0" eaLnBrk="1" latinLnBrk="0" hangingPunct="1">
         <a:lnSpc>
           <a:spcPct val="90000"/>
         </a:lnSpc>
         <a:spcBef>
-          <a:spcPts val="933"/>
+          <a:spcPts val="1250"/>
         </a:spcBef>
         <a:buFont typeface="Arial" panose="020B0604020202020204" pitchFamily="34" charset="0"/>
         <a:buChar char="•"/>
-        <a:defRPr sz="3360" kern="1200">
+        <a:defRPr sz="4500" kern="1200">
           <a:solidFill>
             <a:schemeClr val="tx1"/>
           </a:solidFill>
@@ -3277,16 +3277,16 @@
           <a:cs typeface="+mn-cs"/>
         </a:defRPr>
       </a:lvl8pPr>
-      <a:lvl9pPr marL="7254370" indent="-426728" algn="l" defTabSz="1706910" rtl="0" eaLnBrk="1" latinLnBrk="0" hangingPunct="1">
+      <a:lvl9pPr marL="9715500" indent="-571500" algn="l" defTabSz="2286000" rtl="0" eaLnBrk="1" latinLnBrk="0" hangingPunct="1">
         <a:lnSpc>
           <a:spcPct val="90000"/>
         </a:lnSpc>
         <a:spcBef>
-          <a:spcPts val="933"/>
+          <a:spcPts val="1250"/>
         </a:spcBef>
         <a:buFont typeface="Arial" panose="020B0604020202020204" pitchFamily="34" charset="0"/>
         <a:buChar char="•"/>
-        <a:defRPr sz="3360" kern="1200">
+        <a:defRPr sz="4500" kern="1200">
           <a:solidFill>
             <a:schemeClr val="tx1"/>
           </a:solidFill>
@@ -3300,8 +3300,8 @@
       <a:defPPr>
         <a:defRPr lang="en-US"/>
       </a:defPPr>
-      <a:lvl1pPr marL="0" algn="l" defTabSz="1706910" rtl="0" eaLnBrk="1" latinLnBrk="0" hangingPunct="1">
-        <a:defRPr sz="3360" kern="1200">
+      <a:lvl1pPr marL="0" algn="l" defTabSz="2286000" rtl="0" eaLnBrk="1" latinLnBrk="0" hangingPunct="1">
+        <a:defRPr sz="4500" kern="1200">
           <a:solidFill>
             <a:schemeClr val="tx1"/>
           </a:solidFill>
@@ -3310,8 +3310,8 @@
           <a:cs typeface="+mn-cs"/>
         </a:defRPr>
       </a:lvl1pPr>
-      <a:lvl2pPr marL="853455" algn="l" defTabSz="1706910" rtl="0" eaLnBrk="1" latinLnBrk="0" hangingPunct="1">
-        <a:defRPr sz="3360" kern="1200">
+      <a:lvl2pPr marL="1143000" algn="l" defTabSz="2286000" rtl="0" eaLnBrk="1" latinLnBrk="0" hangingPunct="1">
+        <a:defRPr sz="4500" kern="1200">
           <a:solidFill>
             <a:schemeClr val="tx1"/>
           </a:solidFill>
@@ -3320,8 +3320,8 @@
           <a:cs typeface="+mn-cs"/>
         </a:defRPr>
       </a:lvl2pPr>
-      <a:lvl3pPr marL="1706910" algn="l" defTabSz="1706910" rtl="0" eaLnBrk="1" latinLnBrk="0" hangingPunct="1">
-        <a:defRPr sz="3360" kern="1200">
+      <a:lvl3pPr marL="2286000" algn="l" defTabSz="2286000" rtl="0" eaLnBrk="1" latinLnBrk="0" hangingPunct="1">
+        <a:defRPr sz="4500" kern="1200">
           <a:solidFill>
             <a:schemeClr val="tx1"/>
           </a:solidFill>
@@ -3330,8 +3330,8 @@
           <a:cs typeface="+mn-cs"/>
         </a:defRPr>
       </a:lvl3pPr>
-      <a:lvl4pPr marL="2560366" algn="l" defTabSz="1706910" rtl="0" eaLnBrk="1" latinLnBrk="0" hangingPunct="1">
-        <a:defRPr sz="3360" kern="1200">
+      <a:lvl4pPr marL="3429000" algn="l" defTabSz="2286000" rtl="0" eaLnBrk="1" latinLnBrk="0" hangingPunct="1">
+        <a:defRPr sz="4500" kern="1200">
           <a:solidFill>
             <a:schemeClr val="tx1"/>
           </a:solidFill>
@@ -3340,8 +3340,8 @@
           <a:cs typeface="+mn-cs"/>
         </a:defRPr>
       </a:lvl4pPr>
-      <a:lvl5pPr marL="3413821" algn="l" defTabSz="1706910" rtl="0" eaLnBrk="1" latinLnBrk="0" hangingPunct="1">
-        <a:defRPr sz="3360" kern="1200">
+      <a:lvl5pPr marL="4572000" algn="l" defTabSz="2286000" rtl="0" eaLnBrk="1" latinLnBrk="0" hangingPunct="1">
+        <a:defRPr sz="4500" kern="1200">
           <a:solidFill>
             <a:schemeClr val="tx1"/>
           </a:solidFill>
@@ -3350,8 +3350,8 @@
           <a:cs typeface="+mn-cs"/>
         </a:defRPr>
       </a:lvl5pPr>
-      <a:lvl6pPr marL="4267276" algn="l" defTabSz="1706910" rtl="0" eaLnBrk="1" latinLnBrk="0" hangingPunct="1">
-        <a:defRPr sz="3360" kern="1200">
+      <a:lvl6pPr marL="5715000" algn="l" defTabSz="2286000" rtl="0" eaLnBrk="1" latinLnBrk="0" hangingPunct="1">
+        <a:defRPr sz="4500" kern="1200">
           <a:solidFill>
             <a:schemeClr val="tx1"/>
           </a:solidFill>
@@ -3360,8 +3360,8 @@
           <a:cs typeface="+mn-cs"/>
         </a:defRPr>
       </a:lvl6pPr>
-      <a:lvl7pPr marL="5120731" algn="l" defTabSz="1706910" rtl="0" eaLnBrk="1" latinLnBrk="0" hangingPunct="1">
-        <a:defRPr sz="3360" kern="1200">
+      <a:lvl7pPr marL="6858000" algn="l" defTabSz="2286000" rtl="0" eaLnBrk="1" latinLnBrk="0" hangingPunct="1">
+        <a:defRPr sz="4500" kern="1200">
           <a:solidFill>
             <a:schemeClr val="tx1"/>
           </a:solidFill>
@@ -3370,8 +3370,8 @@
           <a:cs typeface="+mn-cs"/>
         </a:defRPr>
       </a:lvl7pPr>
-      <a:lvl8pPr marL="5974187" algn="l" defTabSz="1706910" rtl="0" eaLnBrk="1" latinLnBrk="0" hangingPunct="1">
-        <a:defRPr sz="3360" kern="1200">
+      <a:lvl8pPr marL="8001000" algn="l" defTabSz="2286000" rtl="0" eaLnBrk="1" latinLnBrk="0" hangingPunct="1">
+        <a:defRPr sz="4500" kern="1200">
           <a:solidFill>
             <a:schemeClr val="tx1"/>
           </a:solidFill>
@@ -3380,8 +3380,8 @@
           <a:cs typeface="+mn-cs"/>
         </a:defRPr>
       </a:lvl8pPr>
-      <a:lvl9pPr marL="6827642" algn="l" defTabSz="1706910" rtl="0" eaLnBrk="1" latinLnBrk="0" hangingPunct="1">
-        <a:defRPr sz="3360" kern="1200">
+      <a:lvl9pPr marL="9144000" algn="l" defTabSz="2286000" rtl="0" eaLnBrk="1" latinLnBrk="0" hangingPunct="1">
+        <a:defRPr sz="4500" kern="1200">
           <a:solidFill>
             <a:schemeClr val="tx1"/>
           </a:solidFill>
@@ -3427,14 +3427,14 @@
           <p:nvPr>
             <p:extLst>
               <p:ext uri="{D42A27DB-BD31-4B8C-83A1-F6EECF244321}">
-                <p14:modId xmlns:p14="http://schemas.microsoft.com/office/powerpoint/2010/main" val="1890403165"/>
+                <p14:modId xmlns:p14="http://schemas.microsoft.com/office/powerpoint/2010/main" val="1610747300"/>
               </p:ext>
             </p:extLst>
           </p:nvPr>
         </p:nvGraphicFramePr>
         <p:xfrm>
-          <a:off x="2295109" y="9985277"/>
-          <a:ext cx="4880730" cy="2244128"/>
+          <a:off x="14950559" y="2984609"/>
+          <a:ext cx="6972472" cy="3230090"/>
         </p:xfrm>
         <a:graphic>
           <a:graphicData uri="http://schemas.openxmlformats.org/drawingml/2006/table">
@@ -3443,14 +3443,14 @@
                 <a:tableStyleId>{5C22544A-7EE6-4342-B048-85BDC9FD1C3A}</a:tableStyleId>
               </a:tblPr>
               <a:tblGrid>
-                <a:gridCol w="2440365">
+                <a:gridCol w="3486236">
                   <a:extLst>
                     <a:ext uri="{9D8B030D-6E8A-4147-A177-3AD203B41FA5}">
                       <a16:colId xmlns:a16="http://schemas.microsoft.com/office/drawing/2014/main" val="1160396653"/>
                     </a:ext>
                   </a:extLst>
                 </a:gridCol>
-                <a:gridCol w="2440365">
+                <a:gridCol w="3486236">
                   <a:extLst>
                     <a:ext uri="{9D8B030D-6E8A-4147-A177-3AD203B41FA5}">
                       <a16:colId xmlns:a16="http://schemas.microsoft.com/office/drawing/2014/main" val="680134479"/>
@@ -3458,7 +3458,7 @@
                   </a:extLst>
                 </a:gridCol>
               </a:tblGrid>
-              <a:tr h="443345">
+              <a:tr h="637309">
                 <a:tc gridSpan="2">
                   <a:txBody>
                     <a:bodyPr/>
@@ -3466,7 +3466,7 @@
                     <a:p>
                       <a:pPr algn="ctr"/>
                       <a:r>
-                        <a:rPr lang="en-US" sz="2200" b="0" dirty="0">
+                        <a:rPr lang="en-US" sz="3200" b="0" dirty="0">
                           <a:latin typeface="Times New Roman" panose="02020603050405020304" pitchFamily="18" charset="0"/>
                           <a:cs typeface="Times New Roman" panose="02020603050405020304" pitchFamily="18" charset="0"/>
                         </a:rPr>
@@ -3474,7 +3474,7 @@
                       </a:r>
                     </a:p>
                   </a:txBody>
-                  <a:tcPr marL="110836" marR="110836" marT="55418" marB="55418">
+                  <a:tcPr marL="158337" marR="158337" marT="79169" marB="79169">
                     <a:solidFill>
                       <a:schemeClr val="accent2">
                         <a:lumMod val="60000"/>
@@ -3503,7 +3503,7 @@
                   </a:ext>
                 </a:extLst>
               </a:tr>
-              <a:tr h="449503">
+              <a:tr h="642147">
                 <a:tc>
                   <a:txBody>
                     <a:bodyPr/>
@@ -3511,7 +3511,7 @@
                     <a:p>
                       <a:pPr algn="ctr"/>
                       <a:r>
-                        <a:rPr lang="en-US" sz="2200" dirty="0">
+                        <a:rPr lang="en-US" sz="3200" dirty="0">
                           <a:latin typeface="Times New Roman" panose="02020603050405020304" pitchFamily="18" charset="0"/>
                           <a:cs typeface="Times New Roman" panose="02020603050405020304" pitchFamily="18" charset="0"/>
                         </a:rPr>
@@ -3519,7 +3519,7 @@
                       </a:r>
                     </a:p>
                   </a:txBody>
-                  <a:tcPr marL="110836" marR="110836" marT="55418" marB="55418">
+                  <a:tcPr marL="158337" marR="158337" marT="79169" marB="79169">
                     <a:solidFill>
                       <a:schemeClr val="accent2">
                         <a:lumMod val="20000"/>
@@ -3535,7 +3535,7 @@
                     <a:p>
                       <a:pPr algn="ctr"/>
                       <a:r>
-                        <a:rPr lang="en-US" sz="2200" dirty="0">
+                        <a:rPr lang="en-US" sz="3200" dirty="0">
                           <a:latin typeface="Times New Roman" panose="02020603050405020304" pitchFamily="18" charset="0"/>
                           <a:cs typeface="Times New Roman" panose="02020603050405020304" pitchFamily="18" charset="0"/>
                         </a:rPr>
@@ -3543,7 +3543,7 @@
                       </a:r>
                     </a:p>
                   </a:txBody>
-                  <a:tcPr marL="110836" marR="110836" marT="55418" marB="55418">
+                  <a:tcPr marL="158337" marR="158337" marT="79169" marB="79169">
                     <a:solidFill>
                       <a:schemeClr val="accent2">
                         <a:lumMod val="20000"/>
@@ -3558,7 +3558,7 @@
                   </a:ext>
                 </a:extLst>
               </a:tr>
-              <a:tr h="449503">
+              <a:tr h="642147">
                 <a:tc>
                   <a:txBody>
                     <a:bodyPr/>
@@ -3566,7 +3566,7 @@
                     <a:p>
                       <a:pPr algn="ctr"/>
                       <a:r>
-                        <a:rPr lang="en-US" sz="2200" dirty="0">
+                        <a:rPr lang="en-US" sz="3200" dirty="0">
                           <a:latin typeface="Times New Roman" panose="02020603050405020304" pitchFamily="18" charset="0"/>
                           <a:cs typeface="Times New Roman" panose="02020603050405020304" pitchFamily="18" charset="0"/>
                         </a:rPr>
@@ -3574,7 +3574,7 @@
                       </a:r>
                     </a:p>
                   </a:txBody>
-                  <a:tcPr marL="110836" marR="110836" marT="55418" marB="55418">
+                  <a:tcPr marL="158337" marR="158337" marT="79169" marB="79169">
                     <a:solidFill>
                       <a:schemeClr val="accent2">
                         <a:lumMod val="20000"/>
@@ -3590,7 +3590,7 @@
                     <a:p>
                       <a:pPr algn="ctr"/>
                       <a:r>
-                        <a:rPr lang="en-US" sz="2200" dirty="0">
+                        <a:rPr lang="en-US" sz="3200" dirty="0">
                           <a:latin typeface="Times New Roman" panose="02020603050405020304" pitchFamily="18" charset="0"/>
                           <a:cs typeface="Times New Roman" panose="02020603050405020304" pitchFamily="18" charset="0"/>
                         </a:rPr>
@@ -3598,7 +3598,7 @@
                       </a:r>
                     </a:p>
                   </a:txBody>
-                  <a:tcPr marL="110836" marR="110836" marT="55418" marB="55418">
+                  <a:tcPr marL="158337" marR="158337" marT="79169" marB="79169">
                     <a:solidFill>
                       <a:schemeClr val="accent2">
                         <a:lumMod val="20000"/>
@@ -3613,7 +3613,7 @@
                   </a:ext>
                 </a:extLst>
               </a:tr>
-              <a:tr h="449503">
+              <a:tr h="642147">
                 <a:tc>
                   <a:txBody>
                     <a:bodyPr/>
@@ -3621,7 +3621,7 @@
                     <a:p>
                       <a:pPr algn="ctr"/>
                       <a:r>
-                        <a:rPr lang="en-US" sz="2200" dirty="0">
+                        <a:rPr lang="en-US" sz="3200" dirty="0">
                           <a:latin typeface="Times New Roman" panose="02020603050405020304" pitchFamily="18" charset="0"/>
                           <a:cs typeface="Times New Roman" panose="02020603050405020304" pitchFamily="18" charset="0"/>
                         </a:rPr>
@@ -3629,7 +3629,7 @@
                       </a:r>
                     </a:p>
                   </a:txBody>
-                  <a:tcPr marL="110836" marR="110836" marT="55418" marB="55418">
+                  <a:tcPr marL="158337" marR="158337" marT="79169" marB="79169">
                     <a:solidFill>
                       <a:schemeClr val="accent2">
                         <a:lumMod val="20000"/>
@@ -3645,7 +3645,7 @@
                     <a:p>
                       <a:pPr algn="ctr"/>
                       <a:r>
-                        <a:rPr lang="en-US" sz="2200" dirty="0">
+                        <a:rPr lang="en-US" sz="3200" dirty="0">
                           <a:latin typeface="Times New Roman" panose="02020603050405020304" pitchFamily="18" charset="0"/>
                           <a:cs typeface="Times New Roman" panose="02020603050405020304" pitchFamily="18" charset="0"/>
                         </a:rPr>
@@ -3653,7 +3653,7 @@
                       </a:r>
                     </a:p>
                   </a:txBody>
-                  <a:tcPr marL="110836" marR="110836" marT="55418" marB="55418">
+                  <a:tcPr marL="158337" marR="158337" marT="79169" marB="79169">
                     <a:solidFill>
                       <a:schemeClr val="accent2">
                         <a:lumMod val="20000"/>
@@ -3668,7 +3668,7 @@
                   </a:ext>
                 </a:extLst>
               </a:tr>
-              <a:tr h="449503">
+              <a:tr h="642147">
                 <a:tc>
                   <a:txBody>
                     <a:bodyPr/>
@@ -3676,7 +3676,7 @@
                     <a:p>
                       <a:pPr algn="ctr"/>
                       <a:r>
-                        <a:rPr lang="en-US" sz="2200" dirty="0">
+                        <a:rPr lang="en-US" sz="3200" dirty="0">
                           <a:latin typeface="Times New Roman" panose="02020603050405020304" pitchFamily="18" charset="0"/>
                           <a:cs typeface="Times New Roman" panose="02020603050405020304" pitchFamily="18" charset="0"/>
                         </a:rPr>
@@ -3684,7 +3684,7 @@
                       </a:r>
                     </a:p>
                   </a:txBody>
-                  <a:tcPr marL="110836" marR="110836" marT="55418" marB="55418">
+                  <a:tcPr marL="158337" marR="158337" marT="79169" marB="79169">
                     <a:solidFill>
                       <a:schemeClr val="accent2">
                         <a:lumMod val="20000"/>
@@ -3700,7 +3700,7 @@
                     <a:p>
                       <a:pPr algn="ctr"/>
                       <a:r>
-                        <a:rPr lang="en-US" sz="2200" dirty="0">
+                        <a:rPr lang="en-US" sz="3200" dirty="0">
                           <a:latin typeface="Times New Roman" panose="02020603050405020304" pitchFamily="18" charset="0"/>
                           <a:cs typeface="Times New Roman" panose="02020603050405020304" pitchFamily="18" charset="0"/>
                         </a:rPr>
@@ -3708,7 +3708,7 @@
                       </a:r>
                     </a:p>
                   </a:txBody>
-                  <a:tcPr marL="110836" marR="110836" marT="55418" marB="55418">
+                  <a:tcPr marL="158337" marR="158337" marT="79169" marB="79169">
                     <a:solidFill>
                       <a:schemeClr val="accent2">
                         <a:lumMod val="20000"/>
@@ -3755,501 +3755,20 @@
         </p:blipFill>
         <p:spPr>
           <a:xfrm>
-            <a:off x="112541" y="152506"/>
-            <a:ext cx="9567843" cy="9567843"/>
+            <a:off x="546608" y="683323"/>
+            <a:ext cx="13668347" cy="13668347"/>
           </a:xfrm>
           <a:prstGeom prst="rect">
             <a:avLst/>
           </a:prstGeom>
         </p:spPr>
       </p:pic>
-      <p:sp>
-        <p:nvSpPr>
-          <p:cNvPr id="76" name="TextBox 75">
+      <p:grpSp>
+        <p:nvGrpSpPr>
+          <p:cNvPr id="2" name="Group 1">
             <a:extLst>
               <a:ext uri="{FF2B5EF4-FFF2-40B4-BE49-F238E27FC236}">
-                <a16:creationId xmlns:a16="http://schemas.microsoft.com/office/drawing/2014/main" id="{630ED5AD-D422-439A-9D09-D0196781626C}"/>
-              </a:ext>
-            </a:extLst>
-          </p:cNvPr>
-          <p:cNvSpPr txBox="1"/>
-          <p:nvPr/>
-        </p:nvSpPr>
-        <p:spPr>
-          <a:xfrm>
-            <a:off x="11102411" y="9440231"/>
-            <a:ext cx="1533505" cy="428131"/>
-          </a:xfrm>
-          <a:prstGeom prst="rect">
-            <a:avLst/>
-          </a:prstGeom>
-          <a:noFill/>
-        </p:spPr>
-        <p:txBody>
-          <a:bodyPr wrap="square" rtlCol="0">
-            <a:spAutoFit/>
-          </a:bodyPr>
-          <a:lstStyle/>
-          <a:p>
-            <a:r>
-              <a:rPr lang="en-US" sz="2182" dirty="0">
-                <a:latin typeface="Times New Roman" panose="02020603050405020304" pitchFamily="18" charset="0"/>
-                <a:cs typeface="Times New Roman" panose="02020603050405020304" pitchFamily="18" charset="0"/>
-              </a:rPr>
-              <a:t>Protein</a:t>
-            </a:r>
-          </a:p>
-        </p:txBody>
-      </p:sp>
-      <p:sp>
-        <p:nvSpPr>
-          <p:cNvPr id="78" name="TextBox 77">
-            <a:extLst>
-              <a:ext uri="{FF2B5EF4-FFF2-40B4-BE49-F238E27FC236}">
-                <a16:creationId xmlns:a16="http://schemas.microsoft.com/office/drawing/2014/main" id="{8CD46F28-9AE8-48CF-AAF1-389C50FCB79C}"/>
-              </a:ext>
-            </a:extLst>
-          </p:cNvPr>
-          <p:cNvSpPr txBox="1"/>
-          <p:nvPr/>
-        </p:nvSpPr>
-        <p:spPr>
-          <a:xfrm>
-            <a:off x="10010095" y="9451590"/>
-            <a:ext cx="1533505" cy="428131"/>
-          </a:xfrm>
-          <a:prstGeom prst="rect">
-            <a:avLst/>
-          </a:prstGeom>
-          <a:noFill/>
-        </p:spPr>
-        <p:txBody>
-          <a:bodyPr wrap="square" rtlCol="0">
-            <a:spAutoFit/>
-          </a:bodyPr>
-          <a:lstStyle/>
-          <a:p>
-            <a:r>
-              <a:rPr lang="en-US" sz="2182" dirty="0">
-                <a:latin typeface="Times New Roman" panose="02020603050405020304" pitchFamily="18" charset="0"/>
-                <a:cs typeface="Times New Roman" panose="02020603050405020304" pitchFamily="18" charset="0"/>
-              </a:rPr>
-              <a:t>Ligand</a:t>
-            </a:r>
-          </a:p>
-        </p:txBody>
-      </p:sp>
-      <p:sp>
-        <p:nvSpPr>
-          <p:cNvPr id="81" name="Oval 80">
-            <a:extLst>
-              <a:ext uri="{FF2B5EF4-FFF2-40B4-BE49-F238E27FC236}">
-                <a16:creationId xmlns:a16="http://schemas.microsoft.com/office/drawing/2014/main" id="{6CCF695D-009F-4E8F-B2D6-0E725AB00C82}"/>
-              </a:ext>
-            </a:extLst>
-          </p:cNvPr>
-          <p:cNvSpPr/>
-          <p:nvPr/>
-        </p:nvSpPr>
-        <p:spPr>
-          <a:xfrm>
-            <a:off x="13076891" y="5674508"/>
-            <a:ext cx="1692238" cy="1591107"/>
-          </a:xfrm>
-          <a:prstGeom prst="ellipse">
-            <a:avLst/>
-          </a:prstGeom>
-          <a:noFill/>
-          <a:ln>
-            <a:solidFill>
-              <a:srgbClr val="92D050"/>
-            </a:solidFill>
-          </a:ln>
-        </p:spPr>
-        <p:style>
-          <a:lnRef idx="2">
-            <a:schemeClr val="accent1">
-              <a:shade val="50000"/>
-            </a:schemeClr>
-          </a:lnRef>
-          <a:fillRef idx="1">
-            <a:schemeClr val="accent1"/>
-          </a:fillRef>
-          <a:effectRef idx="0">
-            <a:schemeClr val="accent1"/>
-          </a:effectRef>
-          <a:fontRef idx="minor">
-            <a:schemeClr val="lt1"/>
-          </a:fontRef>
-        </p:style>
-        <p:txBody>
-          <a:bodyPr rtlCol="0" anchor="ctr"/>
-          <a:lstStyle/>
-          <a:p>
-            <a:pPr algn="ctr"/>
-            <a:endParaRPr lang="en-US" sz="2182"/>
-          </a:p>
-        </p:txBody>
-      </p:sp>
-      <p:sp>
-        <p:nvSpPr>
-          <p:cNvPr id="11" name="Oval 10">
-            <a:extLst>
-              <a:ext uri="{FF2B5EF4-FFF2-40B4-BE49-F238E27FC236}">
-                <a16:creationId xmlns:a16="http://schemas.microsoft.com/office/drawing/2014/main" id="{E5E66C44-B688-4965-A6AB-1990D20BD161}"/>
-              </a:ext>
-            </a:extLst>
-          </p:cNvPr>
-          <p:cNvSpPr/>
-          <p:nvPr/>
-        </p:nvSpPr>
-        <p:spPr>
-          <a:xfrm>
-            <a:off x="9723120" y="3017519"/>
-            <a:ext cx="8399780" cy="6550323"/>
-          </a:xfrm>
-          <a:prstGeom prst="ellipse">
-            <a:avLst/>
-          </a:prstGeom>
-          <a:noFill/>
-          <a:ln>
-            <a:solidFill>
-              <a:schemeClr val="bg2">
-                <a:lumMod val="10000"/>
-              </a:schemeClr>
-            </a:solidFill>
-            <a:prstDash val="lgDash"/>
-          </a:ln>
-        </p:spPr>
-        <p:style>
-          <a:lnRef idx="2">
-            <a:schemeClr val="accent1">
-              <a:shade val="50000"/>
-            </a:schemeClr>
-          </a:lnRef>
-          <a:fillRef idx="1">
-            <a:schemeClr val="accent1"/>
-          </a:fillRef>
-          <a:effectRef idx="0">
-            <a:schemeClr val="accent1"/>
-          </a:effectRef>
-          <a:fontRef idx="minor">
-            <a:schemeClr val="lt1"/>
-          </a:fontRef>
-        </p:style>
-        <p:txBody>
-          <a:bodyPr rtlCol="0" anchor="ctr"/>
-          <a:lstStyle/>
-          <a:p>
-            <a:pPr algn="ctr"/>
-            <a:endParaRPr lang="en-US"/>
-          </a:p>
-        </p:txBody>
-      </p:sp>
-      <p:cxnSp>
-        <p:nvCxnSpPr>
-          <p:cNvPr id="85" name="Straight Connector 84">
-            <a:extLst>
-              <a:ext uri="{FF2B5EF4-FFF2-40B4-BE49-F238E27FC236}">
-                <a16:creationId xmlns:a16="http://schemas.microsoft.com/office/drawing/2014/main" id="{DCA94508-2EEC-4CFB-B745-14995D5FB496}"/>
-              </a:ext>
-            </a:extLst>
-          </p:cNvPr>
-          <p:cNvCxnSpPr>
-            <a:cxnSpLocks/>
-          </p:cNvCxnSpPr>
-          <p:nvPr/>
-        </p:nvCxnSpPr>
-        <p:spPr>
-          <a:xfrm>
-            <a:off x="11661557" y="6141261"/>
-            <a:ext cx="1468440" cy="151419"/>
-          </a:xfrm>
-          <a:prstGeom prst="line">
-            <a:avLst/>
-          </a:prstGeom>
-          <a:ln w="19050">
-            <a:prstDash val="lgDash"/>
-          </a:ln>
-        </p:spPr>
-        <p:style>
-          <a:lnRef idx="1">
-            <a:schemeClr val="accent1"/>
-          </a:lnRef>
-          <a:fillRef idx="0">
-            <a:schemeClr val="accent1"/>
-          </a:fillRef>
-          <a:effectRef idx="0">
-            <a:schemeClr val="accent1"/>
-          </a:effectRef>
-          <a:fontRef idx="minor">
-            <a:schemeClr val="tx1"/>
-          </a:fontRef>
-        </p:style>
-      </p:cxnSp>
-      <p:sp>
-        <p:nvSpPr>
-          <p:cNvPr id="91" name="TextBox 90">
-            <a:extLst>
-              <a:ext uri="{FF2B5EF4-FFF2-40B4-BE49-F238E27FC236}">
-                <a16:creationId xmlns:a16="http://schemas.microsoft.com/office/drawing/2014/main" id="{1DF644D8-B6D5-44C5-BBB2-A77E35C66D85}"/>
-              </a:ext>
-            </a:extLst>
-          </p:cNvPr>
-          <p:cNvSpPr txBox="1"/>
-          <p:nvPr/>
-        </p:nvSpPr>
-        <p:spPr>
-          <a:xfrm>
-            <a:off x="13331319" y="7379468"/>
-            <a:ext cx="4946858" cy="1200329"/>
-          </a:xfrm>
-          <a:prstGeom prst="rect">
-            <a:avLst/>
-          </a:prstGeom>
-          <a:noFill/>
-        </p:spPr>
-        <p:txBody>
-          <a:bodyPr wrap="square" rtlCol="0">
-            <a:spAutoFit/>
-          </a:bodyPr>
-          <a:lstStyle/>
-          <a:p>
-            <a:pPr algn="l"/>
-            <a:r>
-              <a:rPr lang="en-US" sz="2400" b="0" i="0" dirty="0">
-                <a:effectLst/>
-                <a:latin typeface="-apple-system"/>
-              </a:rPr>
-              <a:t>Ripk1-IN-7</a:t>
-            </a:r>
-          </a:p>
-          <a:p>
-            <a:br>
-              <a:rPr lang="en-US" sz="2400" b="0" i="0" dirty="0">
-                <a:effectLst/>
-                <a:latin typeface="-apple-system"/>
-              </a:rPr>
-            </a:br>
-            <a:endParaRPr lang="en-US" sz="2400" dirty="0">
-              <a:latin typeface="Times New Roman" panose="02020603050405020304" pitchFamily="18" charset="0"/>
-              <a:cs typeface="Times New Roman" panose="02020603050405020304" pitchFamily="18" charset="0"/>
-            </a:endParaRPr>
-          </a:p>
-        </p:txBody>
-      </p:sp>
-      <p:sp>
-        <p:nvSpPr>
-          <p:cNvPr id="92" name="TextBox 91">
-            <a:extLst>
-              <a:ext uri="{FF2B5EF4-FFF2-40B4-BE49-F238E27FC236}">
-                <a16:creationId xmlns:a16="http://schemas.microsoft.com/office/drawing/2014/main" id="{60B2E043-EDC4-4B9E-A07A-0B5A6CE97A6B}"/>
-              </a:ext>
-            </a:extLst>
-          </p:cNvPr>
-          <p:cNvSpPr txBox="1"/>
-          <p:nvPr/>
-        </p:nvSpPr>
-        <p:spPr>
-          <a:xfrm>
-            <a:off x="10386749" y="6850116"/>
-            <a:ext cx="2244970" cy="830997"/>
-          </a:xfrm>
-          <a:prstGeom prst="rect">
-            <a:avLst/>
-          </a:prstGeom>
-          <a:noFill/>
-        </p:spPr>
-        <p:txBody>
-          <a:bodyPr wrap="square" rtlCol="0">
-            <a:spAutoFit/>
-          </a:bodyPr>
-          <a:lstStyle/>
-          <a:p>
-            <a:pPr algn="l"/>
-            <a:r>
-              <a:rPr lang="en-US" sz="2400" dirty="0">
-                <a:latin typeface="Times New Roman" panose="02020603050405020304" pitchFamily="18" charset="0"/>
-                <a:cs typeface="Times New Roman" panose="02020603050405020304" pitchFamily="18" charset="0"/>
-              </a:rPr>
-              <a:t>Threonine-protein kinase 4</a:t>
-            </a:r>
-          </a:p>
-        </p:txBody>
-      </p:sp>
-      <p:sp>
-        <p:nvSpPr>
-          <p:cNvPr id="95" name="Oval 94">
-            <a:extLst>
-              <a:ext uri="{FF2B5EF4-FFF2-40B4-BE49-F238E27FC236}">
-                <a16:creationId xmlns:a16="http://schemas.microsoft.com/office/drawing/2014/main" id="{D4D856C8-FBA4-491A-A1B4-DDDC018A808A}"/>
-              </a:ext>
-            </a:extLst>
-          </p:cNvPr>
-          <p:cNvSpPr/>
-          <p:nvPr/>
-        </p:nvSpPr>
-        <p:spPr>
-          <a:xfrm>
-            <a:off x="13801442" y="3400899"/>
-            <a:ext cx="1646966" cy="1549295"/>
-          </a:xfrm>
-          <a:prstGeom prst="ellipse">
-            <a:avLst/>
-          </a:prstGeom>
-          <a:noFill/>
-          <a:ln>
-            <a:solidFill>
-              <a:srgbClr val="E111AB"/>
-            </a:solidFill>
-          </a:ln>
-        </p:spPr>
-        <p:style>
-          <a:lnRef idx="2">
-            <a:schemeClr val="accent1">
-              <a:shade val="50000"/>
-            </a:schemeClr>
-          </a:lnRef>
-          <a:fillRef idx="1">
-            <a:schemeClr val="accent1"/>
-          </a:fillRef>
-          <a:effectRef idx="0">
-            <a:schemeClr val="accent1"/>
-          </a:effectRef>
-          <a:fontRef idx="minor">
-            <a:schemeClr val="lt1"/>
-          </a:fontRef>
-        </p:style>
-        <p:txBody>
-          <a:bodyPr rtlCol="0" anchor="ctr"/>
-          <a:lstStyle/>
-          <a:p>
-            <a:pPr algn="ctr"/>
-            <a:endParaRPr lang="en-US"/>
-          </a:p>
-        </p:txBody>
-      </p:sp>
-      <p:cxnSp>
-        <p:nvCxnSpPr>
-          <p:cNvPr id="96" name="Straight Connector 95">
-            <a:extLst>
-              <a:ext uri="{FF2B5EF4-FFF2-40B4-BE49-F238E27FC236}">
-                <a16:creationId xmlns:a16="http://schemas.microsoft.com/office/drawing/2014/main" id="{1CD8D0BD-E997-4394-8144-73BA6EA15495}"/>
-              </a:ext>
-            </a:extLst>
-          </p:cNvPr>
-          <p:cNvCxnSpPr>
-            <a:cxnSpLocks/>
-          </p:cNvCxnSpPr>
-          <p:nvPr/>
-        </p:nvCxnSpPr>
-        <p:spPr>
-          <a:xfrm flipV="1">
-            <a:off x="14112594" y="4936428"/>
-            <a:ext cx="359931" cy="759970"/>
-          </a:xfrm>
-          <a:prstGeom prst="line">
-            <a:avLst/>
-          </a:prstGeom>
-          <a:ln w="19050"/>
-        </p:spPr>
-        <p:style>
-          <a:lnRef idx="1">
-            <a:schemeClr val="accent1"/>
-          </a:lnRef>
-          <a:fillRef idx="0">
-            <a:schemeClr val="accent1"/>
-          </a:fillRef>
-          <a:effectRef idx="0">
-            <a:schemeClr val="accent1"/>
-          </a:effectRef>
-          <a:fontRef idx="minor">
-            <a:schemeClr val="tx1"/>
-          </a:fontRef>
-        </p:style>
-      </p:cxnSp>
-      <p:sp>
-        <p:nvSpPr>
-          <p:cNvPr id="107" name="TextBox 106">
-            <a:extLst>
-              <a:ext uri="{FF2B5EF4-FFF2-40B4-BE49-F238E27FC236}">
-                <a16:creationId xmlns:a16="http://schemas.microsoft.com/office/drawing/2014/main" id="{140FB5D7-DCFB-4A25-9B03-81240D041882}"/>
-              </a:ext>
-            </a:extLst>
-          </p:cNvPr>
-          <p:cNvSpPr txBox="1"/>
-          <p:nvPr/>
-        </p:nvSpPr>
-        <p:spPr>
-          <a:xfrm>
-            <a:off x="7798191" y="10984520"/>
-            <a:ext cx="1736373" cy="369460"/>
-          </a:xfrm>
-          <a:prstGeom prst="rect">
-            <a:avLst/>
-          </a:prstGeom>
-          <a:noFill/>
-        </p:spPr>
-        <p:txBody>
-          <a:bodyPr wrap="none" rtlCol="0">
-            <a:spAutoFit/>
-          </a:bodyPr>
-          <a:lstStyle/>
-          <a:p>
-            <a:r>
-              <a:rPr lang="en-US" sz="1801" dirty="0">
-                <a:latin typeface="Times New Roman" panose="02020603050405020304" pitchFamily="18" charset="0"/>
-                <a:cs typeface="Times New Roman" panose="02020603050405020304" pitchFamily="18" charset="0"/>
-              </a:rPr>
-              <a:t>Positive/Binding</a:t>
-            </a:r>
-          </a:p>
-        </p:txBody>
-      </p:sp>
-      <p:sp>
-        <p:nvSpPr>
-          <p:cNvPr id="108" name="TextBox 107">
-            <a:extLst>
-              <a:ext uri="{FF2B5EF4-FFF2-40B4-BE49-F238E27FC236}">
-                <a16:creationId xmlns:a16="http://schemas.microsoft.com/office/drawing/2014/main" id="{B0C8CA32-14EC-4016-9122-350CAA6ECC3F}"/>
-              </a:ext>
-            </a:extLst>
-          </p:cNvPr>
-          <p:cNvSpPr txBox="1"/>
-          <p:nvPr/>
-        </p:nvSpPr>
-        <p:spPr>
-          <a:xfrm>
-            <a:off x="7770660" y="11672241"/>
-            <a:ext cx="2262158" cy="369460"/>
-          </a:xfrm>
-          <a:prstGeom prst="rect">
-            <a:avLst/>
-          </a:prstGeom>
-          <a:noFill/>
-        </p:spPr>
-        <p:txBody>
-          <a:bodyPr wrap="none" rtlCol="0">
-            <a:spAutoFit/>
-          </a:bodyPr>
-          <a:lstStyle/>
-          <a:p>
-            <a:r>
-              <a:rPr lang="en-US" sz="1801" dirty="0">
-                <a:latin typeface="Times New Roman" panose="02020603050405020304" pitchFamily="18" charset="0"/>
-                <a:cs typeface="Times New Roman" panose="02020603050405020304" pitchFamily="18" charset="0"/>
-              </a:rPr>
-              <a:t>Negative/Non-binding</a:t>
-            </a:r>
-          </a:p>
-        </p:txBody>
-      </p:sp>
-      <p:grpSp>
-        <p:nvGrpSpPr>
-          <p:cNvPr id="112" name="Group 111">
-            <a:extLst>
-              <a:ext uri="{FF2B5EF4-FFF2-40B4-BE49-F238E27FC236}">
-                <a16:creationId xmlns:a16="http://schemas.microsoft.com/office/drawing/2014/main" id="{010568DA-628C-4340-BC53-8FA7D96F03AF}"/>
+                <a16:creationId xmlns:a16="http://schemas.microsoft.com/office/drawing/2014/main" id="{3782F83A-5033-4532-A7C4-BA03707BC5C8}"/>
               </a:ext>
             </a:extLst>
           </p:cNvPr>
@@ -4258,319 +3777,416 @@
         </p:nvGrpSpPr>
         <p:grpSpPr>
           <a:xfrm>
-            <a:off x="10310667" y="10016559"/>
-            <a:ext cx="1558497" cy="2117923"/>
-            <a:chOff x="5161610" y="21850179"/>
-            <a:chExt cx="1038263" cy="1329911"/>
+            <a:off x="14950559" y="18759115"/>
+            <a:ext cx="6460101" cy="3050623"/>
+            <a:chOff x="8862989" y="18881377"/>
+            <a:chExt cx="6460101" cy="3050623"/>
           </a:xfrm>
         </p:grpSpPr>
-        <p:cxnSp>
-          <p:nvCxnSpPr>
-            <p:cNvPr id="124" name="Straight Connector 123">
+        <p:sp>
+          <p:nvSpPr>
+            <p:cNvPr id="107" name="TextBox 106">
               <a:extLst>
                 <a:ext uri="{FF2B5EF4-FFF2-40B4-BE49-F238E27FC236}">
-                  <a16:creationId xmlns:a16="http://schemas.microsoft.com/office/drawing/2014/main" id="{90EBE366-BEE6-47E9-9107-143DB4FD545C}"/>
+                  <a16:creationId xmlns:a16="http://schemas.microsoft.com/office/drawing/2014/main" id="{140FB5D7-DCFB-4A25-9B03-81240D041882}"/>
                 </a:ext>
               </a:extLst>
             </p:cNvPr>
-            <p:cNvCxnSpPr>
-              <a:cxnSpLocks/>
-            </p:cNvCxnSpPr>
-            <p:nvPr/>
-          </p:nvCxnSpPr>
-          <p:spPr>
-            <a:xfrm flipH="1">
-              <a:off x="5338258" y="22235737"/>
-              <a:ext cx="14639" cy="944353"/>
-            </a:xfrm>
-            <a:prstGeom prst="line">
-              <a:avLst/>
-            </a:prstGeom>
-            <a:ln w="19050">
-              <a:solidFill>
-                <a:srgbClr val="A9D18E"/>
-              </a:solidFill>
-              <a:prstDash val="dash"/>
-            </a:ln>
-          </p:spPr>
-          <p:style>
-            <a:lnRef idx="1">
-              <a:schemeClr val="accent1"/>
-            </a:lnRef>
-            <a:fillRef idx="0">
-              <a:schemeClr val="accent1"/>
-            </a:fillRef>
-            <a:effectRef idx="0">
-              <a:schemeClr val="accent1"/>
-            </a:effectRef>
-            <a:fontRef idx="minor">
-              <a:schemeClr val="tx1"/>
-            </a:fontRef>
-          </p:style>
-        </p:cxnSp>
-        <p:cxnSp>
-          <p:nvCxnSpPr>
-            <p:cNvPr id="125" name="Straight Connector 124">
-              <a:extLst>
-                <a:ext uri="{FF2B5EF4-FFF2-40B4-BE49-F238E27FC236}">
-                  <a16:creationId xmlns:a16="http://schemas.microsoft.com/office/drawing/2014/main" id="{B3656A34-A65E-4574-B1A3-CA4483C73733}"/>
-                </a:ext>
-              </a:extLst>
-            </p:cNvPr>
-            <p:cNvCxnSpPr>
-              <a:cxnSpLocks/>
-            </p:cNvCxnSpPr>
-            <p:nvPr/>
-          </p:nvCxnSpPr>
-          <p:spPr>
-            <a:xfrm>
-              <a:off x="6029301" y="22195753"/>
-              <a:ext cx="0" cy="984337"/>
-            </a:xfrm>
-            <a:prstGeom prst="line">
-              <a:avLst/>
-            </a:prstGeom>
-            <a:ln w="19050">
-              <a:solidFill>
-                <a:srgbClr val="F4B183"/>
-              </a:solidFill>
-              <a:prstDash val="dash"/>
-            </a:ln>
-          </p:spPr>
-          <p:style>
-            <a:lnRef idx="1">
-              <a:schemeClr val="accent1"/>
-            </a:lnRef>
-            <a:fillRef idx="0">
-              <a:schemeClr val="accent1"/>
-            </a:fillRef>
-            <a:effectRef idx="0">
-              <a:schemeClr val="accent1"/>
-            </a:effectRef>
-            <a:fontRef idx="minor">
-              <a:schemeClr val="tx1"/>
-            </a:fontRef>
-          </p:style>
-        </p:cxnSp>
-        <p:cxnSp>
-          <p:nvCxnSpPr>
-            <p:cNvPr id="126" name="Straight Connector 125">
-              <a:extLst>
-                <a:ext uri="{FF2B5EF4-FFF2-40B4-BE49-F238E27FC236}">
-                  <a16:creationId xmlns:a16="http://schemas.microsoft.com/office/drawing/2014/main" id="{B2192B15-4EC2-47D4-ACA2-1E3D3496A3ED}"/>
-                </a:ext>
-              </a:extLst>
-            </p:cNvPr>
-            <p:cNvCxnSpPr>
-              <a:cxnSpLocks/>
-            </p:cNvCxnSpPr>
-            <p:nvPr/>
-          </p:nvCxnSpPr>
-          <p:spPr>
-            <a:xfrm>
-              <a:off x="5345578" y="22563582"/>
-              <a:ext cx="683723" cy="1"/>
-            </a:xfrm>
-            <a:prstGeom prst="line">
-              <a:avLst/>
-            </a:prstGeom>
-          </p:spPr>
-          <p:style>
-            <a:lnRef idx="1">
-              <a:schemeClr val="accent1"/>
-            </a:lnRef>
-            <a:fillRef idx="0">
-              <a:schemeClr val="accent1"/>
-            </a:fillRef>
-            <a:effectRef idx="0">
-              <a:schemeClr val="accent1"/>
-            </a:effectRef>
-            <a:fontRef idx="minor">
-              <a:schemeClr val="tx1"/>
-            </a:fontRef>
-          </p:style>
-        </p:cxnSp>
-        <p:sp>
-          <p:nvSpPr>
-            <p:cNvPr id="127" name="Oval 126">
-              <a:extLst>
-                <a:ext uri="{FF2B5EF4-FFF2-40B4-BE49-F238E27FC236}">
-                  <a16:creationId xmlns:a16="http://schemas.microsoft.com/office/drawing/2014/main" id="{17BA5D52-0D83-4A18-AA77-A9A4EBFE3C18}"/>
-                </a:ext>
-              </a:extLst>
-            </p:cNvPr>
-            <p:cNvSpPr/>
+            <p:cNvSpPr txBox="1"/>
             <p:nvPr/>
           </p:nvSpPr>
           <p:spPr>
             <a:xfrm>
-              <a:off x="5161610" y="21850179"/>
-              <a:ext cx="320843" cy="272716"/>
+              <a:off x="8925819" y="20244926"/>
+              <a:ext cx="3119765" cy="615553"/>
             </a:xfrm>
-            <a:prstGeom prst="ellipse">
+            <a:prstGeom prst="rect">
               <a:avLst/>
             </a:prstGeom>
-            <a:solidFill>
-              <a:schemeClr val="accent6">
-                <a:lumMod val="60000"/>
-                <a:lumOff val="40000"/>
-              </a:schemeClr>
-            </a:solidFill>
+            <a:noFill/>
           </p:spPr>
-          <p:style>
-            <a:lnRef idx="2">
-              <a:schemeClr val="accent1">
-                <a:shade val="50000"/>
-              </a:schemeClr>
-            </a:lnRef>
-            <a:fillRef idx="1">
-              <a:schemeClr val="accent1"/>
-            </a:fillRef>
-            <a:effectRef idx="0">
-              <a:schemeClr val="accent1"/>
-            </a:effectRef>
-            <a:fontRef idx="minor">
-              <a:schemeClr val="lt1"/>
-            </a:fontRef>
-          </p:style>
           <p:txBody>
-            <a:bodyPr rtlCol="0" anchor="ctr"/>
+            <a:bodyPr wrap="none" rtlCol="0">
+              <a:spAutoFit/>
+            </a:bodyPr>
             <a:lstStyle/>
             <a:p>
-              <a:pPr algn="ctr"/>
-              <a:endParaRPr lang="en-US" sz="1801"/>
+              <a:r>
+                <a:rPr lang="en-US" sz="3400" dirty="0">
+                  <a:latin typeface="Times New Roman" panose="02020603050405020304" pitchFamily="18" charset="0"/>
+                  <a:cs typeface="Times New Roman" panose="02020603050405020304" pitchFamily="18" charset="0"/>
+                </a:rPr>
+                <a:t>Positive/Binding</a:t>
+              </a:r>
             </a:p>
           </p:txBody>
         </p:sp>
         <p:sp>
           <p:nvSpPr>
-            <p:cNvPr id="128" name="Oval 127">
+            <p:cNvPr id="108" name="TextBox 107">
               <a:extLst>
                 <a:ext uri="{FF2B5EF4-FFF2-40B4-BE49-F238E27FC236}">
-                  <a16:creationId xmlns:a16="http://schemas.microsoft.com/office/drawing/2014/main" id="{1F6F6B76-6FC3-49C9-9103-D379F8EAC086}"/>
+                  <a16:creationId xmlns:a16="http://schemas.microsoft.com/office/drawing/2014/main" id="{B0C8CA32-14EC-4016-9122-350CAA6ECC3F}"/>
                 </a:ext>
               </a:extLst>
             </p:cNvPr>
-            <p:cNvSpPr/>
+            <p:cNvSpPr txBox="1"/>
             <p:nvPr/>
           </p:nvSpPr>
           <p:spPr>
             <a:xfrm>
-              <a:off x="5879030" y="21850179"/>
-              <a:ext cx="320843" cy="272716"/>
+              <a:off x="8862989" y="21147986"/>
+              <a:ext cx="4112023" cy="615553"/>
             </a:xfrm>
-            <a:prstGeom prst="ellipse">
+            <a:prstGeom prst="rect">
               <a:avLst/>
             </a:prstGeom>
-            <a:solidFill>
-              <a:srgbClr val="E8718C"/>
-            </a:solidFill>
+            <a:noFill/>
           </p:spPr>
-          <p:style>
-            <a:lnRef idx="2">
-              <a:schemeClr val="accent1">
-                <a:shade val="50000"/>
-              </a:schemeClr>
-            </a:lnRef>
-            <a:fillRef idx="1">
-              <a:schemeClr val="accent1"/>
-            </a:fillRef>
-            <a:effectRef idx="0">
-              <a:schemeClr val="accent1"/>
-            </a:effectRef>
-            <a:fontRef idx="minor">
-              <a:schemeClr val="lt1"/>
-            </a:fontRef>
-          </p:style>
           <p:txBody>
-            <a:bodyPr rtlCol="0" anchor="ctr"/>
+            <a:bodyPr wrap="none" rtlCol="0">
+              <a:spAutoFit/>
+            </a:bodyPr>
             <a:lstStyle/>
             <a:p>
-              <a:pPr algn="ctr"/>
-              <a:endParaRPr lang="en-US" sz="1801"/>
+              <a:r>
+                <a:rPr lang="en-US" sz="3400" dirty="0">
+                  <a:latin typeface="Times New Roman" panose="02020603050405020304" pitchFamily="18" charset="0"/>
+                  <a:cs typeface="Times New Roman" panose="02020603050405020304" pitchFamily="18" charset="0"/>
+                </a:rPr>
+                <a:t>Negative/Non-binding</a:t>
+              </a:r>
             </a:p>
           </p:txBody>
         </p:sp>
-        <p:cxnSp>
-          <p:nvCxnSpPr>
-            <p:cNvPr id="129" name="Straight Connector 128">
+        <p:grpSp>
+          <p:nvGrpSpPr>
+            <p:cNvPr id="112" name="Group 111">
               <a:extLst>
                 <a:ext uri="{FF2B5EF4-FFF2-40B4-BE49-F238E27FC236}">
-                  <a16:creationId xmlns:a16="http://schemas.microsoft.com/office/drawing/2014/main" id="{9ADBEB5E-3080-453A-B5D4-E0EF8AF84163}"/>
+                  <a16:creationId xmlns:a16="http://schemas.microsoft.com/office/drawing/2014/main" id="{010568DA-628C-4340-BC53-8FA7D96F03AF}"/>
                 </a:ext>
               </a:extLst>
             </p:cNvPr>
-            <p:cNvCxnSpPr>
-              <a:cxnSpLocks/>
-            </p:cNvCxnSpPr>
+            <p:cNvGrpSpPr/>
             <p:nvPr/>
-          </p:nvCxnSpPr>
+          </p:nvGrpSpPr>
+          <p:grpSpPr>
+            <a:xfrm>
+              <a:off x="13178903" y="18881377"/>
+              <a:ext cx="2144187" cy="3050623"/>
+              <a:chOff x="5199960" y="21850179"/>
+              <a:chExt cx="999913" cy="1340908"/>
+            </a:xfrm>
+          </p:grpSpPr>
+          <p:cxnSp>
+            <p:nvCxnSpPr>
+              <p:cNvPr id="124" name="Straight Connector 123">
+                <a:extLst>
+                  <a:ext uri="{FF2B5EF4-FFF2-40B4-BE49-F238E27FC236}">
+                    <a16:creationId xmlns:a16="http://schemas.microsoft.com/office/drawing/2014/main" id="{90EBE366-BEE6-47E9-9107-143DB4FD545C}"/>
+                  </a:ext>
+                </a:extLst>
+              </p:cNvPr>
+              <p:cNvCxnSpPr>
+                <a:cxnSpLocks/>
+              </p:cNvCxnSpPr>
+              <p:nvPr/>
+            </p:nvCxnSpPr>
+            <p:spPr>
+              <a:xfrm flipH="1">
+                <a:off x="5343057" y="22215745"/>
+                <a:ext cx="9841" cy="975342"/>
+              </a:xfrm>
+              <a:prstGeom prst="line">
+                <a:avLst/>
+              </a:prstGeom>
+              <a:ln w="19050">
+                <a:solidFill>
+                  <a:srgbClr val="A9D18E"/>
+                </a:solidFill>
+                <a:prstDash val="dash"/>
+              </a:ln>
+            </p:spPr>
+            <p:style>
+              <a:lnRef idx="1">
+                <a:schemeClr val="accent1"/>
+              </a:lnRef>
+              <a:fillRef idx="0">
+                <a:schemeClr val="accent1"/>
+              </a:fillRef>
+              <a:effectRef idx="0">
+                <a:schemeClr val="accent1"/>
+              </a:effectRef>
+              <a:fontRef idx="minor">
+                <a:schemeClr val="tx1"/>
+              </a:fontRef>
+            </p:style>
+          </p:cxnSp>
+          <p:cxnSp>
+            <p:nvCxnSpPr>
+              <p:cNvPr id="125" name="Straight Connector 124">
+                <a:extLst>
+                  <a:ext uri="{FF2B5EF4-FFF2-40B4-BE49-F238E27FC236}">
+                    <a16:creationId xmlns:a16="http://schemas.microsoft.com/office/drawing/2014/main" id="{B3656A34-A65E-4574-B1A3-CA4483C73733}"/>
+                  </a:ext>
+                </a:extLst>
+              </p:cNvPr>
+              <p:cNvCxnSpPr>
+                <a:cxnSpLocks/>
+              </p:cNvCxnSpPr>
+              <p:nvPr/>
+            </p:nvCxnSpPr>
+            <p:spPr>
+              <a:xfrm>
+                <a:off x="6029301" y="22195753"/>
+                <a:ext cx="0" cy="984337"/>
+              </a:xfrm>
+              <a:prstGeom prst="line">
+                <a:avLst/>
+              </a:prstGeom>
+              <a:ln w="19050">
+                <a:solidFill>
+                  <a:srgbClr val="F4B183"/>
+                </a:solidFill>
+                <a:prstDash val="dash"/>
+              </a:ln>
+            </p:spPr>
+            <p:style>
+              <a:lnRef idx="1">
+                <a:schemeClr val="accent1"/>
+              </a:lnRef>
+              <a:fillRef idx="0">
+                <a:schemeClr val="accent1"/>
+              </a:fillRef>
+              <a:effectRef idx="0">
+                <a:schemeClr val="accent1"/>
+              </a:effectRef>
+              <a:fontRef idx="minor">
+                <a:schemeClr val="tx1"/>
+              </a:fontRef>
+            </p:style>
+          </p:cxnSp>
+          <p:cxnSp>
+            <p:nvCxnSpPr>
+              <p:cNvPr id="126" name="Straight Connector 125">
+                <a:extLst>
+                  <a:ext uri="{FF2B5EF4-FFF2-40B4-BE49-F238E27FC236}">
+                    <a16:creationId xmlns:a16="http://schemas.microsoft.com/office/drawing/2014/main" id="{B2192B15-4EC2-47D4-ACA2-1E3D3496A3ED}"/>
+                  </a:ext>
+                </a:extLst>
+              </p:cNvPr>
+              <p:cNvCxnSpPr>
+                <a:cxnSpLocks/>
+              </p:cNvCxnSpPr>
+              <p:nvPr/>
+            </p:nvCxnSpPr>
+            <p:spPr>
+              <a:xfrm>
+                <a:off x="5345578" y="22563582"/>
+                <a:ext cx="683723" cy="1"/>
+              </a:xfrm>
+              <a:prstGeom prst="line">
+                <a:avLst/>
+              </a:prstGeom>
+            </p:spPr>
+            <p:style>
+              <a:lnRef idx="1">
+                <a:schemeClr val="accent1"/>
+              </a:lnRef>
+              <a:fillRef idx="0">
+                <a:schemeClr val="accent1"/>
+              </a:fillRef>
+              <a:effectRef idx="0">
+                <a:schemeClr val="accent1"/>
+              </a:effectRef>
+              <a:fontRef idx="minor">
+                <a:schemeClr val="tx1"/>
+              </a:fontRef>
+            </p:style>
+          </p:cxnSp>
+          <p:sp>
+            <p:nvSpPr>
+              <p:cNvPr id="127" name="Oval 126">
+                <a:extLst>
+                  <a:ext uri="{FF2B5EF4-FFF2-40B4-BE49-F238E27FC236}">
+                    <a16:creationId xmlns:a16="http://schemas.microsoft.com/office/drawing/2014/main" id="{17BA5D52-0D83-4A18-AA77-A9A4EBFE3C18}"/>
+                  </a:ext>
+                </a:extLst>
+              </p:cNvPr>
+              <p:cNvSpPr/>
+              <p:nvPr/>
+            </p:nvSpPr>
+            <p:spPr>
+              <a:xfrm>
+                <a:off x="5199960" y="21850179"/>
+                <a:ext cx="320843" cy="272716"/>
+              </a:xfrm>
+              <a:prstGeom prst="ellipse">
+                <a:avLst/>
+              </a:prstGeom>
+              <a:solidFill>
+                <a:schemeClr val="accent6">
+                  <a:lumMod val="60000"/>
+                  <a:lumOff val="40000"/>
+                </a:schemeClr>
+              </a:solidFill>
+            </p:spPr>
+            <p:style>
+              <a:lnRef idx="2">
+                <a:schemeClr val="accent1">
+                  <a:shade val="50000"/>
+                </a:schemeClr>
+              </a:lnRef>
+              <a:fillRef idx="1">
+                <a:schemeClr val="accent1"/>
+              </a:fillRef>
+              <a:effectRef idx="0">
+                <a:schemeClr val="accent1"/>
+              </a:effectRef>
+              <a:fontRef idx="minor">
+                <a:schemeClr val="lt1"/>
+              </a:fontRef>
+            </p:style>
+            <p:txBody>
+              <a:bodyPr rtlCol="0" anchor="ctr"/>
+              <a:lstStyle/>
+              <a:p>
+                <a:pPr algn="ctr"/>
+                <a:endParaRPr lang="en-US" sz="2573"/>
+              </a:p>
+            </p:txBody>
+          </p:sp>
+          <p:sp>
+            <p:nvSpPr>
+              <p:cNvPr id="128" name="Oval 127">
+                <a:extLst>
+                  <a:ext uri="{FF2B5EF4-FFF2-40B4-BE49-F238E27FC236}">
+                    <a16:creationId xmlns:a16="http://schemas.microsoft.com/office/drawing/2014/main" id="{1F6F6B76-6FC3-49C9-9103-D379F8EAC086}"/>
+                  </a:ext>
+                </a:extLst>
+              </p:cNvPr>
+              <p:cNvSpPr/>
+              <p:nvPr/>
+            </p:nvSpPr>
+            <p:spPr>
+              <a:xfrm>
+                <a:off x="5879030" y="21850179"/>
+                <a:ext cx="320843" cy="272716"/>
+              </a:xfrm>
+              <a:prstGeom prst="ellipse">
+                <a:avLst/>
+              </a:prstGeom>
+              <a:solidFill>
+                <a:srgbClr val="E8718C"/>
+              </a:solidFill>
+            </p:spPr>
+            <p:style>
+              <a:lnRef idx="2">
+                <a:schemeClr val="accent1">
+                  <a:shade val="50000"/>
+                </a:schemeClr>
+              </a:lnRef>
+              <a:fillRef idx="1">
+                <a:schemeClr val="accent1"/>
+              </a:fillRef>
+              <a:effectRef idx="0">
+                <a:schemeClr val="accent1"/>
+              </a:effectRef>
+              <a:fontRef idx="minor">
+                <a:schemeClr val="lt1"/>
+              </a:fontRef>
+            </p:style>
+            <p:txBody>
+              <a:bodyPr rtlCol="0" anchor="ctr"/>
+              <a:lstStyle/>
+              <a:p>
+                <a:pPr algn="ctr"/>
+                <a:endParaRPr lang="en-US" sz="2573"/>
+              </a:p>
+            </p:txBody>
+          </p:sp>
+          <p:cxnSp>
+            <p:nvCxnSpPr>
+              <p:cNvPr id="129" name="Straight Connector 128">
+                <a:extLst>
+                  <a:ext uri="{FF2B5EF4-FFF2-40B4-BE49-F238E27FC236}">
+                    <a16:creationId xmlns:a16="http://schemas.microsoft.com/office/drawing/2014/main" id="{9ADBEB5E-3080-453A-B5D4-E0EF8AF84163}"/>
+                  </a:ext>
+                </a:extLst>
+              </p:cNvPr>
+              <p:cNvCxnSpPr>
+                <a:cxnSpLocks/>
+              </p:cNvCxnSpPr>
+              <p:nvPr/>
+            </p:nvCxnSpPr>
+            <p:spPr>
+              <a:xfrm flipH="1">
+                <a:off x="5338258" y="22995424"/>
+                <a:ext cx="691042" cy="0"/>
+              </a:xfrm>
+              <a:prstGeom prst="line">
+                <a:avLst/>
+              </a:prstGeom>
+              <a:ln>
+                <a:prstDash val="lgDash"/>
+              </a:ln>
+            </p:spPr>
+            <p:style>
+              <a:lnRef idx="1">
+                <a:schemeClr val="accent1"/>
+              </a:lnRef>
+              <a:fillRef idx="0">
+                <a:schemeClr val="accent1"/>
+              </a:fillRef>
+              <a:effectRef idx="0">
+                <a:schemeClr val="accent1"/>
+              </a:effectRef>
+              <a:fontRef idx="minor">
+                <a:schemeClr val="tx1"/>
+              </a:fontRef>
+            </p:style>
+          </p:cxnSp>
+        </p:grpSp>
+        <p:sp>
+          <p:nvSpPr>
+            <p:cNvPr id="123" name="TextBox 122">
+              <a:extLst>
+                <a:ext uri="{FF2B5EF4-FFF2-40B4-BE49-F238E27FC236}">
+                  <a16:creationId xmlns:a16="http://schemas.microsoft.com/office/drawing/2014/main" id="{F7F22D7E-567D-4D73-8484-36102B18F1B4}"/>
+                </a:ext>
+              </a:extLst>
+            </p:cNvPr>
+            <p:cNvSpPr txBox="1"/>
+            <p:nvPr/>
+          </p:nvSpPr>
           <p:spPr>
-            <a:xfrm flipH="1">
-              <a:off x="5338258" y="22995424"/>
-              <a:ext cx="691042" cy="0"/>
+            <a:xfrm>
+              <a:off x="8948079" y="19052014"/>
+              <a:ext cx="2124299" cy="615553"/>
             </a:xfrm>
-            <a:prstGeom prst="line">
+            <a:prstGeom prst="rect">
               <a:avLst/>
             </a:prstGeom>
-            <a:ln>
-              <a:prstDash val="lgDash"/>
-            </a:ln>
+            <a:noFill/>
           </p:spPr>
-          <p:style>
-            <a:lnRef idx="1">
-              <a:schemeClr val="accent1"/>
-            </a:lnRef>
-            <a:fillRef idx="0">
-              <a:schemeClr val="accent1"/>
-            </a:fillRef>
-            <a:effectRef idx="0">
-              <a:schemeClr val="accent1"/>
-            </a:effectRef>
-            <a:fontRef idx="minor">
-              <a:schemeClr val="tx1"/>
-            </a:fontRef>
-          </p:style>
-        </p:cxnSp>
+          <p:txBody>
+            <a:bodyPr wrap="none" rtlCol="0">
+              <a:spAutoFit/>
+            </a:bodyPr>
+            <a:lstStyle/>
+            <a:p>
+              <a:r>
+                <a:rPr lang="en-US" sz="3400" i="1" dirty="0">
+                  <a:latin typeface="Times New Roman" panose="02020603050405020304" pitchFamily="18" charset="0"/>
+                  <a:cs typeface="Times New Roman" panose="02020603050405020304" pitchFamily="18" charset="0"/>
+                </a:rPr>
+                <a:t>Annotation</a:t>
+              </a:r>
+            </a:p>
+          </p:txBody>
+        </p:sp>
       </p:grpSp>
-      <p:sp>
-        <p:nvSpPr>
-          <p:cNvPr id="123" name="TextBox 122">
-            <a:extLst>
-              <a:ext uri="{FF2B5EF4-FFF2-40B4-BE49-F238E27FC236}">
-                <a16:creationId xmlns:a16="http://schemas.microsoft.com/office/drawing/2014/main" id="{F7F22D7E-567D-4D73-8484-36102B18F1B4}"/>
-              </a:ext>
-            </a:extLst>
-          </p:cNvPr>
-          <p:cNvSpPr txBox="1"/>
-          <p:nvPr/>
-        </p:nvSpPr>
-        <p:spPr>
-          <a:xfrm>
-            <a:off x="7798191" y="10117676"/>
-            <a:ext cx="1600426" cy="468436"/>
-          </a:xfrm>
-          <a:prstGeom prst="rect">
-            <a:avLst/>
-          </a:prstGeom>
-          <a:noFill/>
-        </p:spPr>
-        <p:txBody>
-          <a:bodyPr wrap="none" rtlCol="0">
-            <a:spAutoFit/>
-          </a:bodyPr>
-          <a:lstStyle/>
-          <a:p>
-            <a:r>
-              <a:rPr lang="en-US" sz="1801" i="1" dirty="0">
-                <a:latin typeface="Times New Roman" panose="02020603050405020304" pitchFamily="18" charset="0"/>
-                <a:cs typeface="Times New Roman" panose="02020603050405020304" pitchFamily="18" charset="0"/>
-              </a:rPr>
-              <a:t>Annotation</a:t>
-            </a:r>
-          </a:p>
-        </p:txBody>
-      </p:sp>
       <p:sp>
         <p:nvSpPr>
           <p:cNvPr id="29" name="Arrow: Right 28">
@@ -4584,18 +4200,15 @@
           <p:nvPr/>
         </p:nvSpPr>
         <p:spPr>
-          <a:xfrm>
-            <a:off x="8621865" y="4725699"/>
-            <a:ext cx="1136157" cy="1181428"/>
+          <a:xfrm rot="5400000">
+            <a:off x="6972730" y="14431436"/>
+            <a:ext cx="1857889" cy="1622421"/>
           </a:xfrm>
           <a:prstGeom prst="rightArrow">
             <a:avLst/>
           </a:prstGeom>
           <a:solidFill>
-            <a:schemeClr val="accent3">
-              <a:lumMod val="20000"/>
-              <a:lumOff val="80000"/>
-            </a:schemeClr>
+            <a:schemeClr val="bg1"/>
           </a:solidFill>
           <a:ln w="28575">
             <a:solidFill>
@@ -4769,46 +4382,16 @@
           <a:lstStyle/>
           <a:p>
             <a:pPr algn="ctr"/>
-            <a:endParaRPr lang="en-US"/>
-          </a:p>
-        </p:txBody>
-      </p:sp>
-      <p:pic>
-        <p:nvPicPr>
-          <p:cNvPr id="33" name="Picture 32" descr="Diagram&#10;&#10;Description automatically generated">
+            <a:endParaRPr lang="en-US" sz="2571"/>
+          </a:p>
+        </p:txBody>
+      </p:sp>
+      <p:grpSp>
+        <p:nvGrpSpPr>
+          <p:cNvPr id="4" name="Group 3">
             <a:extLst>
               <a:ext uri="{FF2B5EF4-FFF2-40B4-BE49-F238E27FC236}">
-                <a16:creationId xmlns:a16="http://schemas.microsoft.com/office/drawing/2014/main" id="{82720164-4AA0-44B4-971A-56FFE794167F}"/>
-              </a:ext>
-            </a:extLst>
-          </p:cNvPr>
-          <p:cNvPicPr>
-            <a:picLocks noChangeAspect="1"/>
-          </p:cNvPicPr>
-          <p:nvPr/>
-        </p:nvPicPr>
-        <p:blipFill>
-          <a:blip r:embed="rId4"/>
-          <a:stretch>
-            <a:fillRect/>
-          </a:stretch>
-        </p:blipFill>
-        <p:spPr>
-          <a:xfrm>
-            <a:off x="13570345" y="5792572"/>
-            <a:ext cx="705330" cy="1354977"/>
-          </a:xfrm>
-          <a:prstGeom prst="rect">
-            <a:avLst/>
-          </a:prstGeom>
-        </p:spPr>
-      </p:pic>
-      <p:grpSp>
-        <p:nvGrpSpPr>
-          <p:cNvPr id="39" name="Group 38">
-            <a:extLst>
-              <a:ext uri="{FF2B5EF4-FFF2-40B4-BE49-F238E27FC236}">
-                <a16:creationId xmlns:a16="http://schemas.microsoft.com/office/drawing/2014/main" id="{235CF9D0-A550-4784-AA80-E718D12DCADB}"/>
+                <a16:creationId xmlns:a16="http://schemas.microsoft.com/office/drawing/2014/main" id="{EBFF9EF4-350F-4BA3-8B29-220D408BE63E}"/>
               </a:ext>
             </a:extLst>
           </p:cNvPr>
@@ -4817,18 +4400,225 @@
         </p:nvGrpSpPr>
         <p:grpSpPr>
           <a:xfrm>
-            <a:off x="10041144" y="5212119"/>
-            <a:ext cx="1646966" cy="1549295"/>
-            <a:chOff x="11262360" y="3855720"/>
-            <a:chExt cx="1646966" cy="1549295"/>
+            <a:off x="15345718" y="22946287"/>
+            <a:ext cx="7066940" cy="3054886"/>
+            <a:chOff x="17385277" y="18931406"/>
+            <a:chExt cx="7066940" cy="3054886"/>
           </a:xfrm>
         </p:grpSpPr>
         <p:sp>
           <p:nvSpPr>
-            <p:cNvPr id="83" name="Oval 82">
+            <p:cNvPr id="178" name="TextBox 177">
               <a:extLst>
                 <a:ext uri="{FF2B5EF4-FFF2-40B4-BE49-F238E27FC236}">
-                  <a16:creationId xmlns:a16="http://schemas.microsoft.com/office/drawing/2014/main" id="{FB253AFD-C445-49AE-9B21-B0657676197E}"/>
+                  <a16:creationId xmlns:a16="http://schemas.microsoft.com/office/drawing/2014/main" id="{436C559E-A05B-44B9-8478-CD5B3737E18B}"/>
+                </a:ext>
+              </a:extLst>
+            </p:cNvPr>
+            <p:cNvSpPr txBox="1"/>
+            <p:nvPr/>
+          </p:nvSpPr>
+          <p:spPr>
+            <a:xfrm>
+              <a:off x="18146508" y="19857696"/>
+              <a:ext cx="6135244" cy="2128596"/>
+            </a:xfrm>
+            <a:prstGeom prst="rect">
+              <a:avLst/>
+            </a:prstGeom>
+            <a:noFill/>
+          </p:spPr>
+          <p:txBody>
+            <a:bodyPr wrap="square" rtlCol="0">
+              <a:spAutoFit/>
+            </a:bodyPr>
+            <a:lstStyle/>
+            <a:p>
+              <a:r>
+                <a:rPr lang="en-US" sz="4329" dirty="0">
+                  <a:latin typeface="Times New Roman" panose="02020603050405020304" pitchFamily="18" charset="0"/>
+                  <a:ea typeface="Calibri" panose="020F0502020204030204" pitchFamily="34" charset="0"/>
+                  <a:cs typeface="Times New Roman" panose="02020603050405020304" pitchFamily="18" charset="0"/>
+                </a:rPr>
+                <a:t>k</a:t>
+              </a:r>
+              <a:r>
+                <a:rPr lang="en-US" sz="4329" baseline="-25000" dirty="0">
+                  <a:latin typeface="Times New Roman" panose="02020603050405020304" pitchFamily="18" charset="0"/>
+                  <a:ea typeface="Calibri" panose="020F0502020204030204" pitchFamily="34" charset="0"/>
+                  <a:cs typeface="Times New Roman" panose="02020603050405020304" pitchFamily="18" charset="0"/>
+                </a:rPr>
+                <a:t>i</a:t>
+              </a:r>
+              <a:r>
+                <a:rPr lang="en-US" sz="4329" baseline="30000" dirty="0">
+                  <a:latin typeface="Times New Roman" panose="02020603050405020304" pitchFamily="18" charset="0"/>
+                  <a:ea typeface="Calibri" panose="020F0502020204030204" pitchFamily="34" charset="0"/>
+                  <a:cs typeface="Times New Roman" panose="02020603050405020304" pitchFamily="18" charset="0"/>
+                </a:rPr>
+                <a:t>+ </a:t>
+              </a:r>
+              <a:r>
+                <a:rPr lang="en-US" sz="4329" dirty="0">
+                  <a:latin typeface="Times New Roman" panose="02020603050405020304" pitchFamily="18" charset="0"/>
+                  <a:cs typeface="Times New Roman" panose="02020603050405020304" pitchFamily="18" charset="0"/>
+                </a:rPr>
+                <a:t>= </a:t>
+              </a:r>
+              <a:r>
+                <a:rPr lang="en-US" sz="4330" dirty="0">
+                  <a:latin typeface="Times New Roman" panose="02020603050405020304" pitchFamily="18" charset="0"/>
+                  <a:cs typeface="Times New Roman" panose="02020603050405020304" pitchFamily="18" charset="0"/>
+                </a:rPr>
+                <a:t>1</a:t>
+              </a:r>
+            </a:p>
+            <a:p>
+              <a:r>
+                <a:rPr lang="en-US" sz="4329" dirty="0">
+                  <a:latin typeface="Times New Roman" panose="02020603050405020304" pitchFamily="18" charset="0"/>
+                  <a:ea typeface="Calibri" panose="020F0502020204030204" pitchFamily="34" charset="0"/>
+                  <a:cs typeface="Times New Roman" panose="02020603050405020304" pitchFamily="18" charset="0"/>
+                </a:rPr>
+                <a:t>k</a:t>
+              </a:r>
+              <a:r>
+                <a:rPr lang="en-US" sz="4329" baseline="-25000" dirty="0">
+                  <a:latin typeface="Times New Roman" panose="02020603050405020304" pitchFamily="18" charset="0"/>
+                  <a:ea typeface="Calibri" panose="020F0502020204030204" pitchFamily="34" charset="0"/>
+                  <a:cs typeface="Times New Roman" panose="02020603050405020304" pitchFamily="18" charset="0"/>
+                </a:rPr>
+                <a:t>i</a:t>
+              </a:r>
+              <a:r>
+                <a:rPr lang="en-US" sz="4329" baseline="30000" dirty="0">
+                  <a:latin typeface="Times New Roman" panose="02020603050405020304" pitchFamily="18" charset="0"/>
+                  <a:ea typeface="Calibri" panose="020F0502020204030204" pitchFamily="34" charset="0"/>
+                  <a:cs typeface="Times New Roman" panose="02020603050405020304" pitchFamily="18" charset="0"/>
+                </a:rPr>
+                <a:t>- </a:t>
+              </a:r>
+              <a:r>
+                <a:rPr lang="en-US" sz="4330" dirty="0">
+                  <a:latin typeface="Times New Roman" panose="02020603050405020304" pitchFamily="18" charset="0"/>
+                  <a:cs typeface="Times New Roman" panose="02020603050405020304" pitchFamily="18" charset="0"/>
+                </a:rPr>
+                <a:t>= 2</a:t>
+              </a:r>
+            </a:p>
+            <a:p>
+              <a:r>
+                <a:rPr lang="el-GR" sz="4329" dirty="0">
+                  <a:latin typeface="Times New Roman" panose="02020603050405020304" pitchFamily="18" charset="0"/>
+                  <a:ea typeface="Calibri" panose="020F0502020204030204" pitchFamily="34" charset="0"/>
+                  <a:cs typeface="Times New Roman" panose="02020603050405020304" pitchFamily="18" charset="0"/>
+                </a:rPr>
+                <a:t>ρ</a:t>
+              </a:r>
+              <a:r>
+                <a:rPr lang="en-US" sz="4329" baseline="-25000" dirty="0">
+                  <a:latin typeface="Times New Roman" panose="02020603050405020304" pitchFamily="18" charset="0"/>
+                  <a:ea typeface="Calibri" panose="020F0502020204030204" pitchFamily="34" charset="0"/>
+                  <a:cs typeface="Times New Roman" panose="02020603050405020304" pitchFamily="18" charset="0"/>
+                </a:rPr>
+                <a:t>i </a:t>
+              </a:r>
+              <a:r>
+                <a:rPr lang="el-GR" sz="4572" dirty="0">
+                  <a:solidFill>
+                    <a:srgbClr val="202124"/>
+                  </a:solidFill>
+                  <a:latin typeface="Times New Roman" panose="02020603050405020304" pitchFamily="18" charset="0"/>
+                  <a:cs typeface="Times New Roman" panose="02020603050405020304" pitchFamily="18" charset="0"/>
+                </a:rPr>
+                <a:t> </a:t>
+              </a:r>
+              <a:r>
+                <a:rPr lang="en-US" sz="4330" dirty="0">
+                  <a:latin typeface="Times New Roman" panose="02020603050405020304" pitchFamily="18" charset="0"/>
+                  <a:cs typeface="Times New Roman" panose="02020603050405020304" pitchFamily="18" charset="0"/>
+                </a:rPr>
+                <a:t>= 1/(1+2) = 0.33</a:t>
+              </a:r>
+            </a:p>
+          </p:txBody>
+        </p:sp>
+        <p:sp>
+          <p:nvSpPr>
+            <p:cNvPr id="179" name="TextBox 178">
+              <a:extLst>
+                <a:ext uri="{FF2B5EF4-FFF2-40B4-BE49-F238E27FC236}">
+                  <a16:creationId xmlns:a16="http://schemas.microsoft.com/office/drawing/2014/main" id="{19237E6D-6E36-41D0-9CEA-DE1DDC8A6108}"/>
+                </a:ext>
+              </a:extLst>
+            </p:cNvPr>
+            <p:cNvSpPr txBox="1"/>
+            <p:nvPr/>
+          </p:nvSpPr>
+          <p:spPr>
+            <a:xfrm>
+              <a:off x="17385277" y="18931406"/>
+              <a:ext cx="7066940" cy="1675459"/>
+            </a:xfrm>
+            <a:prstGeom prst="rect">
+              <a:avLst/>
+            </a:prstGeom>
+            <a:noFill/>
+          </p:spPr>
+          <p:txBody>
+            <a:bodyPr wrap="square" rtlCol="0">
+              <a:spAutoFit/>
+            </a:bodyPr>
+            <a:lstStyle/>
+            <a:p>
+              <a:pPr algn="l"/>
+              <a:r>
+                <a:rPr lang="en-US" sz="3400" i="1" dirty="0">
+                  <a:latin typeface="-apple-system"/>
+                </a:rPr>
+                <a:t>Ligand: Ripk1-IN-7</a:t>
+              </a:r>
+            </a:p>
+            <a:p>
+              <a:br>
+                <a:rPr lang="en-US" sz="3429" dirty="0">
+                  <a:latin typeface="-apple-system"/>
+                </a:rPr>
+              </a:br>
+              <a:endParaRPr lang="en-US" sz="3429" dirty="0">
+                <a:latin typeface="Times New Roman" panose="02020603050405020304" pitchFamily="18" charset="0"/>
+                <a:cs typeface="Times New Roman" panose="02020603050405020304" pitchFamily="18" charset="0"/>
+              </a:endParaRPr>
+            </a:p>
+          </p:txBody>
+        </p:sp>
+      </p:grpSp>
+      <p:grpSp>
+        <p:nvGrpSpPr>
+          <p:cNvPr id="3" name="Group 2">
+            <a:extLst>
+              <a:ext uri="{FF2B5EF4-FFF2-40B4-BE49-F238E27FC236}">
+                <a16:creationId xmlns:a16="http://schemas.microsoft.com/office/drawing/2014/main" id="{A8E5070A-6CC3-4C74-91A2-AEDE572BD2BA}"/>
+              </a:ext>
+            </a:extLst>
+          </p:cNvPr>
+          <p:cNvGrpSpPr/>
+          <p:nvPr/>
+        </p:nvGrpSpPr>
+        <p:grpSpPr>
+          <a:xfrm>
+            <a:off x="1942968" y="17130936"/>
+            <a:ext cx="12221510" cy="9357604"/>
+            <a:chOff x="12257314" y="8882742"/>
+            <a:chExt cx="12221510" cy="9357604"/>
+          </a:xfrm>
+        </p:grpSpPr>
+        <p:sp>
+          <p:nvSpPr>
+            <p:cNvPr id="81" name="Oval 80">
+              <a:extLst>
+                <a:ext uri="{FF2B5EF4-FFF2-40B4-BE49-F238E27FC236}">
+                  <a16:creationId xmlns:a16="http://schemas.microsoft.com/office/drawing/2014/main" id="{6CCF695D-009F-4E8F-B2D6-0E725AB00C82}"/>
                 </a:ext>
               </a:extLst>
             </p:cNvPr>
@@ -4837,8 +4627,244 @@
           </p:nvSpPr>
           <p:spPr>
             <a:xfrm>
-              <a:off x="11262360" y="3855720"/>
-              <a:ext cx="1646966" cy="1549295"/>
+              <a:off x="17048418" y="12678441"/>
+              <a:ext cx="2417483" cy="2273010"/>
+            </a:xfrm>
+            <a:prstGeom prst="ellipse">
+              <a:avLst/>
+            </a:prstGeom>
+            <a:noFill/>
+            <a:ln>
+              <a:solidFill>
+                <a:srgbClr val="92D050"/>
+              </a:solidFill>
+            </a:ln>
+          </p:spPr>
+          <p:style>
+            <a:lnRef idx="2">
+              <a:schemeClr val="accent1">
+                <a:shade val="50000"/>
+              </a:schemeClr>
+            </a:lnRef>
+            <a:fillRef idx="1">
+              <a:schemeClr val="accent1"/>
+            </a:fillRef>
+            <a:effectRef idx="0">
+              <a:schemeClr val="accent1"/>
+            </a:effectRef>
+            <a:fontRef idx="minor">
+              <a:schemeClr val="lt1"/>
+            </a:fontRef>
+          </p:style>
+          <p:txBody>
+            <a:bodyPr rtlCol="0" anchor="ctr"/>
+            <a:lstStyle/>
+            <a:p>
+              <a:pPr algn="ctr"/>
+              <a:endParaRPr lang="en-US" sz="3117"/>
+            </a:p>
+          </p:txBody>
+        </p:sp>
+        <p:sp>
+          <p:nvSpPr>
+            <p:cNvPr id="11" name="Oval 10">
+              <a:extLst>
+                <a:ext uri="{FF2B5EF4-FFF2-40B4-BE49-F238E27FC236}">
+                  <a16:creationId xmlns:a16="http://schemas.microsoft.com/office/drawing/2014/main" id="{E5E66C44-B688-4965-A6AB-1990D20BD161}"/>
+                </a:ext>
+              </a:extLst>
+            </p:cNvPr>
+            <p:cNvSpPr/>
+            <p:nvPr/>
+          </p:nvSpPr>
+          <p:spPr>
+            <a:xfrm>
+              <a:off x="12257314" y="8882742"/>
+              <a:ext cx="11999686" cy="9357604"/>
+            </a:xfrm>
+            <a:prstGeom prst="ellipse">
+              <a:avLst/>
+            </a:prstGeom>
+            <a:noFill/>
+            <a:ln>
+              <a:solidFill>
+                <a:schemeClr val="bg2">
+                  <a:lumMod val="10000"/>
+                </a:schemeClr>
+              </a:solidFill>
+              <a:prstDash val="lgDash"/>
+            </a:ln>
+          </p:spPr>
+          <p:style>
+            <a:lnRef idx="2">
+              <a:schemeClr val="accent1">
+                <a:shade val="50000"/>
+              </a:schemeClr>
+            </a:lnRef>
+            <a:fillRef idx="1">
+              <a:schemeClr val="accent1"/>
+            </a:fillRef>
+            <a:effectRef idx="0">
+              <a:schemeClr val="accent1"/>
+            </a:effectRef>
+            <a:fontRef idx="minor">
+              <a:schemeClr val="lt1"/>
+            </a:fontRef>
+          </p:style>
+          <p:txBody>
+            <a:bodyPr rtlCol="0" anchor="ctr"/>
+            <a:lstStyle/>
+            <a:p>
+              <a:pPr algn="ctr"/>
+              <a:endParaRPr lang="en-US" sz="2571"/>
+            </a:p>
+          </p:txBody>
+        </p:sp>
+        <p:cxnSp>
+          <p:nvCxnSpPr>
+            <p:cNvPr id="85" name="Straight Connector 84">
+              <a:extLst>
+                <a:ext uri="{FF2B5EF4-FFF2-40B4-BE49-F238E27FC236}">
+                  <a16:creationId xmlns:a16="http://schemas.microsoft.com/office/drawing/2014/main" id="{DCA94508-2EEC-4CFB-B745-14995D5FB496}"/>
+                </a:ext>
+              </a:extLst>
+            </p:cNvPr>
+            <p:cNvCxnSpPr>
+              <a:cxnSpLocks/>
+            </p:cNvCxnSpPr>
+            <p:nvPr/>
+          </p:nvCxnSpPr>
+          <p:spPr>
+            <a:xfrm>
+              <a:off x="15026512" y="13345233"/>
+              <a:ext cx="2097771" cy="216313"/>
+            </a:xfrm>
+            <a:prstGeom prst="line">
+              <a:avLst/>
+            </a:prstGeom>
+            <a:ln w="19050">
+              <a:prstDash val="lgDash"/>
+            </a:ln>
+          </p:spPr>
+          <p:style>
+            <a:lnRef idx="1">
+              <a:schemeClr val="accent1"/>
+            </a:lnRef>
+            <a:fillRef idx="0">
+              <a:schemeClr val="accent1"/>
+            </a:fillRef>
+            <a:effectRef idx="0">
+              <a:schemeClr val="accent1"/>
+            </a:effectRef>
+            <a:fontRef idx="minor">
+              <a:schemeClr val="tx1"/>
+            </a:fontRef>
+          </p:style>
+        </p:cxnSp>
+        <p:sp>
+          <p:nvSpPr>
+            <p:cNvPr id="91" name="TextBox 90">
+              <a:extLst>
+                <a:ext uri="{FF2B5EF4-FFF2-40B4-BE49-F238E27FC236}">
+                  <a16:creationId xmlns:a16="http://schemas.microsoft.com/office/drawing/2014/main" id="{1DF644D8-B6D5-44C5-BBB2-A77E35C66D85}"/>
+                </a:ext>
+              </a:extLst>
+            </p:cNvPr>
+            <p:cNvSpPr txBox="1"/>
+            <p:nvPr/>
+          </p:nvSpPr>
+          <p:spPr>
+            <a:xfrm>
+              <a:off x="17411884" y="15114100"/>
+              <a:ext cx="7066940" cy="1675459"/>
+            </a:xfrm>
+            <a:prstGeom prst="rect">
+              <a:avLst/>
+            </a:prstGeom>
+            <a:noFill/>
+          </p:spPr>
+          <p:txBody>
+            <a:bodyPr wrap="square" rtlCol="0">
+              <a:spAutoFit/>
+            </a:bodyPr>
+            <a:lstStyle/>
+            <a:p>
+              <a:pPr algn="l"/>
+              <a:r>
+                <a:rPr lang="en-US" sz="3429" dirty="0">
+                  <a:latin typeface="-apple-system"/>
+                </a:rPr>
+                <a:t>Ripk1-IN-7</a:t>
+              </a:r>
+            </a:p>
+            <a:p>
+              <a:br>
+                <a:rPr lang="en-US" sz="3429" dirty="0">
+                  <a:latin typeface="-apple-system"/>
+                </a:rPr>
+              </a:br>
+              <a:endParaRPr lang="en-US" sz="3429" dirty="0">
+                <a:latin typeface="Times New Roman" panose="02020603050405020304" pitchFamily="18" charset="0"/>
+                <a:cs typeface="Times New Roman" panose="02020603050405020304" pitchFamily="18" charset="0"/>
+              </a:endParaRPr>
+            </a:p>
+          </p:txBody>
+        </p:sp>
+        <p:sp>
+          <p:nvSpPr>
+            <p:cNvPr id="92" name="TextBox 91">
+              <a:extLst>
+                <a:ext uri="{FF2B5EF4-FFF2-40B4-BE49-F238E27FC236}">
+                  <a16:creationId xmlns:a16="http://schemas.microsoft.com/office/drawing/2014/main" id="{60B2E043-EDC4-4B9E-A07A-0B5A6CE97A6B}"/>
+                </a:ext>
+              </a:extLst>
+            </p:cNvPr>
+            <p:cNvSpPr txBox="1"/>
+            <p:nvPr/>
+          </p:nvSpPr>
+          <p:spPr>
+            <a:xfrm>
+              <a:off x="13205356" y="14357881"/>
+              <a:ext cx="3207100" cy="1147750"/>
+            </a:xfrm>
+            <a:prstGeom prst="rect">
+              <a:avLst/>
+            </a:prstGeom>
+            <a:noFill/>
+          </p:spPr>
+          <p:txBody>
+            <a:bodyPr wrap="square" rtlCol="0">
+              <a:spAutoFit/>
+            </a:bodyPr>
+            <a:lstStyle/>
+            <a:p>
+              <a:pPr algn="l"/>
+              <a:r>
+                <a:rPr lang="en-US" sz="3429" dirty="0">
+                  <a:latin typeface="Times New Roman" panose="02020603050405020304" pitchFamily="18" charset="0"/>
+                  <a:cs typeface="Times New Roman" panose="02020603050405020304" pitchFamily="18" charset="0"/>
+                </a:rPr>
+                <a:t>Threonine-protein kinase 4</a:t>
+              </a:r>
+            </a:p>
+          </p:txBody>
+        </p:sp>
+        <p:sp>
+          <p:nvSpPr>
+            <p:cNvPr id="95" name="Oval 94">
+              <a:extLst>
+                <a:ext uri="{FF2B5EF4-FFF2-40B4-BE49-F238E27FC236}">
+                  <a16:creationId xmlns:a16="http://schemas.microsoft.com/office/drawing/2014/main" id="{D4D856C8-FBA4-491A-A1B4-DDDC018A808A}"/>
+                </a:ext>
+              </a:extLst>
+            </p:cNvPr>
+            <p:cNvSpPr/>
+            <p:nvPr/>
+          </p:nvSpPr>
+          <p:spPr>
+            <a:xfrm>
+              <a:off x="18083490" y="9430430"/>
+              <a:ext cx="2352809" cy="2213279"/>
             </a:xfrm>
             <a:prstGeom prst="ellipse">
               <a:avLst/>
@@ -4871,16 +4897,55 @@
             <a:lstStyle/>
             <a:p>
               <a:pPr algn="ctr"/>
-              <a:endParaRPr lang="en-US"/>
+              <a:endParaRPr lang="en-US" sz="2571"/>
             </a:p>
           </p:txBody>
         </p:sp>
+        <p:cxnSp>
+          <p:nvCxnSpPr>
+            <p:cNvPr id="96" name="Straight Connector 95">
+              <a:extLst>
+                <a:ext uri="{FF2B5EF4-FFF2-40B4-BE49-F238E27FC236}">
+                  <a16:creationId xmlns:a16="http://schemas.microsoft.com/office/drawing/2014/main" id="{1CD8D0BD-E997-4394-8144-73BA6EA15495}"/>
+                </a:ext>
+              </a:extLst>
+            </p:cNvPr>
+            <p:cNvCxnSpPr>
+              <a:cxnSpLocks/>
+            </p:cNvCxnSpPr>
+            <p:nvPr/>
+          </p:nvCxnSpPr>
+          <p:spPr>
+            <a:xfrm flipV="1">
+              <a:off x="18527994" y="11624042"/>
+              <a:ext cx="514187" cy="1085671"/>
+            </a:xfrm>
+            <a:prstGeom prst="line">
+              <a:avLst/>
+            </a:prstGeom>
+            <a:ln w="19050"/>
+          </p:spPr>
+          <p:style>
+            <a:lnRef idx="1">
+              <a:schemeClr val="accent1"/>
+            </a:lnRef>
+            <a:fillRef idx="0">
+              <a:schemeClr val="accent1"/>
+            </a:fillRef>
+            <a:effectRef idx="0">
+              <a:schemeClr val="accent1"/>
+            </a:effectRef>
+            <a:fontRef idx="minor">
+              <a:schemeClr val="tx1"/>
+            </a:fontRef>
+          </p:style>
+        </p:cxnSp>
         <p:pic>
           <p:nvPicPr>
-            <p:cNvPr id="36" name="Picture 35" descr="A picture containing text&#10;&#10;Description automatically generated">
+            <p:cNvPr id="33" name="Picture 32" descr="Diagram&#10;&#10;Description automatically generated">
               <a:extLst>
                 <a:ext uri="{FF2B5EF4-FFF2-40B4-BE49-F238E27FC236}">
-                  <a16:creationId xmlns:a16="http://schemas.microsoft.com/office/drawing/2014/main" id="{34A7031A-5D4B-4E86-B1B7-9B1CE4D1ADFE}"/>
+                  <a16:creationId xmlns:a16="http://schemas.microsoft.com/office/drawing/2014/main" id="{82720164-4AA0-44B4-971A-56FFE794167F}"/>
                 </a:ext>
               </a:extLst>
             </p:cNvPr>
@@ -4890,58 +4955,563 @@
             <p:nvPr/>
           </p:nvPicPr>
           <p:blipFill>
-            <a:blip r:embed="rId5"/>
+            <a:blip r:embed="rId4"/>
             <a:stretch>
               <a:fillRect/>
             </a:stretch>
           </p:blipFill>
           <p:spPr>
-            <a:xfrm flipH="1">
-              <a:off x="11604663" y="4105491"/>
-              <a:ext cx="857363" cy="1108770"/>
+            <a:xfrm>
+              <a:off x="17753350" y="12847106"/>
+              <a:ext cx="1007614" cy="1935681"/>
             </a:xfrm>
             <a:prstGeom prst="rect">
               <a:avLst/>
             </a:prstGeom>
           </p:spPr>
         </p:pic>
+        <p:grpSp>
+          <p:nvGrpSpPr>
+            <p:cNvPr id="39" name="Group 38">
+              <a:extLst>
+                <a:ext uri="{FF2B5EF4-FFF2-40B4-BE49-F238E27FC236}">
+                  <a16:creationId xmlns:a16="http://schemas.microsoft.com/office/drawing/2014/main" id="{235CF9D0-A550-4784-AA80-E718D12DCADB}"/>
+                </a:ext>
+              </a:extLst>
+            </p:cNvPr>
+            <p:cNvGrpSpPr/>
+            <p:nvPr/>
+          </p:nvGrpSpPr>
+          <p:grpSpPr>
+            <a:xfrm>
+              <a:off x="12711636" y="12017887"/>
+              <a:ext cx="2352809" cy="2213279"/>
+              <a:chOff x="11262360" y="3855720"/>
+              <a:chExt cx="1646966" cy="1549295"/>
+            </a:xfrm>
+          </p:grpSpPr>
+          <p:sp>
+            <p:nvSpPr>
+              <p:cNvPr id="83" name="Oval 82">
+                <a:extLst>
+                  <a:ext uri="{FF2B5EF4-FFF2-40B4-BE49-F238E27FC236}">
+                    <a16:creationId xmlns:a16="http://schemas.microsoft.com/office/drawing/2014/main" id="{FB253AFD-C445-49AE-9B21-B0657676197E}"/>
+                  </a:ext>
+                </a:extLst>
+              </p:cNvPr>
+              <p:cNvSpPr/>
+              <p:nvPr/>
+            </p:nvSpPr>
+            <p:spPr>
+              <a:xfrm>
+                <a:off x="11262360" y="3855720"/>
+                <a:ext cx="1646966" cy="1549295"/>
+              </a:xfrm>
+              <a:prstGeom prst="ellipse">
+                <a:avLst/>
+              </a:prstGeom>
+              <a:noFill/>
+              <a:ln>
+                <a:solidFill>
+                  <a:srgbClr val="E111AB"/>
+                </a:solidFill>
+              </a:ln>
+            </p:spPr>
+            <p:style>
+              <a:lnRef idx="2">
+                <a:schemeClr val="accent1">
+                  <a:shade val="50000"/>
+                </a:schemeClr>
+              </a:lnRef>
+              <a:fillRef idx="1">
+                <a:schemeClr val="accent1"/>
+              </a:fillRef>
+              <a:effectRef idx="0">
+                <a:schemeClr val="accent1"/>
+              </a:effectRef>
+              <a:fontRef idx="minor">
+                <a:schemeClr val="lt1"/>
+              </a:fontRef>
+            </p:style>
+            <p:txBody>
+              <a:bodyPr rtlCol="0" anchor="ctr"/>
+              <a:lstStyle/>
+              <a:p>
+                <a:pPr algn="ctr"/>
+                <a:endParaRPr lang="en-US" sz="2571"/>
+              </a:p>
+            </p:txBody>
+          </p:sp>
+          <p:pic>
+            <p:nvPicPr>
+              <p:cNvPr id="36" name="Picture 35" descr="A picture containing text&#10;&#10;Description automatically generated">
+                <a:extLst>
+                  <a:ext uri="{FF2B5EF4-FFF2-40B4-BE49-F238E27FC236}">
+                    <a16:creationId xmlns:a16="http://schemas.microsoft.com/office/drawing/2014/main" id="{34A7031A-5D4B-4E86-B1B7-9B1CE4D1ADFE}"/>
+                  </a:ext>
+                </a:extLst>
+              </p:cNvPr>
+              <p:cNvPicPr>
+                <a:picLocks noChangeAspect="1"/>
+              </p:cNvPicPr>
+              <p:nvPr/>
+            </p:nvPicPr>
+            <p:blipFill>
+              <a:blip r:embed="rId5"/>
+              <a:stretch>
+                <a:fillRect/>
+              </a:stretch>
+            </p:blipFill>
+            <p:spPr>
+              <a:xfrm flipH="1">
+                <a:off x="11604663" y="4105491"/>
+                <a:ext cx="857363" cy="1108770"/>
+              </a:xfrm>
+              <a:prstGeom prst="rect">
+                <a:avLst/>
+              </a:prstGeom>
+            </p:spPr>
+          </p:pic>
+        </p:grpSp>
+        <p:pic>
+          <p:nvPicPr>
+            <p:cNvPr id="38" name="Picture 37" descr="Shape, arrow&#10;&#10;Description automatically generated">
+              <a:extLst>
+                <a:ext uri="{FF2B5EF4-FFF2-40B4-BE49-F238E27FC236}">
+                  <a16:creationId xmlns:a16="http://schemas.microsoft.com/office/drawing/2014/main" id="{D79E8A45-EDFD-44CC-B7C8-6C75830096D9}"/>
+                </a:ext>
+              </a:extLst>
+            </p:cNvPr>
+            <p:cNvPicPr>
+              <a:picLocks noChangeAspect="1"/>
+            </p:cNvPicPr>
+            <p:nvPr/>
+          </p:nvPicPr>
+          <p:blipFill>
+            <a:blip r:embed="rId6"/>
+            <a:stretch>
+              <a:fillRect/>
+            </a:stretch>
+          </p:blipFill>
+          <p:spPr>
+            <a:xfrm>
+              <a:off x="18527994" y="9891202"/>
+              <a:ext cx="1463801" cy="1415189"/>
+            </a:xfrm>
+            <a:prstGeom prst="rect">
+              <a:avLst/>
+            </a:prstGeom>
+          </p:spPr>
+        </p:pic>
+        <p:sp>
+          <p:nvSpPr>
+            <p:cNvPr id="154" name="TextBox 153">
+              <a:extLst>
+                <a:ext uri="{FF2B5EF4-FFF2-40B4-BE49-F238E27FC236}">
+                  <a16:creationId xmlns:a16="http://schemas.microsoft.com/office/drawing/2014/main" id="{483F8916-5ACA-4F78-AF0A-2D350D3BA6ED}"/>
+                </a:ext>
+              </a:extLst>
+            </p:cNvPr>
+            <p:cNvSpPr txBox="1"/>
+            <p:nvPr/>
+          </p:nvSpPr>
+          <p:spPr>
+            <a:xfrm>
+              <a:off x="20516929" y="10812604"/>
+              <a:ext cx="2972120" cy="1147750"/>
+            </a:xfrm>
+            <a:prstGeom prst="rect">
+              <a:avLst/>
+            </a:prstGeom>
+            <a:noFill/>
+          </p:spPr>
+          <p:txBody>
+            <a:bodyPr wrap="square" rtlCol="0">
+              <a:spAutoFit/>
+            </a:bodyPr>
+            <a:lstStyle/>
+            <a:p>
+              <a:pPr algn="l"/>
+              <a:r>
+                <a:rPr lang="en-US" sz="3429" dirty="0">
+                  <a:solidFill>
+                    <a:srgbClr val="333333"/>
+                  </a:solidFill>
+                  <a:latin typeface="Times New Roman" panose="02020603050405020304" pitchFamily="18" charset="0"/>
+                  <a:cs typeface="Times New Roman" panose="02020603050405020304" pitchFamily="18" charset="0"/>
+                </a:rPr>
+                <a:t>Amyloid core of RIP1</a:t>
+              </a:r>
+            </a:p>
+          </p:txBody>
+        </p:sp>
+        <p:sp>
+          <p:nvSpPr>
+            <p:cNvPr id="166" name="Oval 165">
+              <a:extLst>
+                <a:ext uri="{FF2B5EF4-FFF2-40B4-BE49-F238E27FC236}">
+                  <a16:creationId xmlns:a16="http://schemas.microsoft.com/office/drawing/2014/main" id="{204FB7CB-3C27-49EC-993C-F9B04E51809F}"/>
+                </a:ext>
+              </a:extLst>
+            </p:cNvPr>
+            <p:cNvSpPr/>
+            <p:nvPr/>
+          </p:nvSpPr>
+          <p:spPr>
+            <a:xfrm>
+              <a:off x="20516930" y="14145200"/>
+              <a:ext cx="2352809" cy="2213279"/>
+            </a:xfrm>
+            <a:prstGeom prst="ellipse">
+              <a:avLst/>
+            </a:prstGeom>
+            <a:noFill/>
+            <a:ln>
+              <a:solidFill>
+                <a:srgbClr val="E111AB"/>
+              </a:solidFill>
+            </a:ln>
+          </p:spPr>
+          <p:style>
+            <a:lnRef idx="2">
+              <a:schemeClr val="accent1">
+                <a:shade val="50000"/>
+              </a:schemeClr>
+            </a:lnRef>
+            <a:fillRef idx="1">
+              <a:schemeClr val="accent1"/>
+            </a:fillRef>
+            <a:effectRef idx="0">
+              <a:schemeClr val="accent1"/>
+            </a:effectRef>
+            <a:fontRef idx="minor">
+              <a:schemeClr val="lt1"/>
+            </a:fontRef>
+          </p:style>
+          <p:txBody>
+            <a:bodyPr rtlCol="0" anchor="ctr"/>
+            <a:lstStyle/>
+            <a:p>
+              <a:pPr algn="ctr"/>
+              <a:endParaRPr lang="en-US" sz="2571"/>
+            </a:p>
+          </p:txBody>
+        </p:sp>
+        <p:cxnSp>
+          <p:nvCxnSpPr>
+            <p:cNvPr id="169" name="Straight Connector 168">
+              <a:extLst>
+                <a:ext uri="{FF2B5EF4-FFF2-40B4-BE49-F238E27FC236}">
+                  <a16:creationId xmlns:a16="http://schemas.microsoft.com/office/drawing/2014/main" id="{55571C2C-FE79-40C0-A187-60E243E13D80}"/>
+                </a:ext>
+              </a:extLst>
+            </p:cNvPr>
+            <p:cNvCxnSpPr>
+              <a:cxnSpLocks/>
+            </p:cNvCxnSpPr>
+            <p:nvPr/>
+          </p:nvCxnSpPr>
+          <p:spPr>
+            <a:xfrm>
+              <a:off x="19390035" y="14197808"/>
+              <a:ext cx="1256539" cy="512531"/>
+            </a:xfrm>
+            <a:prstGeom prst="line">
+              <a:avLst/>
+            </a:prstGeom>
+            <a:ln w="19050">
+              <a:prstDash val="lgDash"/>
+            </a:ln>
+          </p:spPr>
+          <p:style>
+            <a:lnRef idx="1">
+              <a:schemeClr val="accent1"/>
+            </a:lnRef>
+            <a:fillRef idx="0">
+              <a:schemeClr val="accent1"/>
+            </a:fillRef>
+            <a:effectRef idx="0">
+              <a:schemeClr val="accent1"/>
+            </a:effectRef>
+            <a:fontRef idx="minor">
+              <a:schemeClr val="tx1"/>
+            </a:fontRef>
+          </p:style>
+        </p:cxnSp>
+        <p:pic>
+          <p:nvPicPr>
+            <p:cNvPr id="54" name="Picture 53" descr="Shape&#10;&#10;Description automatically generated with medium confidence">
+              <a:extLst>
+                <a:ext uri="{FF2B5EF4-FFF2-40B4-BE49-F238E27FC236}">
+                  <a16:creationId xmlns:a16="http://schemas.microsoft.com/office/drawing/2014/main" id="{35554D10-2C3E-4005-9758-1F43A5E09962}"/>
+                </a:ext>
+              </a:extLst>
+            </p:cNvPr>
+            <p:cNvPicPr>
+              <a:picLocks noChangeAspect="1"/>
+            </p:cNvPicPr>
+            <p:nvPr/>
+          </p:nvPicPr>
+          <p:blipFill>
+            <a:blip r:embed="rId7"/>
+            <a:stretch>
+              <a:fillRect/>
+            </a:stretch>
+          </p:blipFill>
+          <p:spPr>
+            <a:xfrm>
+              <a:off x="20895143" y="14686643"/>
+              <a:ext cx="1618873" cy="1374314"/>
+            </a:xfrm>
+            <a:prstGeom prst="rect">
+              <a:avLst/>
+            </a:prstGeom>
+          </p:spPr>
+        </p:pic>
+        <p:sp>
+          <p:nvSpPr>
+            <p:cNvPr id="172" name="TextBox 171">
+              <a:extLst>
+                <a:ext uri="{FF2B5EF4-FFF2-40B4-BE49-F238E27FC236}">
+                  <a16:creationId xmlns:a16="http://schemas.microsoft.com/office/drawing/2014/main" id="{739C6111-B11E-404C-AB0D-20231BFDA310}"/>
+                </a:ext>
+              </a:extLst>
+            </p:cNvPr>
+            <p:cNvSpPr txBox="1"/>
+            <p:nvPr/>
+          </p:nvSpPr>
+          <p:spPr>
+            <a:xfrm>
+              <a:off x="18664380" y="16149746"/>
+              <a:ext cx="3207100" cy="1147750"/>
+            </a:xfrm>
+            <a:prstGeom prst="rect">
+              <a:avLst/>
+            </a:prstGeom>
+            <a:noFill/>
+          </p:spPr>
+          <p:txBody>
+            <a:bodyPr wrap="square" rtlCol="0">
+              <a:spAutoFit/>
+            </a:bodyPr>
+            <a:lstStyle/>
+            <a:p>
+              <a:pPr algn="l"/>
+              <a:r>
+                <a:rPr lang="en-US" sz="3429" dirty="0">
+                  <a:latin typeface="Times New Roman" panose="02020603050405020304" pitchFamily="18" charset="0"/>
+                  <a:cs typeface="Times New Roman" panose="02020603050405020304" pitchFamily="18" charset="0"/>
+                </a:rPr>
+                <a:t>Threonine-protein kinase 3</a:t>
+              </a:r>
+            </a:p>
+          </p:txBody>
+        </p:sp>
       </p:grpSp>
-      <p:pic>
-        <p:nvPicPr>
-          <p:cNvPr id="38" name="Picture 37" descr="Shape, arrow&#10;&#10;Description automatically generated">
+      <p:grpSp>
+        <p:nvGrpSpPr>
+          <p:cNvPr id="44" name="Group 43">
             <a:extLst>
               <a:ext uri="{FF2B5EF4-FFF2-40B4-BE49-F238E27FC236}">
-                <a16:creationId xmlns:a16="http://schemas.microsoft.com/office/drawing/2014/main" id="{D79E8A45-EDFD-44CC-B7C8-6C75830096D9}"/>
+                <a16:creationId xmlns:a16="http://schemas.microsoft.com/office/drawing/2014/main" id="{4416685E-D165-499F-B9AA-E071C5E6C8F4}"/>
               </a:ext>
             </a:extLst>
           </p:cNvPr>
-          <p:cNvPicPr>
-            <a:picLocks noChangeAspect="1"/>
-          </p:cNvPicPr>
+          <p:cNvGrpSpPr/>
           <p:nvPr/>
-        </p:nvPicPr>
-        <p:blipFill>
-          <a:blip r:embed="rId6"/>
-          <a:stretch>
-            <a:fillRect/>
-          </a:stretch>
-        </p:blipFill>
-        <p:spPr>
+        </p:nvGrpSpPr>
+        <p:grpSpPr>
           <a:xfrm>
-            <a:off x="14112594" y="3723440"/>
-            <a:ext cx="1024661" cy="990632"/>
+            <a:off x="15252797" y="9588790"/>
+            <a:ext cx="4141783" cy="2111758"/>
+            <a:chOff x="729252" y="10234438"/>
+            <a:chExt cx="1824572" cy="893689"/>
           </a:xfrm>
-          <a:prstGeom prst="rect">
-            <a:avLst/>
-          </a:prstGeom>
-        </p:spPr>
-      </p:pic>
-      <p:sp>
-        <p:nvSpPr>
-          <p:cNvPr id="154" name="TextBox 153">
+        </p:grpSpPr>
+        <p:sp>
+          <p:nvSpPr>
+            <p:cNvPr id="45" name="TextBox 44">
+              <a:extLst>
+                <a:ext uri="{FF2B5EF4-FFF2-40B4-BE49-F238E27FC236}">
+                  <a16:creationId xmlns:a16="http://schemas.microsoft.com/office/drawing/2014/main" id="{CB3D54BD-FEE6-4CAB-B89E-270A9C9018F4}"/>
+                </a:ext>
+              </a:extLst>
+            </p:cNvPr>
+            <p:cNvSpPr txBox="1"/>
+            <p:nvPr/>
+          </p:nvSpPr>
+          <p:spPr>
+            <a:xfrm>
+              <a:off x="1288682" y="10271062"/>
+              <a:ext cx="1265142" cy="242265"/>
+            </a:xfrm>
+            <a:prstGeom prst="rect">
+              <a:avLst/>
+            </a:prstGeom>
+            <a:noFill/>
+          </p:spPr>
+          <p:txBody>
+            <a:bodyPr wrap="square" rtlCol="0">
+              <a:spAutoFit/>
+            </a:bodyPr>
+            <a:lstStyle/>
+            <a:p>
+              <a:r>
+                <a:rPr lang="en-US" sz="3120" dirty="0">
+                  <a:latin typeface="Times New Roman" panose="02020603050405020304" pitchFamily="18" charset="0"/>
+                  <a:cs typeface="Times New Roman" panose="02020603050405020304" pitchFamily="18" charset="0"/>
+                </a:rPr>
+                <a:t>Protein</a:t>
+              </a:r>
+            </a:p>
+          </p:txBody>
+        </p:sp>
+        <p:sp>
+          <p:nvSpPr>
+            <p:cNvPr id="46" name="TextBox 45">
+              <a:extLst>
+                <a:ext uri="{FF2B5EF4-FFF2-40B4-BE49-F238E27FC236}">
+                  <a16:creationId xmlns:a16="http://schemas.microsoft.com/office/drawing/2014/main" id="{044F7490-E4CE-4A17-B8F6-A39D66503EAF}"/>
+                </a:ext>
+              </a:extLst>
+            </p:cNvPr>
+            <p:cNvSpPr txBox="1"/>
+            <p:nvPr/>
+          </p:nvSpPr>
+          <p:spPr>
+            <a:xfrm>
+              <a:off x="1288682" y="10852929"/>
+              <a:ext cx="1265142" cy="242265"/>
+            </a:xfrm>
+            <a:prstGeom prst="rect">
+              <a:avLst/>
+            </a:prstGeom>
+            <a:noFill/>
+          </p:spPr>
+          <p:txBody>
+            <a:bodyPr wrap="square" rtlCol="0">
+              <a:spAutoFit/>
+            </a:bodyPr>
+            <a:lstStyle/>
+            <a:p>
+              <a:r>
+                <a:rPr lang="en-US" sz="3120" dirty="0">
+                  <a:latin typeface="Times New Roman" panose="02020603050405020304" pitchFamily="18" charset="0"/>
+                  <a:cs typeface="Times New Roman" panose="02020603050405020304" pitchFamily="18" charset="0"/>
+                </a:rPr>
+                <a:t>Ligand</a:t>
+              </a:r>
+            </a:p>
+          </p:txBody>
+        </p:sp>
+        <p:sp>
+          <p:nvSpPr>
+            <p:cNvPr id="47" name="Oval 46">
+              <a:extLst>
+                <a:ext uri="{FF2B5EF4-FFF2-40B4-BE49-F238E27FC236}">
+                  <a16:creationId xmlns:a16="http://schemas.microsoft.com/office/drawing/2014/main" id="{AFD3BE67-A648-44A7-A2F6-CAE12562BB16}"/>
+                </a:ext>
+              </a:extLst>
+            </p:cNvPr>
+            <p:cNvSpPr/>
+            <p:nvPr/>
+          </p:nvSpPr>
+          <p:spPr>
+            <a:xfrm>
+              <a:off x="729252" y="10785584"/>
+              <a:ext cx="364294" cy="342543"/>
+            </a:xfrm>
+            <a:prstGeom prst="ellipse">
+              <a:avLst/>
+            </a:prstGeom>
+            <a:solidFill>
+              <a:schemeClr val="accent6">
+                <a:lumMod val="60000"/>
+                <a:lumOff val="40000"/>
+              </a:schemeClr>
+            </a:solidFill>
+          </p:spPr>
+          <p:style>
+            <a:lnRef idx="2">
+              <a:schemeClr val="accent1">
+                <a:shade val="50000"/>
+              </a:schemeClr>
+            </a:lnRef>
+            <a:fillRef idx="1">
+              <a:schemeClr val="accent1"/>
+            </a:fillRef>
+            <a:effectRef idx="0">
+              <a:schemeClr val="accent1"/>
+            </a:effectRef>
+            <a:fontRef idx="minor">
+              <a:schemeClr val="lt1"/>
+            </a:fontRef>
+          </p:style>
+          <p:txBody>
+            <a:bodyPr rtlCol="0" anchor="ctr"/>
+            <a:lstStyle/>
+            <a:p>
+              <a:pPr algn="ctr"/>
+              <a:endParaRPr lang="en-US" sz="1801"/>
+            </a:p>
+          </p:txBody>
+        </p:sp>
+        <p:sp>
+          <p:nvSpPr>
+            <p:cNvPr id="48" name="Oval 47">
+              <a:extLst>
+                <a:ext uri="{FF2B5EF4-FFF2-40B4-BE49-F238E27FC236}">
+                  <a16:creationId xmlns:a16="http://schemas.microsoft.com/office/drawing/2014/main" id="{5D10B8C5-C557-4E69-A2F0-A95B1179DD16}"/>
+                </a:ext>
+              </a:extLst>
+            </p:cNvPr>
+            <p:cNvSpPr/>
+            <p:nvPr/>
+          </p:nvSpPr>
+          <p:spPr>
+            <a:xfrm>
+              <a:off x="729252" y="10234438"/>
+              <a:ext cx="364294" cy="342543"/>
+            </a:xfrm>
+            <a:prstGeom prst="ellipse">
+              <a:avLst/>
+            </a:prstGeom>
+            <a:solidFill>
+              <a:srgbClr val="E8718C"/>
+            </a:solidFill>
+          </p:spPr>
+          <p:style>
+            <a:lnRef idx="2">
+              <a:schemeClr val="accent1">
+                <a:shade val="50000"/>
+              </a:schemeClr>
+            </a:lnRef>
+            <a:fillRef idx="1">
+              <a:schemeClr val="accent1"/>
+            </a:fillRef>
+            <a:effectRef idx="0">
+              <a:schemeClr val="accent1"/>
+            </a:effectRef>
+            <a:fontRef idx="minor">
+              <a:schemeClr val="lt1"/>
+            </a:fontRef>
+          </p:style>
+          <p:txBody>
+            <a:bodyPr rtlCol="0" anchor="ctr"/>
+            <a:lstStyle/>
+            <a:p>
+              <a:pPr algn="ctr"/>
+              <a:endParaRPr lang="en-US" sz="1801"/>
+            </a:p>
+          </p:txBody>
+        </p:sp>
+      </p:grpSp>
+      <p:sp>
+        <p:nvSpPr>
+          <p:cNvPr id="51" name="TextBox 50">
             <a:extLst>
               <a:ext uri="{FF2B5EF4-FFF2-40B4-BE49-F238E27FC236}">
-                <a16:creationId xmlns:a16="http://schemas.microsoft.com/office/drawing/2014/main" id="{483F8916-5ACA-4F78-AF0A-2D350D3BA6ED}"/>
+                <a16:creationId xmlns:a16="http://schemas.microsoft.com/office/drawing/2014/main" id="{D5530B8A-09BB-4169-A5D0-446D53F68B14}"/>
               </a:ext>
             </a:extLst>
           </p:cNvPr>
@@ -4950,8 +5520,8 @@
         </p:nvSpPr>
         <p:spPr>
           <a:xfrm>
-            <a:off x="15504850" y="4368422"/>
-            <a:ext cx="2080484" cy="830997"/>
+            <a:off x="681905" y="630331"/>
+            <a:ext cx="1974199" cy="1107996"/>
           </a:xfrm>
           <a:prstGeom prst="rect">
             <a:avLst/>
@@ -4964,150 +5534,22 @@
           </a:bodyPr>
           <a:lstStyle/>
           <a:p>
-            <a:pPr algn="l"/>
-            <a:r>
-              <a:rPr lang="en-US" sz="2400" b="0" i="0" dirty="0">
-                <a:solidFill>
-                  <a:srgbClr val="333333"/>
-                </a:solidFill>
-                <a:effectLst/>
+            <a:r>
+              <a:rPr lang="en-US" sz="6600" b="1" dirty="0">
                 <a:latin typeface="Times New Roman" panose="02020603050405020304" pitchFamily="18" charset="0"/>
                 <a:cs typeface="Times New Roman" panose="02020603050405020304" pitchFamily="18" charset="0"/>
               </a:rPr>
-              <a:t>Amyloid core of RIP1</a:t>
-            </a:r>
-          </a:p>
-        </p:txBody>
-      </p:sp>
-      <p:sp>
-        <p:nvSpPr>
-          <p:cNvPr id="166" name="Oval 165">
+              <a:t>A</a:t>
+            </a:r>
+          </a:p>
+        </p:txBody>
+      </p:sp>
+      <p:sp>
+        <p:nvSpPr>
+          <p:cNvPr id="52" name="TextBox 51">
             <a:extLst>
               <a:ext uri="{FF2B5EF4-FFF2-40B4-BE49-F238E27FC236}">
-                <a16:creationId xmlns:a16="http://schemas.microsoft.com/office/drawing/2014/main" id="{204FB7CB-3C27-49EC-993C-F9B04E51809F}"/>
-              </a:ext>
-            </a:extLst>
-          </p:cNvPr>
-          <p:cNvSpPr/>
-          <p:nvPr/>
-        </p:nvSpPr>
-        <p:spPr>
-          <a:xfrm>
-            <a:off x="15504850" y="6701238"/>
-            <a:ext cx="1646966" cy="1549295"/>
-          </a:xfrm>
-          <a:prstGeom prst="ellipse">
-            <a:avLst/>
-          </a:prstGeom>
-          <a:noFill/>
-          <a:ln>
-            <a:solidFill>
-              <a:srgbClr val="E111AB"/>
-            </a:solidFill>
-          </a:ln>
-        </p:spPr>
-        <p:style>
-          <a:lnRef idx="2">
-            <a:schemeClr val="accent1">
-              <a:shade val="50000"/>
-            </a:schemeClr>
-          </a:lnRef>
-          <a:fillRef idx="1">
-            <a:schemeClr val="accent1"/>
-          </a:fillRef>
-          <a:effectRef idx="0">
-            <a:schemeClr val="accent1"/>
-          </a:effectRef>
-          <a:fontRef idx="minor">
-            <a:schemeClr val="lt1"/>
-          </a:fontRef>
-        </p:style>
-        <p:txBody>
-          <a:bodyPr rtlCol="0" anchor="ctr"/>
-          <a:lstStyle/>
-          <a:p>
-            <a:pPr algn="ctr"/>
-            <a:endParaRPr lang="en-US"/>
-          </a:p>
-        </p:txBody>
-      </p:sp>
-      <p:cxnSp>
-        <p:nvCxnSpPr>
-          <p:cNvPr id="169" name="Straight Connector 168">
-            <a:extLst>
-              <a:ext uri="{FF2B5EF4-FFF2-40B4-BE49-F238E27FC236}">
-                <a16:creationId xmlns:a16="http://schemas.microsoft.com/office/drawing/2014/main" id="{55571C2C-FE79-40C0-A187-60E243E13D80}"/>
-              </a:ext>
-            </a:extLst>
-          </p:cNvPr>
-          <p:cNvCxnSpPr>
-            <a:cxnSpLocks/>
-          </p:cNvCxnSpPr>
-          <p:nvPr/>
-        </p:nvCxnSpPr>
-        <p:spPr>
-          <a:xfrm>
-            <a:off x="14716023" y="6738064"/>
-            <a:ext cx="879577" cy="358772"/>
-          </a:xfrm>
-          <a:prstGeom prst="line">
-            <a:avLst/>
-          </a:prstGeom>
-          <a:ln w="19050">
-            <a:prstDash val="lgDash"/>
-          </a:ln>
-        </p:spPr>
-        <p:style>
-          <a:lnRef idx="1">
-            <a:schemeClr val="accent1"/>
-          </a:lnRef>
-          <a:fillRef idx="0">
-            <a:schemeClr val="accent1"/>
-          </a:fillRef>
-          <a:effectRef idx="0">
-            <a:schemeClr val="accent1"/>
-          </a:effectRef>
-          <a:fontRef idx="minor">
-            <a:schemeClr val="tx1"/>
-          </a:fontRef>
-        </p:style>
-      </p:cxnSp>
-      <p:pic>
-        <p:nvPicPr>
-          <p:cNvPr id="54" name="Picture 53" descr="Shape&#10;&#10;Description automatically generated with medium confidence">
-            <a:extLst>
-              <a:ext uri="{FF2B5EF4-FFF2-40B4-BE49-F238E27FC236}">
-                <a16:creationId xmlns:a16="http://schemas.microsoft.com/office/drawing/2014/main" id="{35554D10-2C3E-4005-9758-1F43A5E09962}"/>
-              </a:ext>
-            </a:extLst>
-          </p:cNvPr>
-          <p:cNvPicPr>
-            <a:picLocks noChangeAspect="1"/>
-          </p:cNvPicPr>
-          <p:nvPr/>
-        </p:nvPicPr>
-        <p:blipFill>
-          <a:blip r:embed="rId7"/>
-          <a:stretch>
-            <a:fillRect/>
-          </a:stretch>
-        </p:blipFill>
-        <p:spPr>
-          <a:xfrm>
-            <a:off x="15786123" y="7017612"/>
-            <a:ext cx="1133211" cy="962020"/>
-          </a:xfrm>
-          <a:prstGeom prst="rect">
-            <a:avLst/>
-          </a:prstGeom>
-        </p:spPr>
-      </p:pic>
-      <p:sp>
-        <p:nvSpPr>
-          <p:cNvPr id="172" name="TextBox 171">
-            <a:extLst>
-              <a:ext uri="{FF2B5EF4-FFF2-40B4-BE49-F238E27FC236}">
-                <a16:creationId xmlns:a16="http://schemas.microsoft.com/office/drawing/2014/main" id="{739C6111-B11E-404C-AB0D-20231BFDA310}"/>
+                <a16:creationId xmlns:a16="http://schemas.microsoft.com/office/drawing/2014/main" id="{707237B5-B781-4468-A644-4A6B63CE8E91}"/>
               </a:ext>
             </a:extLst>
           </p:cNvPr>
@@ -5116,8 +5558,8 @@
         </p:nvSpPr>
         <p:spPr>
           <a:xfrm>
-            <a:off x="14208066" y="8104422"/>
-            <a:ext cx="2244970" cy="830997"/>
+            <a:off x="730459" y="16131088"/>
+            <a:ext cx="1974199" cy="1107996"/>
           </a:xfrm>
           <a:prstGeom prst="rect">
             <a:avLst/>
@@ -5130,227 +5572,13 @@
           </a:bodyPr>
           <a:lstStyle/>
           <a:p>
-            <a:pPr algn="l"/>
-            <a:r>
-              <a:rPr lang="en-US" sz="2400" dirty="0">
+            <a:r>
+              <a:rPr lang="en-US" sz="6600" b="1" dirty="0">
                 <a:latin typeface="Times New Roman" panose="02020603050405020304" pitchFamily="18" charset="0"/>
                 <a:cs typeface="Times New Roman" panose="02020603050405020304" pitchFamily="18" charset="0"/>
               </a:rPr>
-              <a:t>Threonine-protein kinase 3</a:t>
-            </a:r>
-          </a:p>
-        </p:txBody>
-      </p:sp>
-      <p:sp>
-        <p:nvSpPr>
-          <p:cNvPr id="178" name="TextBox 177">
-            <a:extLst>
-              <a:ext uri="{FF2B5EF4-FFF2-40B4-BE49-F238E27FC236}">
-                <a16:creationId xmlns:a16="http://schemas.microsoft.com/office/drawing/2014/main" id="{436C559E-A05B-44B9-8478-CD5B3737E18B}"/>
-              </a:ext>
-            </a:extLst>
-          </p:cNvPr>
-          <p:cNvSpPr txBox="1"/>
-          <p:nvPr/>
-        </p:nvSpPr>
-        <p:spPr>
-          <a:xfrm>
-            <a:off x="13845555" y="10699987"/>
-            <a:ext cx="4294671" cy="1517595"/>
-          </a:xfrm>
-          <a:prstGeom prst="rect">
-            <a:avLst/>
-          </a:prstGeom>
-          <a:noFill/>
-        </p:spPr>
-        <p:txBody>
-          <a:bodyPr wrap="square" rtlCol="0">
-            <a:spAutoFit/>
-          </a:bodyPr>
-          <a:lstStyle/>
-          <a:p>
-            <a:r>
-              <a:rPr lang="en-US" sz="3030" dirty="0">
-                <a:effectLst/>
-                <a:latin typeface="Times New Roman" panose="02020603050405020304" pitchFamily="18" charset="0"/>
-                <a:ea typeface="Calibri" panose="020F0502020204030204" pitchFamily="34" charset="0"/>
-                <a:cs typeface="Times New Roman" panose="02020603050405020304" pitchFamily="18" charset="0"/>
-              </a:rPr>
-              <a:t>k</a:t>
-            </a:r>
-            <a:r>
-              <a:rPr lang="en-US" sz="3030" baseline="-25000" dirty="0">
-                <a:effectLst/>
-                <a:latin typeface="Times New Roman" panose="02020603050405020304" pitchFamily="18" charset="0"/>
-                <a:ea typeface="Calibri" panose="020F0502020204030204" pitchFamily="34" charset="0"/>
-                <a:cs typeface="Times New Roman" panose="02020603050405020304" pitchFamily="18" charset="0"/>
-              </a:rPr>
-              <a:t>i</a:t>
-            </a:r>
-            <a:r>
-              <a:rPr lang="en-US" sz="3030" baseline="30000" dirty="0">
-                <a:effectLst/>
-                <a:latin typeface="Times New Roman" panose="02020603050405020304" pitchFamily="18" charset="0"/>
-                <a:ea typeface="Calibri" panose="020F0502020204030204" pitchFamily="34" charset="0"/>
-                <a:cs typeface="Times New Roman" panose="02020603050405020304" pitchFamily="18" charset="0"/>
-              </a:rPr>
-              <a:t>+ </a:t>
-            </a:r>
-            <a:r>
-              <a:rPr lang="en-US" sz="3030" dirty="0">
-                <a:latin typeface="Times New Roman" panose="02020603050405020304" pitchFamily="18" charset="0"/>
-                <a:cs typeface="Times New Roman" panose="02020603050405020304" pitchFamily="18" charset="0"/>
-              </a:rPr>
-              <a:t>= </a:t>
-            </a:r>
-            <a:r>
-              <a:rPr lang="en-US" sz="3031" dirty="0">
-                <a:latin typeface="Times New Roman" panose="02020603050405020304" pitchFamily="18" charset="0"/>
-                <a:cs typeface="Times New Roman" panose="02020603050405020304" pitchFamily="18" charset="0"/>
-              </a:rPr>
-              <a:t>1</a:t>
-            </a:r>
-          </a:p>
-          <a:p>
-            <a:r>
-              <a:rPr lang="en-US" sz="3030" dirty="0">
-                <a:effectLst/>
-                <a:latin typeface="Times New Roman" panose="02020603050405020304" pitchFamily="18" charset="0"/>
-                <a:ea typeface="Calibri" panose="020F0502020204030204" pitchFamily="34" charset="0"/>
-                <a:cs typeface="Times New Roman" panose="02020603050405020304" pitchFamily="18" charset="0"/>
-              </a:rPr>
-              <a:t>k</a:t>
-            </a:r>
-            <a:r>
-              <a:rPr lang="en-US" sz="3030" baseline="-25000" dirty="0">
-                <a:effectLst/>
-                <a:latin typeface="Times New Roman" panose="02020603050405020304" pitchFamily="18" charset="0"/>
-                <a:ea typeface="Calibri" panose="020F0502020204030204" pitchFamily="34" charset="0"/>
-                <a:cs typeface="Times New Roman" panose="02020603050405020304" pitchFamily="18" charset="0"/>
-              </a:rPr>
-              <a:t>i</a:t>
-            </a:r>
-            <a:r>
-              <a:rPr lang="en-US" sz="3030" baseline="30000" dirty="0">
-                <a:latin typeface="Times New Roman" panose="02020603050405020304" pitchFamily="18" charset="0"/>
-                <a:ea typeface="Calibri" panose="020F0502020204030204" pitchFamily="34" charset="0"/>
-                <a:cs typeface="Times New Roman" panose="02020603050405020304" pitchFamily="18" charset="0"/>
-              </a:rPr>
-              <a:t>-</a:t>
-            </a:r>
-            <a:r>
-              <a:rPr lang="en-US" sz="3030" baseline="30000" dirty="0">
-                <a:effectLst/>
-                <a:latin typeface="Times New Roman" panose="02020603050405020304" pitchFamily="18" charset="0"/>
-                <a:ea typeface="Calibri" panose="020F0502020204030204" pitchFamily="34" charset="0"/>
-                <a:cs typeface="Times New Roman" panose="02020603050405020304" pitchFamily="18" charset="0"/>
-              </a:rPr>
-              <a:t> </a:t>
-            </a:r>
-            <a:r>
-              <a:rPr lang="en-US" sz="3031" dirty="0">
-                <a:latin typeface="Times New Roman" panose="02020603050405020304" pitchFamily="18" charset="0"/>
-                <a:cs typeface="Times New Roman" panose="02020603050405020304" pitchFamily="18" charset="0"/>
-              </a:rPr>
-              <a:t>= 2</a:t>
-            </a:r>
-          </a:p>
-          <a:p>
-            <a:r>
-              <a:rPr lang="el-GR" sz="3030" dirty="0">
-                <a:effectLst/>
-                <a:latin typeface="Times New Roman" panose="02020603050405020304" pitchFamily="18" charset="0"/>
-                <a:ea typeface="Calibri" panose="020F0502020204030204" pitchFamily="34" charset="0"/>
-                <a:cs typeface="Times New Roman" panose="02020603050405020304" pitchFamily="18" charset="0"/>
-              </a:rPr>
-              <a:t>ρ</a:t>
-            </a:r>
-            <a:r>
-              <a:rPr lang="en-US" sz="3030" baseline="-25000" dirty="0">
-                <a:effectLst/>
-                <a:latin typeface="Times New Roman" panose="02020603050405020304" pitchFamily="18" charset="0"/>
-                <a:ea typeface="Calibri" panose="020F0502020204030204" pitchFamily="34" charset="0"/>
-                <a:cs typeface="Times New Roman" panose="02020603050405020304" pitchFamily="18" charset="0"/>
-              </a:rPr>
-              <a:t>i</a:t>
-            </a:r>
-            <a:r>
-              <a:rPr lang="en-US" sz="3030" baseline="-25000" dirty="0">
-                <a:latin typeface="Times New Roman" panose="02020603050405020304" pitchFamily="18" charset="0"/>
-                <a:ea typeface="Calibri" panose="020F0502020204030204" pitchFamily="34" charset="0"/>
-                <a:cs typeface="Times New Roman" panose="02020603050405020304" pitchFamily="18" charset="0"/>
-              </a:rPr>
-              <a:t> </a:t>
-            </a:r>
-            <a:r>
-              <a:rPr lang="el-GR" sz="3200" b="0" i="0" dirty="0">
-                <a:solidFill>
-                  <a:srgbClr val="202124"/>
-                </a:solidFill>
-                <a:effectLst/>
-                <a:latin typeface="Times New Roman" panose="02020603050405020304" pitchFamily="18" charset="0"/>
-                <a:cs typeface="Times New Roman" panose="02020603050405020304" pitchFamily="18" charset="0"/>
-              </a:rPr>
-              <a:t> </a:t>
-            </a:r>
-            <a:r>
-              <a:rPr lang="en-US" sz="3031" dirty="0">
-                <a:latin typeface="Times New Roman" panose="02020603050405020304" pitchFamily="18" charset="0"/>
-                <a:cs typeface="Times New Roman" panose="02020603050405020304" pitchFamily="18" charset="0"/>
-              </a:rPr>
-              <a:t>= 1/(1+2) = 0.33</a:t>
-            </a:r>
-          </a:p>
-        </p:txBody>
-      </p:sp>
-      <p:sp>
-        <p:nvSpPr>
-          <p:cNvPr id="179" name="TextBox 178">
-            <a:extLst>
-              <a:ext uri="{FF2B5EF4-FFF2-40B4-BE49-F238E27FC236}">
-                <a16:creationId xmlns:a16="http://schemas.microsoft.com/office/drawing/2014/main" id="{19237E6D-6E36-41D0-9CEA-DE1DDC8A6108}"/>
-              </a:ext>
-            </a:extLst>
-          </p:cNvPr>
-          <p:cNvSpPr txBox="1"/>
-          <p:nvPr/>
-        </p:nvSpPr>
-        <p:spPr>
-          <a:xfrm>
-            <a:off x="13312694" y="10051582"/>
-            <a:ext cx="4946858" cy="1200329"/>
-          </a:xfrm>
-          <a:prstGeom prst="rect">
-            <a:avLst/>
-          </a:prstGeom>
-          <a:noFill/>
-        </p:spPr>
-        <p:txBody>
-          <a:bodyPr wrap="square" rtlCol="0">
-            <a:spAutoFit/>
-          </a:bodyPr>
-          <a:lstStyle/>
-          <a:p>
-            <a:pPr algn="l"/>
-            <a:r>
-              <a:rPr lang="en-US" sz="2400" b="0" i="1" dirty="0">
-                <a:effectLst/>
-                <a:latin typeface="-apple-system"/>
-              </a:rPr>
-              <a:t>Ligand: Ripk1-IN-7</a:t>
-            </a:r>
-          </a:p>
-          <a:p>
-            <a:br>
-              <a:rPr lang="en-US" sz="2400" b="0" i="0" dirty="0">
-                <a:effectLst/>
-                <a:latin typeface="-apple-system"/>
-              </a:rPr>
-            </a:br>
-            <a:endParaRPr lang="en-US" sz="2400" dirty="0">
-              <a:latin typeface="Times New Roman" panose="02020603050405020304" pitchFamily="18" charset="0"/>
-              <a:cs typeface="Times New Roman" panose="02020603050405020304" pitchFamily="18" charset="0"/>
-            </a:endParaRPr>
+              <a:t>B</a:t>
+            </a:r>
           </a:p>
         </p:txBody>
       </p:sp>

--- a/Images/fig0.pptx
+++ b/Images/fig0.pptx
@@ -197,7 +197,7 @@
           <a:p>
             <a:fld id="{D34CEA9E-E5A5-49C8-A578-AF124664FEC0}" type="datetimeFigureOut">
               <a:rPr lang="en-US" smtClean="0"/>
-              <a:t>9/10/2021</a:t>
+              <a:t>9/11/2021</a:t>
             </a:fld>
             <a:endParaRPr lang="en-US"/>
           </a:p>
@@ -684,7 +684,7 @@
           <a:p>
             <a:fld id="{BA05AF01-4F0E-4718-A4C1-DFCBB47EE5F2}" type="datetimeFigureOut">
               <a:rPr lang="en-US" smtClean="0"/>
-              <a:t>9/10/2021</a:t>
+              <a:t>9/11/2021</a:t>
             </a:fld>
             <a:endParaRPr lang="en-US"/>
           </a:p>
@@ -854,7 +854,7 @@
           <a:p>
             <a:fld id="{BA05AF01-4F0E-4718-A4C1-DFCBB47EE5F2}" type="datetimeFigureOut">
               <a:rPr lang="en-US" smtClean="0"/>
-              <a:t>9/10/2021</a:t>
+              <a:t>9/11/2021</a:t>
             </a:fld>
             <a:endParaRPr lang="en-US"/>
           </a:p>
@@ -1034,7 +1034,7 @@
           <a:p>
             <a:fld id="{BA05AF01-4F0E-4718-A4C1-DFCBB47EE5F2}" type="datetimeFigureOut">
               <a:rPr lang="en-US" smtClean="0"/>
-              <a:t>9/10/2021</a:t>
+              <a:t>9/11/2021</a:t>
             </a:fld>
             <a:endParaRPr lang="en-US"/>
           </a:p>
@@ -1204,7 +1204,7 @@
           <a:p>
             <a:fld id="{BA05AF01-4F0E-4718-A4C1-DFCBB47EE5F2}" type="datetimeFigureOut">
               <a:rPr lang="en-US" smtClean="0"/>
-              <a:t>9/10/2021</a:t>
+              <a:t>9/11/2021</a:t>
             </a:fld>
             <a:endParaRPr lang="en-US"/>
           </a:p>
@@ -1448,7 +1448,7 @@
           <a:p>
             <a:fld id="{BA05AF01-4F0E-4718-A4C1-DFCBB47EE5F2}" type="datetimeFigureOut">
               <a:rPr lang="en-US" smtClean="0"/>
-              <a:t>9/10/2021</a:t>
+              <a:t>9/11/2021</a:t>
             </a:fld>
             <a:endParaRPr lang="en-US"/>
           </a:p>
@@ -1680,7 +1680,7 @@
           <a:p>
             <a:fld id="{BA05AF01-4F0E-4718-A4C1-DFCBB47EE5F2}" type="datetimeFigureOut">
               <a:rPr lang="en-US" smtClean="0"/>
-              <a:t>9/10/2021</a:t>
+              <a:t>9/11/2021</a:t>
             </a:fld>
             <a:endParaRPr lang="en-US"/>
           </a:p>
@@ -2047,7 +2047,7 @@
           <a:p>
             <a:fld id="{BA05AF01-4F0E-4718-A4C1-DFCBB47EE5F2}" type="datetimeFigureOut">
               <a:rPr lang="en-US" smtClean="0"/>
-              <a:t>9/10/2021</a:t>
+              <a:t>9/11/2021</a:t>
             </a:fld>
             <a:endParaRPr lang="en-US"/>
           </a:p>
@@ -2165,7 +2165,7 @@
           <a:p>
             <a:fld id="{BA05AF01-4F0E-4718-A4C1-DFCBB47EE5F2}" type="datetimeFigureOut">
               <a:rPr lang="en-US" smtClean="0"/>
-              <a:t>9/10/2021</a:t>
+              <a:t>9/11/2021</a:t>
             </a:fld>
             <a:endParaRPr lang="en-US"/>
           </a:p>
@@ -2260,7 +2260,7 @@
           <a:p>
             <a:fld id="{BA05AF01-4F0E-4718-A4C1-DFCBB47EE5F2}" type="datetimeFigureOut">
               <a:rPr lang="en-US" smtClean="0"/>
-              <a:t>9/10/2021</a:t>
+              <a:t>9/11/2021</a:t>
             </a:fld>
             <a:endParaRPr lang="en-US"/>
           </a:p>
@@ -2537,7 +2537,7 @@
           <a:p>
             <a:fld id="{BA05AF01-4F0E-4718-A4C1-DFCBB47EE5F2}" type="datetimeFigureOut">
               <a:rPr lang="en-US" smtClean="0"/>
-              <a:t>9/10/2021</a:t>
+              <a:t>9/11/2021</a:t>
             </a:fld>
             <a:endParaRPr lang="en-US"/>
           </a:p>
@@ -2794,7 +2794,7 @@
           <a:p>
             <a:fld id="{BA05AF01-4F0E-4718-A4C1-DFCBB47EE5F2}" type="datetimeFigureOut">
               <a:rPr lang="en-US" smtClean="0"/>
-              <a:t>9/10/2021</a:t>
+              <a:t>9/11/2021</a:t>
             </a:fld>
             <a:endParaRPr lang="en-US"/>
           </a:p>
@@ -3007,7 +3007,7 @@
           <a:p>
             <a:fld id="{BA05AF01-4F0E-4718-A4C1-DFCBB47EE5F2}" type="datetimeFigureOut">
               <a:rPr lang="en-US" smtClean="0"/>
-              <a:t>9/10/2021</a:t>
+              <a:t>9/11/2021</a:t>
             </a:fld>
             <a:endParaRPr lang="en-US"/>
           </a:p>
@@ -3427,14 +3427,14 @@
           <p:nvPr>
             <p:extLst>
               <p:ext uri="{D42A27DB-BD31-4B8C-83A1-F6EECF244321}">
-                <p14:modId xmlns:p14="http://schemas.microsoft.com/office/powerpoint/2010/main" val="1610747300"/>
+                <p14:modId xmlns:p14="http://schemas.microsoft.com/office/powerpoint/2010/main" val="183331585"/>
               </p:ext>
             </p:extLst>
           </p:nvPr>
         </p:nvGraphicFramePr>
         <p:xfrm>
-          <a:off x="14950559" y="2984609"/>
-          <a:ext cx="6972472" cy="3230090"/>
+          <a:off x="15126779" y="2536213"/>
+          <a:ext cx="6972472" cy="3876108"/>
         </p:xfrm>
         <a:graphic>
           <a:graphicData uri="http://schemas.openxmlformats.org/drawingml/2006/table">
@@ -3680,7 +3680,7 @@
                           <a:latin typeface="Times New Roman" panose="02020603050405020304" pitchFamily="18" charset="0"/>
                           <a:cs typeface="Times New Roman" panose="02020603050405020304" pitchFamily="18" charset="0"/>
                         </a:rPr>
-                        <a:t>Edges</a:t>
+                        <a:t>Positive Edges</a:t>
                       </a:r>
                     </a:p>
                   </a:txBody>
@@ -3704,7 +3704,7 @@
                           <a:latin typeface="Times New Roman" panose="02020603050405020304" pitchFamily="18" charset="0"/>
                           <a:cs typeface="Times New Roman" panose="02020603050405020304" pitchFamily="18" charset="0"/>
                         </a:rPr>
-                        <a:t>37,567</a:t>
+                        <a:t>5,591</a:t>
                       </a:r>
                     </a:p>
                   </a:txBody>
@@ -3723,46 +3723,65 @@
                   </a:ext>
                 </a:extLst>
               </a:tr>
+              <a:tr h="642147">
+                <a:tc>
+                  <a:txBody>
+                    <a:bodyPr/>
+                    <a:lstStyle/>
+                    <a:p>
+                      <a:pPr algn="ctr"/>
+                      <a:r>
+                        <a:rPr lang="en-US" sz="3200" dirty="0">
+                          <a:latin typeface="Times New Roman" panose="02020603050405020304" pitchFamily="18" charset="0"/>
+                          <a:cs typeface="Times New Roman" panose="02020603050405020304" pitchFamily="18" charset="0"/>
+                        </a:rPr>
+                        <a:t>Negative Edges</a:t>
+                      </a:r>
+                    </a:p>
+                  </a:txBody>
+                  <a:tcPr marL="158337" marR="158337" marT="79169" marB="79169">
+                    <a:solidFill>
+                      <a:schemeClr val="accent2">
+                        <a:lumMod val="20000"/>
+                        <a:lumOff val="80000"/>
+                      </a:schemeClr>
+                    </a:solidFill>
+                  </a:tcPr>
+                </a:tc>
+                <a:tc>
+                  <a:txBody>
+                    <a:bodyPr/>
+                    <a:lstStyle/>
+                    <a:p>
+                      <a:pPr algn="ctr"/>
+                      <a:r>
+                        <a:rPr lang="en-US" sz="3200" dirty="0">
+                          <a:latin typeface="Times New Roman" panose="02020603050405020304" pitchFamily="18" charset="0"/>
+                          <a:cs typeface="Times New Roman" panose="02020603050405020304" pitchFamily="18" charset="0"/>
+                        </a:rPr>
+                        <a:t>31,976</a:t>
+                      </a:r>
+                    </a:p>
+                  </a:txBody>
+                  <a:tcPr marL="158337" marR="158337" marT="79169" marB="79169">
+                    <a:solidFill>
+                      <a:schemeClr val="accent2">
+                        <a:lumMod val="20000"/>
+                        <a:lumOff val="80000"/>
+                      </a:schemeClr>
+                    </a:solidFill>
+                  </a:tcPr>
+                </a:tc>
+                <a:extLst>
+                  <a:ext uri="{0D108BD9-81ED-4DB2-BD59-A6C34878D82A}">
+                    <a16:rowId xmlns:a16="http://schemas.microsoft.com/office/drawing/2014/main" val="2646536256"/>
+                  </a:ext>
+                </a:extLst>
+              </a:tr>
             </a:tbl>
           </a:graphicData>
         </a:graphic>
       </p:graphicFrame>
-      <p:pic>
-        <p:nvPicPr>
-          <p:cNvPr id="8" name="Picture 7">
-            <a:extLst>
-              <a:ext uri="{FF2B5EF4-FFF2-40B4-BE49-F238E27FC236}">
-                <a16:creationId xmlns:a16="http://schemas.microsoft.com/office/drawing/2014/main" id="{25543A10-7544-410A-9E8F-9FF51907B176}"/>
-              </a:ext>
-            </a:extLst>
-          </p:cNvPr>
-          <p:cNvPicPr>
-            <a:picLocks noChangeAspect="1"/>
-          </p:cNvPicPr>
-          <p:nvPr/>
-        </p:nvPicPr>
-        <p:blipFill>
-          <a:blip r:embed="rId3">
-            <a:extLst>
-              <a:ext uri="{28A0092B-C50C-407E-A947-70E740481C1C}">
-                <a14:useLocalDpi xmlns:a14="http://schemas.microsoft.com/office/drawing/2010/main" val="0"/>
-              </a:ext>
-            </a:extLst>
-          </a:blip>
-          <a:stretch>
-            <a:fillRect/>
-          </a:stretch>
-        </p:blipFill>
-        <p:spPr>
-          <a:xfrm>
-            <a:off x="546608" y="683323"/>
-            <a:ext cx="13668347" cy="13668347"/>
-          </a:xfrm>
-          <a:prstGeom prst="rect">
-            <a:avLst/>
-          </a:prstGeom>
-        </p:spPr>
-      </p:pic>
       <p:grpSp>
         <p:nvGrpSpPr>
           <p:cNvPr id="2" name="Group 1">
@@ -4201,7 +4220,7 @@
         </p:nvSpPr>
         <p:spPr>
           <a:xfrm rot="5400000">
-            <a:off x="6972730" y="14431436"/>
+            <a:off x="7009952" y="14850699"/>
             <a:ext cx="1857889" cy="1622421"/>
           </a:xfrm>
           <a:prstGeom prst="rightArrow">
@@ -4955,7 +4974,7 @@
             <p:nvPr/>
           </p:nvPicPr>
           <p:blipFill>
-            <a:blip r:embed="rId4"/>
+            <a:blip r:embed="rId3"/>
             <a:stretch>
               <a:fillRect/>
             </a:stretch>
@@ -5057,7 +5076,7 @@
               <p:nvPr/>
             </p:nvPicPr>
             <p:blipFill>
-              <a:blip r:embed="rId5"/>
+              <a:blip r:embed="rId4"/>
               <a:stretch>
                 <a:fillRect/>
               </a:stretch>
@@ -5088,7 +5107,7 @@
             <p:nvPr/>
           </p:nvPicPr>
           <p:blipFill>
-            <a:blip r:embed="rId6"/>
+            <a:blip r:embed="rId5"/>
             <a:stretch>
               <a:fillRect/>
             </a:stretch>
@@ -5253,7 +5272,7 @@
             <p:nvPr/>
           </p:nvPicPr>
           <p:blipFill>
-            <a:blip r:embed="rId7"/>
+            <a:blip r:embed="rId6"/>
             <a:stretch>
               <a:fillRect/>
             </a:stretch>
@@ -5322,7 +5341,7 @@
         </p:nvGrpSpPr>
         <p:grpSpPr>
           <a:xfrm>
-            <a:off x="15252797" y="9588790"/>
+            <a:off x="16227816" y="10300855"/>
             <a:ext cx="4141783" cy="2111758"/>
             <a:chOff x="729252" y="10234438"/>
             <a:chExt cx="1824572" cy="893689"/>
@@ -5508,10 +5527,84 @@
       </p:grpSp>
       <p:sp>
         <p:nvSpPr>
-          <p:cNvPr id="51" name="TextBox 50">
+          <p:cNvPr id="52" name="TextBox 51">
             <a:extLst>
               <a:ext uri="{FF2B5EF4-FFF2-40B4-BE49-F238E27FC236}">
-                <a16:creationId xmlns:a16="http://schemas.microsoft.com/office/drawing/2014/main" id="{D5530B8A-09BB-4169-A5D0-446D53F68B14}"/>
+                <a16:creationId xmlns:a16="http://schemas.microsoft.com/office/drawing/2014/main" id="{707237B5-B781-4468-A644-4A6B63CE8E91}"/>
+              </a:ext>
+            </a:extLst>
+          </p:cNvPr>
+          <p:cNvSpPr txBox="1"/>
+          <p:nvPr/>
+        </p:nvSpPr>
+        <p:spPr>
+          <a:xfrm>
+            <a:off x="730459" y="16131088"/>
+            <a:ext cx="1974199" cy="1107996"/>
+          </a:xfrm>
+          <a:prstGeom prst="rect">
+            <a:avLst/>
+          </a:prstGeom>
+          <a:noFill/>
+        </p:spPr>
+        <p:txBody>
+          <a:bodyPr wrap="square" rtlCol="0">
+            <a:spAutoFit/>
+          </a:bodyPr>
+          <a:lstStyle/>
+          <a:p>
+            <a:r>
+              <a:rPr lang="en-US" sz="6600" b="1" dirty="0">
+                <a:latin typeface="Times New Roman" panose="02020603050405020304" pitchFamily="18" charset="0"/>
+                <a:cs typeface="Times New Roman" panose="02020603050405020304" pitchFamily="18" charset="0"/>
+              </a:rPr>
+              <a:t>B</a:t>
+            </a:r>
+          </a:p>
+        </p:txBody>
+      </p:sp>
+      <p:pic>
+        <p:nvPicPr>
+          <p:cNvPr id="7" name="Picture 6" descr="A picture containing echinoderm, stone, wheel, building material&#10;&#10;Description automatically generated">
+            <a:extLst>
+              <a:ext uri="{FF2B5EF4-FFF2-40B4-BE49-F238E27FC236}">
+                <a16:creationId xmlns:a16="http://schemas.microsoft.com/office/drawing/2014/main" id="{81ED1095-9453-4A79-98E4-364F7279BEE8}"/>
+              </a:ext>
+            </a:extLst>
+          </p:cNvPr>
+          <p:cNvPicPr>
+            <a:picLocks noChangeAspect="1"/>
+          </p:cNvPicPr>
+          <p:nvPr/>
+        </p:nvPicPr>
+        <p:blipFill>
+          <a:blip r:embed="rId7">
+            <a:extLst>
+              <a:ext uri="{28A0092B-C50C-407E-A947-70E740481C1C}">
+                <a14:useLocalDpi xmlns:a14="http://schemas.microsoft.com/office/drawing/2010/main" val="0"/>
+              </a:ext>
+            </a:extLst>
+          </a:blip>
+          <a:stretch>
+            <a:fillRect/>
+          </a:stretch>
+        </p:blipFill>
+        <p:spPr>
+          <a:xfrm>
+            <a:off x="984710" y="361050"/>
+            <a:ext cx="14028679" cy="14028679"/>
+          </a:xfrm>
+          <a:prstGeom prst="rect">
+            <a:avLst/>
+          </a:prstGeom>
+        </p:spPr>
+      </p:pic>
+      <p:sp>
+        <p:nvSpPr>
+          <p:cNvPr id="50" name="TextBox 49">
+            <a:extLst>
+              <a:ext uri="{FF2B5EF4-FFF2-40B4-BE49-F238E27FC236}">
+                <a16:creationId xmlns:a16="http://schemas.microsoft.com/office/drawing/2014/main" id="{89A873D2-251E-4A9D-A45A-AC65344046F7}"/>
               </a:ext>
             </a:extLst>
           </p:cNvPr>
@@ -5540,44 +5633,6 @@
                 <a:cs typeface="Times New Roman" panose="02020603050405020304" pitchFamily="18" charset="0"/>
               </a:rPr>
               <a:t>A</a:t>
-            </a:r>
-          </a:p>
-        </p:txBody>
-      </p:sp>
-      <p:sp>
-        <p:nvSpPr>
-          <p:cNvPr id="52" name="TextBox 51">
-            <a:extLst>
-              <a:ext uri="{FF2B5EF4-FFF2-40B4-BE49-F238E27FC236}">
-                <a16:creationId xmlns:a16="http://schemas.microsoft.com/office/drawing/2014/main" id="{707237B5-B781-4468-A644-4A6B63CE8E91}"/>
-              </a:ext>
-            </a:extLst>
-          </p:cNvPr>
-          <p:cNvSpPr txBox="1"/>
-          <p:nvPr/>
-        </p:nvSpPr>
-        <p:spPr>
-          <a:xfrm>
-            <a:off x="730459" y="16131088"/>
-            <a:ext cx="1974199" cy="1107996"/>
-          </a:xfrm>
-          <a:prstGeom prst="rect">
-            <a:avLst/>
-          </a:prstGeom>
-          <a:noFill/>
-        </p:spPr>
-        <p:txBody>
-          <a:bodyPr wrap="square" rtlCol="0">
-            <a:spAutoFit/>
-          </a:bodyPr>
-          <a:lstStyle/>
-          <a:p>
-            <a:r>
-              <a:rPr lang="en-US" sz="6600" b="1" dirty="0">
-                <a:latin typeface="Times New Roman" panose="02020603050405020304" pitchFamily="18" charset="0"/>
-                <a:cs typeface="Times New Roman" panose="02020603050405020304" pitchFamily="18" charset="0"/>
-              </a:rPr>
-              <a:t>B</a:t>
             </a:r>
           </a:p>
         </p:txBody>

--- a/Images/fig0.pptx
+++ b/Images/fig0.pptx
@@ -2,7 +2,7 @@
 <file path=ppt/presentation.xml><?xml version="1.0" encoding="utf-8"?>
 <p:presentation xmlns:a="http://schemas.openxmlformats.org/drawingml/2006/main" xmlns:r="http://schemas.openxmlformats.org/officeDocument/2006/relationships" xmlns:p="http://schemas.openxmlformats.org/presentationml/2006/main" saveSubsetFonts="1">
   <p:sldMasterIdLst>
-    <p:sldMasterId id="2147483816" r:id="rId1"/>
+    <p:sldMasterId id="2147483828" r:id="rId1"/>
   </p:sldMasterIdLst>
   <p:notesMasterIdLst>
     <p:notesMasterId r:id="rId3"/>
@@ -10,7 +10,7 @@
   <p:sldIdLst>
     <p:sldId id="256" r:id="rId2"/>
   </p:sldIdLst>
-  <p:sldSz cx="22860000" cy="27432000"/>
+  <p:sldSz cx="22860000" cy="32004000"/>
   <p:notesSz cx="6858000" cy="9144000"/>
   <p:defaultTextStyle>
     <a:defPPr>
@@ -197,7 +197,7 @@
           <a:p>
             <a:fld id="{D34CEA9E-E5A5-49C8-A578-AF124664FEC0}" type="datetimeFigureOut">
               <a:rPr lang="en-US" smtClean="0"/>
-              <a:t>9/11/2021</a:t>
+              <a:t>11/9/2021</a:t>
             </a:fld>
             <a:endParaRPr lang="en-US"/>
           </a:p>
@@ -215,8 +215,8 @@
         </p:nvSpPr>
         <p:spPr>
           <a:xfrm>
-            <a:off x="2143125" y="1143000"/>
-            <a:ext cx="2571750" cy="3086100"/>
+            <a:off x="2327275" y="1143000"/>
+            <a:ext cx="2203450" cy="3086100"/>
           </a:xfrm>
           <a:prstGeom prst="rect">
             <a:avLst/>
@@ -493,8 +493,8 @@
         </p:nvSpPr>
         <p:spPr>
           <a:xfrm>
-            <a:off x="2143125" y="1143000"/>
-            <a:ext cx="2571750" cy="3086100"/>
+            <a:off x="2327275" y="1143000"/>
+            <a:ext cx="2203450" cy="3086100"/>
           </a:xfrm>
         </p:spPr>
       </p:sp>
@@ -582,8 +582,8 @@
         </p:nvSpPr>
         <p:spPr>
           <a:xfrm>
-            <a:off x="1714500" y="4489452"/>
-            <a:ext cx="19431000" cy="9550400"/>
+            <a:off x="1714500" y="5237694"/>
+            <a:ext cx="19431000" cy="11142133"/>
           </a:xfrm>
         </p:spPr>
         <p:txBody>
@@ -614,8 +614,8 @@
         </p:nvSpPr>
         <p:spPr>
           <a:xfrm>
-            <a:off x="2857500" y="14408152"/>
-            <a:ext cx="17145000" cy="6623048"/>
+            <a:off x="2857500" y="16809511"/>
+            <a:ext cx="17145000" cy="7726889"/>
           </a:xfrm>
         </p:spPr>
         <p:txBody>
@@ -684,7 +684,7 @@
           <a:p>
             <a:fld id="{BA05AF01-4F0E-4718-A4C1-DFCBB47EE5F2}" type="datetimeFigureOut">
               <a:rPr lang="en-US" smtClean="0"/>
-              <a:t>9/11/2021</a:t>
+              <a:t>11/9/2021</a:t>
             </a:fld>
             <a:endParaRPr lang="en-US"/>
           </a:p>
@@ -735,7 +735,7 @@
     </p:spTree>
     <p:extLst>
       <p:ext uri="{BB962C8B-B14F-4D97-AF65-F5344CB8AC3E}">
-        <p14:creationId xmlns:p14="http://schemas.microsoft.com/office/powerpoint/2010/main" val="1270695012"/>
+        <p14:creationId xmlns:p14="http://schemas.microsoft.com/office/powerpoint/2010/main" val="3433896694"/>
       </p:ext>
     </p:extLst>
   </p:cSld>
@@ -854,7 +854,7 @@
           <a:p>
             <a:fld id="{BA05AF01-4F0E-4718-A4C1-DFCBB47EE5F2}" type="datetimeFigureOut">
               <a:rPr lang="en-US" smtClean="0"/>
-              <a:t>9/11/2021</a:t>
+              <a:t>11/9/2021</a:t>
             </a:fld>
             <a:endParaRPr lang="en-US"/>
           </a:p>
@@ -905,7 +905,7 @@
     </p:spTree>
     <p:extLst>
       <p:ext uri="{BB962C8B-B14F-4D97-AF65-F5344CB8AC3E}">
-        <p14:creationId xmlns:p14="http://schemas.microsoft.com/office/powerpoint/2010/main" val="3289544125"/>
+        <p14:creationId xmlns:p14="http://schemas.microsoft.com/office/powerpoint/2010/main" val="1196298296"/>
       </p:ext>
     </p:extLst>
   </p:cSld>
@@ -944,8 +944,8 @@
         </p:nvSpPr>
         <p:spPr>
           <a:xfrm>
-            <a:off x="16359189" y="1460500"/>
-            <a:ext cx="4929188" cy="23247352"/>
+            <a:off x="16359189" y="1703917"/>
+            <a:ext cx="4929188" cy="27121911"/>
           </a:xfrm>
         </p:spPr>
         <p:txBody>
@@ -972,8 +972,8 @@
         </p:nvSpPr>
         <p:spPr>
           <a:xfrm>
-            <a:off x="1571626" y="1460500"/>
-            <a:ext cx="14501813" cy="23247352"/>
+            <a:off x="1571626" y="1703917"/>
+            <a:ext cx="14501813" cy="27121911"/>
           </a:xfrm>
         </p:spPr>
         <p:txBody>
@@ -1034,7 +1034,7 @@
           <a:p>
             <a:fld id="{BA05AF01-4F0E-4718-A4C1-DFCBB47EE5F2}" type="datetimeFigureOut">
               <a:rPr lang="en-US" smtClean="0"/>
-              <a:t>9/11/2021</a:t>
+              <a:t>11/9/2021</a:t>
             </a:fld>
             <a:endParaRPr lang="en-US"/>
           </a:p>
@@ -1085,7 +1085,7 @@
     </p:spTree>
     <p:extLst>
       <p:ext uri="{BB962C8B-B14F-4D97-AF65-F5344CB8AC3E}">
-        <p14:creationId xmlns:p14="http://schemas.microsoft.com/office/powerpoint/2010/main" val="3369001503"/>
+        <p14:creationId xmlns:p14="http://schemas.microsoft.com/office/powerpoint/2010/main" val="3604634088"/>
       </p:ext>
     </p:extLst>
   </p:cSld>
@@ -1204,7 +1204,7 @@
           <a:p>
             <a:fld id="{BA05AF01-4F0E-4718-A4C1-DFCBB47EE5F2}" type="datetimeFigureOut">
               <a:rPr lang="en-US" smtClean="0"/>
-              <a:t>9/11/2021</a:t>
+              <a:t>11/9/2021</a:t>
             </a:fld>
             <a:endParaRPr lang="en-US"/>
           </a:p>
@@ -1255,7 +1255,7 @@
     </p:spTree>
     <p:extLst>
       <p:ext uri="{BB962C8B-B14F-4D97-AF65-F5344CB8AC3E}">
-        <p14:creationId xmlns:p14="http://schemas.microsoft.com/office/powerpoint/2010/main" val="136437294"/>
+        <p14:creationId xmlns:p14="http://schemas.microsoft.com/office/powerpoint/2010/main" val="940277321"/>
       </p:ext>
     </p:extLst>
   </p:cSld>
@@ -1294,8 +1294,8 @@
         </p:nvSpPr>
         <p:spPr>
           <a:xfrm>
-            <a:off x="1559720" y="6838958"/>
-            <a:ext cx="19716750" cy="11410948"/>
+            <a:off x="1559720" y="7978784"/>
+            <a:ext cx="19716750" cy="13312773"/>
           </a:xfrm>
         </p:spPr>
         <p:txBody>
@@ -1326,8 +1326,8 @@
         </p:nvSpPr>
         <p:spPr>
           <a:xfrm>
-            <a:off x="1559720" y="18357858"/>
-            <a:ext cx="19716750" cy="6000748"/>
+            <a:off x="1559720" y="21417501"/>
+            <a:ext cx="19716750" cy="7000873"/>
           </a:xfrm>
         </p:spPr>
         <p:txBody>
@@ -1448,7 +1448,7 @@
           <a:p>
             <a:fld id="{BA05AF01-4F0E-4718-A4C1-DFCBB47EE5F2}" type="datetimeFigureOut">
               <a:rPr lang="en-US" smtClean="0"/>
-              <a:t>9/11/2021</a:t>
+              <a:t>11/9/2021</a:t>
             </a:fld>
             <a:endParaRPr lang="en-US"/>
           </a:p>
@@ -1499,7 +1499,7 @@
     </p:spTree>
     <p:extLst>
       <p:ext uri="{BB962C8B-B14F-4D97-AF65-F5344CB8AC3E}">
-        <p14:creationId xmlns:p14="http://schemas.microsoft.com/office/powerpoint/2010/main" val="2961669354"/>
+        <p14:creationId xmlns:p14="http://schemas.microsoft.com/office/powerpoint/2010/main" val="570315786"/>
       </p:ext>
     </p:extLst>
   </p:cSld>
@@ -1561,8 +1561,8 @@
         </p:nvSpPr>
         <p:spPr>
           <a:xfrm>
-            <a:off x="1571625" y="7302500"/>
-            <a:ext cx="9715500" cy="17405352"/>
+            <a:off x="1571625" y="8519583"/>
+            <a:ext cx="9715500" cy="20306244"/>
           </a:xfrm>
         </p:spPr>
         <p:txBody>
@@ -1618,8 +1618,8 @@
         </p:nvSpPr>
         <p:spPr>
           <a:xfrm>
-            <a:off x="11572875" y="7302500"/>
-            <a:ext cx="9715500" cy="17405352"/>
+            <a:off x="11572875" y="8519583"/>
+            <a:ext cx="9715500" cy="20306244"/>
           </a:xfrm>
         </p:spPr>
         <p:txBody>
@@ -1680,7 +1680,7 @@
           <a:p>
             <a:fld id="{BA05AF01-4F0E-4718-A4C1-DFCBB47EE5F2}" type="datetimeFigureOut">
               <a:rPr lang="en-US" smtClean="0"/>
-              <a:t>9/11/2021</a:t>
+              <a:t>11/9/2021</a:t>
             </a:fld>
             <a:endParaRPr lang="en-US"/>
           </a:p>
@@ -1731,7 +1731,7 @@
     </p:spTree>
     <p:extLst>
       <p:ext uri="{BB962C8B-B14F-4D97-AF65-F5344CB8AC3E}">
-        <p14:creationId xmlns:p14="http://schemas.microsoft.com/office/powerpoint/2010/main" val="2435797056"/>
+        <p14:creationId xmlns:p14="http://schemas.microsoft.com/office/powerpoint/2010/main" val="3481268713"/>
       </p:ext>
     </p:extLst>
   </p:cSld>
@@ -1770,8 +1770,8 @@
         </p:nvSpPr>
         <p:spPr>
           <a:xfrm>
-            <a:off x="1574603" y="1460506"/>
-            <a:ext cx="19716750" cy="5302252"/>
+            <a:off x="1574603" y="1703924"/>
+            <a:ext cx="19716750" cy="6185961"/>
           </a:xfrm>
         </p:spPr>
         <p:txBody>
@@ -1798,8 +1798,8 @@
         </p:nvSpPr>
         <p:spPr>
           <a:xfrm>
-            <a:off x="1574605" y="6724652"/>
-            <a:ext cx="9670850" cy="3295648"/>
+            <a:off x="1574605" y="7845427"/>
+            <a:ext cx="9670850" cy="3844923"/>
           </a:xfrm>
         </p:spPr>
         <p:txBody>
@@ -1863,8 +1863,8 @@
         </p:nvSpPr>
         <p:spPr>
           <a:xfrm>
-            <a:off x="1574605" y="10020300"/>
-            <a:ext cx="9670850" cy="14738352"/>
+            <a:off x="1574605" y="11690350"/>
+            <a:ext cx="9670850" cy="17194744"/>
           </a:xfrm>
         </p:spPr>
         <p:txBody>
@@ -1920,8 +1920,8 @@
         </p:nvSpPr>
         <p:spPr>
           <a:xfrm>
-            <a:off x="11572876" y="6724652"/>
-            <a:ext cx="9718478" cy="3295648"/>
+            <a:off x="11572876" y="7845427"/>
+            <a:ext cx="9718478" cy="3844923"/>
           </a:xfrm>
         </p:spPr>
         <p:txBody>
@@ -1985,8 +1985,8 @@
         </p:nvSpPr>
         <p:spPr>
           <a:xfrm>
-            <a:off x="11572876" y="10020300"/>
-            <a:ext cx="9718478" cy="14738352"/>
+            <a:off x="11572876" y="11690350"/>
+            <a:ext cx="9718478" cy="17194744"/>
           </a:xfrm>
         </p:spPr>
         <p:txBody>
@@ -2047,7 +2047,7 @@
           <a:p>
             <a:fld id="{BA05AF01-4F0E-4718-A4C1-DFCBB47EE5F2}" type="datetimeFigureOut">
               <a:rPr lang="en-US" smtClean="0"/>
-              <a:t>9/11/2021</a:t>
+              <a:t>11/9/2021</a:t>
             </a:fld>
             <a:endParaRPr lang="en-US"/>
           </a:p>
@@ -2098,7 +2098,7 @@
     </p:spTree>
     <p:extLst>
       <p:ext uri="{BB962C8B-B14F-4D97-AF65-F5344CB8AC3E}">
-        <p14:creationId xmlns:p14="http://schemas.microsoft.com/office/powerpoint/2010/main" val="606634717"/>
+        <p14:creationId xmlns:p14="http://schemas.microsoft.com/office/powerpoint/2010/main" val="1416133605"/>
       </p:ext>
     </p:extLst>
   </p:cSld>
@@ -2165,7 +2165,7 @@
           <a:p>
             <a:fld id="{BA05AF01-4F0E-4718-A4C1-DFCBB47EE5F2}" type="datetimeFigureOut">
               <a:rPr lang="en-US" smtClean="0"/>
-              <a:t>9/11/2021</a:t>
+              <a:t>11/9/2021</a:t>
             </a:fld>
             <a:endParaRPr lang="en-US"/>
           </a:p>
@@ -2216,7 +2216,7 @@
     </p:spTree>
     <p:extLst>
       <p:ext uri="{BB962C8B-B14F-4D97-AF65-F5344CB8AC3E}">
-        <p14:creationId xmlns:p14="http://schemas.microsoft.com/office/powerpoint/2010/main" val="3813578140"/>
+        <p14:creationId xmlns:p14="http://schemas.microsoft.com/office/powerpoint/2010/main" val="2635443694"/>
       </p:ext>
     </p:extLst>
   </p:cSld>
@@ -2260,7 +2260,7 @@
           <a:p>
             <a:fld id="{BA05AF01-4F0E-4718-A4C1-DFCBB47EE5F2}" type="datetimeFigureOut">
               <a:rPr lang="en-US" smtClean="0"/>
-              <a:t>9/11/2021</a:t>
+              <a:t>11/9/2021</a:t>
             </a:fld>
             <a:endParaRPr lang="en-US"/>
           </a:p>
@@ -2311,7 +2311,7 @@
     </p:spTree>
     <p:extLst>
       <p:ext uri="{BB962C8B-B14F-4D97-AF65-F5344CB8AC3E}">
-        <p14:creationId xmlns:p14="http://schemas.microsoft.com/office/powerpoint/2010/main" val="2764974718"/>
+        <p14:creationId xmlns:p14="http://schemas.microsoft.com/office/powerpoint/2010/main" val="1524873162"/>
       </p:ext>
     </p:extLst>
   </p:cSld>
@@ -2350,8 +2350,8 @@
         </p:nvSpPr>
         <p:spPr>
           <a:xfrm>
-            <a:off x="1574603" y="1828800"/>
-            <a:ext cx="7372945" cy="6400800"/>
+            <a:off x="1574603" y="2133600"/>
+            <a:ext cx="7372945" cy="7467600"/>
           </a:xfrm>
         </p:spPr>
         <p:txBody>
@@ -2382,8 +2382,8 @@
         </p:nvSpPr>
         <p:spPr>
           <a:xfrm>
-            <a:off x="9718477" y="3949706"/>
-            <a:ext cx="11572875" cy="19494500"/>
+            <a:off x="9718477" y="4607991"/>
+            <a:ext cx="11572875" cy="22743583"/>
           </a:xfrm>
         </p:spPr>
         <p:txBody>
@@ -2467,8 +2467,8 @@
         </p:nvSpPr>
         <p:spPr>
           <a:xfrm>
-            <a:off x="1574603" y="8229600"/>
-            <a:ext cx="7372945" cy="15246352"/>
+            <a:off x="1574603" y="9601200"/>
+            <a:ext cx="7372945" cy="17787411"/>
           </a:xfrm>
         </p:spPr>
         <p:txBody>
@@ -2537,7 +2537,7 @@
           <a:p>
             <a:fld id="{BA05AF01-4F0E-4718-A4C1-DFCBB47EE5F2}" type="datetimeFigureOut">
               <a:rPr lang="en-US" smtClean="0"/>
-              <a:t>9/11/2021</a:t>
+              <a:t>11/9/2021</a:t>
             </a:fld>
             <a:endParaRPr lang="en-US"/>
           </a:p>
@@ -2588,7 +2588,7 @@
     </p:spTree>
     <p:extLst>
       <p:ext uri="{BB962C8B-B14F-4D97-AF65-F5344CB8AC3E}">
-        <p14:creationId xmlns:p14="http://schemas.microsoft.com/office/powerpoint/2010/main" val="1366870942"/>
+        <p14:creationId xmlns:p14="http://schemas.microsoft.com/office/powerpoint/2010/main" val="2895099188"/>
       </p:ext>
     </p:extLst>
   </p:cSld>
@@ -2627,8 +2627,8 @@
         </p:nvSpPr>
         <p:spPr>
           <a:xfrm>
-            <a:off x="1574603" y="1828800"/>
-            <a:ext cx="7372945" cy="6400800"/>
+            <a:off x="1574603" y="2133600"/>
+            <a:ext cx="7372945" cy="7467600"/>
           </a:xfrm>
         </p:spPr>
         <p:txBody>
@@ -2659,8 +2659,8 @@
         </p:nvSpPr>
         <p:spPr>
           <a:xfrm>
-            <a:off x="9718477" y="3949706"/>
-            <a:ext cx="11572875" cy="19494500"/>
+            <a:off x="9718477" y="4607991"/>
+            <a:ext cx="11572875" cy="22743583"/>
           </a:xfrm>
         </p:spPr>
         <p:txBody>
@@ -2724,8 +2724,8 @@
         </p:nvSpPr>
         <p:spPr>
           <a:xfrm>
-            <a:off x="1574603" y="8229600"/>
-            <a:ext cx="7372945" cy="15246352"/>
+            <a:off x="1574603" y="9601200"/>
+            <a:ext cx="7372945" cy="17787411"/>
           </a:xfrm>
         </p:spPr>
         <p:txBody>
@@ -2794,7 +2794,7 @@
           <a:p>
             <a:fld id="{BA05AF01-4F0E-4718-A4C1-DFCBB47EE5F2}" type="datetimeFigureOut">
               <a:rPr lang="en-US" smtClean="0"/>
-              <a:t>9/11/2021</a:t>
+              <a:t>11/9/2021</a:t>
             </a:fld>
             <a:endParaRPr lang="en-US"/>
           </a:p>
@@ -2845,7 +2845,7 @@
     </p:spTree>
     <p:extLst>
       <p:ext uri="{BB962C8B-B14F-4D97-AF65-F5344CB8AC3E}">
-        <p14:creationId xmlns:p14="http://schemas.microsoft.com/office/powerpoint/2010/main" val="3918239290"/>
+        <p14:creationId xmlns:p14="http://schemas.microsoft.com/office/powerpoint/2010/main" val="2203466380"/>
       </p:ext>
     </p:extLst>
   </p:cSld>
@@ -2889,8 +2889,8 @@
         </p:nvSpPr>
         <p:spPr>
           <a:xfrm>
-            <a:off x="1571625" y="1460506"/>
-            <a:ext cx="19716750" cy="5302252"/>
+            <a:off x="1571625" y="1703924"/>
+            <a:ext cx="19716750" cy="6185961"/>
           </a:xfrm>
           <a:prstGeom prst="rect">
             <a:avLst/>
@@ -2922,8 +2922,8 @@
         </p:nvSpPr>
         <p:spPr>
           <a:xfrm>
-            <a:off x="1571625" y="7302500"/>
-            <a:ext cx="19716750" cy="17405352"/>
+            <a:off x="1571625" y="8519583"/>
+            <a:ext cx="19716750" cy="20306244"/>
           </a:xfrm>
           <a:prstGeom prst="rect">
             <a:avLst/>
@@ -2984,8 +2984,8 @@
         </p:nvSpPr>
         <p:spPr>
           <a:xfrm>
-            <a:off x="1571625" y="25425406"/>
-            <a:ext cx="5143500" cy="1460500"/>
+            <a:off x="1571625" y="29662974"/>
+            <a:ext cx="5143500" cy="1703917"/>
           </a:xfrm>
           <a:prstGeom prst="rect">
             <a:avLst/>
@@ -3007,7 +3007,7 @@
           <a:p>
             <a:fld id="{BA05AF01-4F0E-4718-A4C1-DFCBB47EE5F2}" type="datetimeFigureOut">
               <a:rPr lang="en-US" smtClean="0"/>
-              <a:t>9/11/2021</a:t>
+              <a:t>11/9/2021</a:t>
             </a:fld>
             <a:endParaRPr lang="en-US"/>
           </a:p>
@@ -3025,8 +3025,8 @@
         </p:nvSpPr>
         <p:spPr>
           <a:xfrm>
-            <a:off x="7572375" y="25425406"/>
-            <a:ext cx="7715250" cy="1460500"/>
+            <a:off x="7572375" y="29662974"/>
+            <a:ext cx="7715250" cy="1703917"/>
           </a:xfrm>
           <a:prstGeom prst="rect">
             <a:avLst/>
@@ -3062,8 +3062,8 @@
         </p:nvSpPr>
         <p:spPr>
           <a:xfrm>
-            <a:off x="16144875" y="25425406"/>
-            <a:ext cx="5143500" cy="1460500"/>
+            <a:off x="16144875" y="29662974"/>
+            <a:ext cx="5143500" cy="1703917"/>
           </a:xfrm>
           <a:prstGeom prst="rect">
             <a:avLst/>
@@ -3094,23 +3094,23 @@
     </p:spTree>
     <p:extLst>
       <p:ext uri="{BB962C8B-B14F-4D97-AF65-F5344CB8AC3E}">
-        <p14:creationId xmlns:p14="http://schemas.microsoft.com/office/powerpoint/2010/main" val="2022178849"/>
+        <p14:creationId xmlns:p14="http://schemas.microsoft.com/office/powerpoint/2010/main" val="2162222886"/>
       </p:ext>
     </p:extLst>
   </p:cSld>
   <p:clrMap bg1="lt1" tx1="dk1" bg2="lt2" tx2="dk2" accent1="accent1" accent2="accent2" accent3="accent3" accent4="accent4" accent5="accent5" accent6="accent6" hlink="hlink" folHlink="folHlink"/>
   <p:sldLayoutIdLst>
-    <p:sldLayoutId id="2147483817" r:id="rId1"/>
-    <p:sldLayoutId id="2147483818" r:id="rId2"/>
-    <p:sldLayoutId id="2147483819" r:id="rId3"/>
-    <p:sldLayoutId id="2147483820" r:id="rId4"/>
-    <p:sldLayoutId id="2147483821" r:id="rId5"/>
-    <p:sldLayoutId id="2147483822" r:id="rId6"/>
-    <p:sldLayoutId id="2147483823" r:id="rId7"/>
-    <p:sldLayoutId id="2147483824" r:id="rId8"/>
-    <p:sldLayoutId id="2147483825" r:id="rId9"/>
-    <p:sldLayoutId id="2147483826" r:id="rId10"/>
-    <p:sldLayoutId id="2147483827" r:id="rId11"/>
+    <p:sldLayoutId id="2147483829" r:id="rId1"/>
+    <p:sldLayoutId id="2147483830" r:id="rId2"/>
+    <p:sldLayoutId id="2147483831" r:id="rId3"/>
+    <p:sldLayoutId id="2147483832" r:id="rId4"/>
+    <p:sldLayoutId id="2147483833" r:id="rId5"/>
+    <p:sldLayoutId id="2147483834" r:id="rId6"/>
+    <p:sldLayoutId id="2147483835" r:id="rId7"/>
+    <p:sldLayoutId id="2147483836" r:id="rId8"/>
+    <p:sldLayoutId id="2147483837" r:id="rId9"/>
+    <p:sldLayoutId id="2147483838" r:id="rId10"/>
+    <p:sldLayoutId id="2147483839" r:id="rId11"/>
   </p:sldLayoutIdLst>
   <p:txStyles>
     <p:titleStyle>
@@ -3427,14 +3427,14 @@
           <p:nvPr>
             <p:extLst>
               <p:ext uri="{D42A27DB-BD31-4B8C-83A1-F6EECF244321}">
-                <p14:modId xmlns:p14="http://schemas.microsoft.com/office/powerpoint/2010/main" val="183331585"/>
+                <p14:modId xmlns:p14="http://schemas.microsoft.com/office/powerpoint/2010/main" val="1074880252"/>
               </p:ext>
             </p:extLst>
           </p:nvPr>
         </p:nvGraphicFramePr>
         <p:xfrm>
-          <a:off x="15126779" y="2536213"/>
-          <a:ext cx="6972472" cy="3876108"/>
+          <a:off x="14245942" y="12747159"/>
+          <a:ext cx="8134550" cy="4522128"/>
         </p:xfrm>
         <a:graphic>
           <a:graphicData uri="http://schemas.openxmlformats.org/drawingml/2006/table">
@@ -3443,14 +3443,14 @@
                 <a:tableStyleId>{5C22544A-7EE6-4342-B048-85BDC9FD1C3A}</a:tableStyleId>
               </a:tblPr>
               <a:tblGrid>
-                <a:gridCol w="3486236">
+                <a:gridCol w="4067275">
                   <a:extLst>
                     <a:ext uri="{9D8B030D-6E8A-4147-A177-3AD203B41FA5}">
                       <a16:colId xmlns:a16="http://schemas.microsoft.com/office/drawing/2014/main" val="1160396653"/>
                     </a:ext>
                   </a:extLst>
                 </a:gridCol>
-                <a:gridCol w="3486236">
+                <a:gridCol w="4067275">
                   <a:extLst>
                     <a:ext uri="{9D8B030D-6E8A-4147-A177-3AD203B41FA5}">
                       <a16:colId xmlns:a16="http://schemas.microsoft.com/office/drawing/2014/main" val="680134479"/>
@@ -3458,7 +3458,7 @@
                   </a:extLst>
                 </a:gridCol>
               </a:tblGrid>
-              <a:tr h="637309">
+              <a:tr h="753688">
                 <a:tc gridSpan="2">
                   <a:txBody>
                     <a:bodyPr/>
@@ -3466,7 +3466,7 @@
                     <a:p>
                       <a:pPr algn="ctr"/>
                       <a:r>
-                        <a:rPr lang="en-US" sz="3200" b="0" dirty="0">
+                        <a:rPr lang="en-US" sz="3700" b="0" dirty="0">
                           <a:latin typeface="Times New Roman" panose="02020603050405020304" pitchFamily="18" charset="0"/>
                           <a:cs typeface="Times New Roman" panose="02020603050405020304" pitchFamily="18" charset="0"/>
                         </a:rPr>
@@ -3474,7 +3474,7 @@
                       </a:r>
                     </a:p>
                   </a:txBody>
-                  <a:tcPr marL="158337" marR="158337" marT="79169" marB="79169">
+                  <a:tcPr marL="184727" marR="184727" marT="92364" marB="92364">
                     <a:solidFill>
                       <a:schemeClr val="accent2">
                         <a:lumMod val="60000"/>
@@ -3503,7 +3503,7 @@
                   </a:ext>
                 </a:extLst>
               </a:tr>
-              <a:tr h="642147">
+              <a:tr h="753688">
                 <a:tc>
                   <a:txBody>
                     <a:bodyPr/>
@@ -3511,7 +3511,7 @@
                     <a:p>
                       <a:pPr algn="ctr"/>
                       <a:r>
-                        <a:rPr lang="en-US" sz="3200" dirty="0">
+                        <a:rPr lang="en-US" sz="3700" dirty="0">
                           <a:latin typeface="Times New Roman" panose="02020603050405020304" pitchFamily="18" charset="0"/>
                           <a:cs typeface="Times New Roman" panose="02020603050405020304" pitchFamily="18" charset="0"/>
                         </a:rPr>
@@ -3519,7 +3519,7 @@
                       </a:r>
                     </a:p>
                   </a:txBody>
-                  <a:tcPr marL="158337" marR="158337" marT="79169" marB="79169">
+                  <a:tcPr marL="184727" marR="184727" marT="92364" marB="92364">
                     <a:solidFill>
                       <a:schemeClr val="accent2">
                         <a:lumMod val="20000"/>
@@ -3535,7 +3535,7 @@
                     <a:p>
                       <a:pPr algn="ctr"/>
                       <a:r>
-                        <a:rPr lang="en-US" sz="3200" dirty="0">
+                        <a:rPr lang="en-US" sz="3700" dirty="0">
                           <a:latin typeface="Times New Roman" panose="02020603050405020304" pitchFamily="18" charset="0"/>
                           <a:cs typeface="Times New Roman" panose="02020603050405020304" pitchFamily="18" charset="0"/>
                         </a:rPr>
@@ -3543,7 +3543,7 @@
                       </a:r>
                     </a:p>
                   </a:txBody>
-                  <a:tcPr marL="158337" marR="158337" marT="79169" marB="79169">
+                  <a:tcPr marL="184727" marR="184727" marT="92364" marB="92364">
                     <a:solidFill>
                       <a:schemeClr val="accent2">
                         <a:lumMod val="20000"/>
@@ -3558,7 +3558,7 @@
                   </a:ext>
                 </a:extLst>
               </a:tr>
-              <a:tr h="642147">
+              <a:tr h="753688">
                 <a:tc>
                   <a:txBody>
                     <a:bodyPr/>
@@ -3566,7 +3566,7 @@
                     <a:p>
                       <a:pPr algn="ctr"/>
                       <a:r>
-                        <a:rPr lang="en-US" sz="3200" dirty="0">
+                        <a:rPr lang="en-US" sz="3700" dirty="0">
                           <a:latin typeface="Times New Roman" panose="02020603050405020304" pitchFamily="18" charset="0"/>
                           <a:cs typeface="Times New Roman" panose="02020603050405020304" pitchFamily="18" charset="0"/>
                         </a:rPr>
@@ -3574,7 +3574,7 @@
                       </a:r>
                     </a:p>
                   </a:txBody>
-                  <a:tcPr marL="158337" marR="158337" marT="79169" marB="79169">
+                  <a:tcPr marL="184727" marR="184727" marT="92364" marB="92364">
                     <a:solidFill>
                       <a:schemeClr val="accent2">
                         <a:lumMod val="20000"/>
@@ -3590,7 +3590,7 @@
                     <a:p>
                       <a:pPr algn="ctr"/>
                       <a:r>
-                        <a:rPr lang="en-US" sz="3200" dirty="0">
+                        <a:rPr lang="en-US" sz="3700" dirty="0">
                           <a:latin typeface="Times New Roman" panose="02020603050405020304" pitchFamily="18" charset="0"/>
                           <a:cs typeface="Times New Roman" panose="02020603050405020304" pitchFamily="18" charset="0"/>
                         </a:rPr>
@@ -3598,7 +3598,7 @@
                       </a:r>
                     </a:p>
                   </a:txBody>
-                  <a:tcPr marL="158337" marR="158337" marT="79169" marB="79169">
+                  <a:tcPr marL="184727" marR="184727" marT="92364" marB="92364">
                     <a:solidFill>
                       <a:schemeClr val="accent2">
                         <a:lumMod val="20000"/>
@@ -3613,7 +3613,7 @@
                   </a:ext>
                 </a:extLst>
               </a:tr>
-              <a:tr h="642147">
+              <a:tr h="753688">
                 <a:tc>
                   <a:txBody>
                     <a:bodyPr/>
@@ -3621,7 +3621,7 @@
                     <a:p>
                       <a:pPr algn="ctr"/>
                       <a:r>
-                        <a:rPr lang="en-US" sz="3200" dirty="0">
+                        <a:rPr lang="en-US" sz="3700" dirty="0">
                           <a:latin typeface="Times New Roman" panose="02020603050405020304" pitchFamily="18" charset="0"/>
                           <a:cs typeface="Times New Roman" panose="02020603050405020304" pitchFamily="18" charset="0"/>
                         </a:rPr>
@@ -3629,7 +3629,7 @@
                       </a:r>
                     </a:p>
                   </a:txBody>
-                  <a:tcPr marL="158337" marR="158337" marT="79169" marB="79169">
+                  <a:tcPr marL="184727" marR="184727" marT="92364" marB="92364">
                     <a:solidFill>
                       <a:schemeClr val="accent2">
                         <a:lumMod val="20000"/>
@@ -3645,7 +3645,7 @@
                     <a:p>
                       <a:pPr algn="ctr"/>
                       <a:r>
-                        <a:rPr lang="en-US" sz="3200" dirty="0">
+                        <a:rPr lang="en-US" sz="3700" dirty="0">
                           <a:latin typeface="Times New Roman" panose="02020603050405020304" pitchFamily="18" charset="0"/>
                           <a:cs typeface="Times New Roman" panose="02020603050405020304" pitchFamily="18" charset="0"/>
                         </a:rPr>
@@ -3653,7 +3653,7 @@
                       </a:r>
                     </a:p>
                   </a:txBody>
-                  <a:tcPr marL="158337" marR="158337" marT="79169" marB="79169">
+                  <a:tcPr marL="184727" marR="184727" marT="92364" marB="92364">
                     <a:solidFill>
                       <a:schemeClr val="accent2">
                         <a:lumMod val="20000"/>
@@ -3668,7 +3668,7 @@
                   </a:ext>
                 </a:extLst>
               </a:tr>
-              <a:tr h="642147">
+              <a:tr h="753688">
                 <a:tc>
                   <a:txBody>
                     <a:bodyPr/>
@@ -3676,7 +3676,7 @@
                     <a:p>
                       <a:pPr algn="ctr"/>
                       <a:r>
-                        <a:rPr lang="en-US" sz="3200" dirty="0">
+                        <a:rPr lang="en-US" sz="3700" dirty="0">
                           <a:latin typeface="Times New Roman" panose="02020603050405020304" pitchFamily="18" charset="0"/>
                           <a:cs typeface="Times New Roman" panose="02020603050405020304" pitchFamily="18" charset="0"/>
                         </a:rPr>
@@ -3684,7 +3684,7 @@
                       </a:r>
                     </a:p>
                   </a:txBody>
-                  <a:tcPr marL="158337" marR="158337" marT="79169" marB="79169">
+                  <a:tcPr marL="184727" marR="184727" marT="92364" marB="92364">
                     <a:solidFill>
                       <a:schemeClr val="accent2">
                         <a:lumMod val="20000"/>
@@ -3700,7 +3700,7 @@
                     <a:p>
                       <a:pPr algn="ctr"/>
                       <a:r>
-                        <a:rPr lang="en-US" sz="3200" dirty="0">
+                        <a:rPr lang="en-US" sz="3700" dirty="0">
                           <a:latin typeface="Times New Roman" panose="02020603050405020304" pitchFamily="18" charset="0"/>
                           <a:cs typeface="Times New Roman" panose="02020603050405020304" pitchFamily="18" charset="0"/>
                         </a:rPr>
@@ -3708,7 +3708,7 @@
                       </a:r>
                     </a:p>
                   </a:txBody>
-                  <a:tcPr marL="158337" marR="158337" marT="79169" marB="79169">
+                  <a:tcPr marL="184727" marR="184727" marT="92364" marB="92364">
                     <a:solidFill>
                       <a:schemeClr val="accent2">
                         <a:lumMod val="20000"/>
@@ -3723,7 +3723,7 @@
                   </a:ext>
                 </a:extLst>
               </a:tr>
-              <a:tr h="642147">
+              <a:tr h="753688">
                 <a:tc>
                   <a:txBody>
                     <a:bodyPr/>
@@ -3731,7 +3731,7 @@
                     <a:p>
                       <a:pPr algn="ctr"/>
                       <a:r>
-                        <a:rPr lang="en-US" sz="3200" dirty="0">
+                        <a:rPr lang="en-US" sz="3700" dirty="0">
                           <a:latin typeface="Times New Roman" panose="02020603050405020304" pitchFamily="18" charset="0"/>
                           <a:cs typeface="Times New Roman" panose="02020603050405020304" pitchFamily="18" charset="0"/>
                         </a:rPr>
@@ -3739,7 +3739,7 @@
                       </a:r>
                     </a:p>
                   </a:txBody>
-                  <a:tcPr marL="158337" marR="158337" marT="79169" marB="79169">
+                  <a:tcPr marL="184727" marR="184727" marT="92364" marB="92364">
                     <a:solidFill>
                       <a:schemeClr val="accent2">
                         <a:lumMod val="20000"/>
@@ -3755,7 +3755,7 @@
                     <a:p>
                       <a:pPr algn="ctr"/>
                       <a:r>
-                        <a:rPr lang="en-US" sz="3200" dirty="0">
+                        <a:rPr lang="en-US" sz="3700" dirty="0">
                           <a:latin typeface="Times New Roman" panose="02020603050405020304" pitchFamily="18" charset="0"/>
                           <a:cs typeface="Times New Roman" panose="02020603050405020304" pitchFamily="18" charset="0"/>
                         </a:rPr>
@@ -3763,7 +3763,7 @@
                       </a:r>
                     </a:p>
                   </a:txBody>
-                  <a:tcPr marL="158337" marR="158337" marT="79169" marB="79169">
+                  <a:tcPr marL="184727" marR="184727" marT="92364" marB="92364">
                     <a:solidFill>
                       <a:schemeClr val="accent2">
                         <a:lumMod val="20000"/>
@@ -3796,10 +3796,10 @@
         </p:nvGrpSpPr>
         <p:grpSpPr>
           <a:xfrm>
-            <a:off x="14950559" y="18759115"/>
-            <a:ext cx="6460101" cy="3050623"/>
-            <a:chOff x="8862989" y="18881377"/>
-            <a:chExt cx="6460101" cy="3050623"/>
+            <a:off x="13945218" y="23397517"/>
+            <a:ext cx="7465303" cy="3235124"/>
+            <a:chOff x="8862989" y="18881354"/>
+            <a:chExt cx="7013939" cy="2869050"/>
           </a:xfrm>
         </p:grpSpPr>
         <p:sp>
@@ -3817,7 +3817,7 @@
           <p:spPr>
             <a:xfrm>
               <a:off x="8925819" y="20244926"/>
-              <a:ext cx="3119765" cy="615553"/>
+              <a:ext cx="3093154" cy="602418"/>
             </a:xfrm>
             <a:prstGeom prst="rect">
               <a:avLst/>
@@ -3831,7 +3831,7 @@
             <a:lstStyle/>
             <a:p>
               <a:r>
-                <a:rPr lang="en-US" sz="3400" dirty="0">
+                <a:rPr lang="en-US" sz="3967" dirty="0">
                   <a:latin typeface="Times New Roman" panose="02020603050405020304" pitchFamily="18" charset="0"/>
                   <a:cs typeface="Times New Roman" panose="02020603050405020304" pitchFamily="18" charset="0"/>
                 </a:rPr>
@@ -3855,7 +3855,7 @@
           <p:spPr>
             <a:xfrm>
               <a:off x="8862989" y="21147986"/>
-              <a:ext cx="4112023" cy="615553"/>
+              <a:ext cx="4085184" cy="602418"/>
             </a:xfrm>
             <a:prstGeom prst="rect">
               <a:avLst/>
@@ -3869,7 +3869,7 @@
             <a:lstStyle/>
             <a:p>
               <a:r>
-                <a:rPr lang="en-US" sz="3400" dirty="0">
+                <a:rPr lang="en-US" sz="3967" dirty="0">
                   <a:latin typeface="Times New Roman" panose="02020603050405020304" pitchFamily="18" charset="0"/>
                   <a:cs typeface="Times New Roman" panose="02020603050405020304" pitchFamily="18" charset="0"/>
                 </a:rPr>
@@ -3892,100 +3892,12 @@
           </p:nvGrpSpPr>
           <p:grpSpPr>
             <a:xfrm>
-              <a:off x="13178903" y="18881377"/>
-              <a:ext cx="2144187" cy="3050623"/>
+              <a:off x="13178903" y="18881354"/>
+              <a:ext cx="2698025" cy="1681638"/>
               <a:chOff x="5199960" y="21850179"/>
-              <a:chExt cx="999913" cy="1340908"/>
+              <a:chExt cx="1258188" cy="739168"/>
             </a:xfrm>
           </p:grpSpPr>
-          <p:cxnSp>
-            <p:nvCxnSpPr>
-              <p:cNvPr id="124" name="Straight Connector 123">
-                <a:extLst>
-                  <a:ext uri="{FF2B5EF4-FFF2-40B4-BE49-F238E27FC236}">
-                    <a16:creationId xmlns:a16="http://schemas.microsoft.com/office/drawing/2014/main" id="{90EBE366-BEE6-47E9-9107-143DB4FD545C}"/>
-                  </a:ext>
-                </a:extLst>
-              </p:cNvPr>
-              <p:cNvCxnSpPr>
-                <a:cxnSpLocks/>
-              </p:cNvCxnSpPr>
-              <p:nvPr/>
-            </p:nvCxnSpPr>
-            <p:spPr>
-              <a:xfrm flipH="1">
-                <a:off x="5343057" y="22215745"/>
-                <a:ext cx="9841" cy="975342"/>
-              </a:xfrm>
-              <a:prstGeom prst="line">
-                <a:avLst/>
-              </a:prstGeom>
-              <a:ln w="19050">
-                <a:solidFill>
-                  <a:srgbClr val="A9D18E"/>
-                </a:solidFill>
-                <a:prstDash val="dash"/>
-              </a:ln>
-            </p:spPr>
-            <p:style>
-              <a:lnRef idx="1">
-                <a:schemeClr val="accent1"/>
-              </a:lnRef>
-              <a:fillRef idx="0">
-                <a:schemeClr val="accent1"/>
-              </a:fillRef>
-              <a:effectRef idx="0">
-                <a:schemeClr val="accent1"/>
-              </a:effectRef>
-              <a:fontRef idx="minor">
-                <a:schemeClr val="tx1"/>
-              </a:fontRef>
-            </p:style>
-          </p:cxnSp>
-          <p:cxnSp>
-            <p:nvCxnSpPr>
-              <p:cNvPr id="125" name="Straight Connector 124">
-                <a:extLst>
-                  <a:ext uri="{FF2B5EF4-FFF2-40B4-BE49-F238E27FC236}">
-                    <a16:creationId xmlns:a16="http://schemas.microsoft.com/office/drawing/2014/main" id="{B3656A34-A65E-4574-B1A3-CA4483C73733}"/>
-                  </a:ext>
-                </a:extLst>
-              </p:cNvPr>
-              <p:cNvCxnSpPr>
-                <a:cxnSpLocks/>
-              </p:cNvCxnSpPr>
-              <p:nvPr/>
-            </p:nvCxnSpPr>
-            <p:spPr>
-              <a:xfrm>
-                <a:off x="6029301" y="22195753"/>
-                <a:ext cx="0" cy="984337"/>
-              </a:xfrm>
-              <a:prstGeom prst="line">
-                <a:avLst/>
-              </a:prstGeom>
-              <a:ln w="19050">
-                <a:solidFill>
-                  <a:srgbClr val="F4B183"/>
-                </a:solidFill>
-                <a:prstDash val="dash"/>
-              </a:ln>
-            </p:spPr>
-            <p:style>
-              <a:lnRef idx="1">
-                <a:schemeClr val="accent1"/>
-              </a:lnRef>
-              <a:fillRef idx="0">
-                <a:schemeClr val="accent1"/>
-              </a:fillRef>
-              <a:effectRef idx="0">
-                <a:schemeClr val="accent1"/>
-              </a:effectRef>
-              <a:fontRef idx="minor">
-                <a:schemeClr val="tx1"/>
-              </a:fontRef>
-            </p:style>
-          </p:cxnSp>
           <p:cxnSp>
             <p:nvCxnSpPr>
               <p:cNvPr id="126" name="Straight Connector 125">
@@ -4002,7 +3914,7 @@
             </p:nvCxnSpPr>
             <p:spPr>
               <a:xfrm>
-                <a:off x="5345578" y="22563582"/>
+                <a:off x="5595607" y="22589346"/>
                 <a:ext cx="683723" cy="1"/>
               </a:xfrm>
               <a:prstGeom prst="line">
@@ -4072,7 +3984,7 @@
               <a:lstStyle/>
               <a:p>
                 <a:pPr algn="ctr"/>
-                <a:endParaRPr lang="en-US" sz="2573"/>
+                <a:endParaRPr lang="en-US" sz="3002"/>
               </a:p>
             </p:txBody>
           </p:sp>
@@ -4090,7 +4002,7 @@
             </p:nvSpPr>
             <p:spPr>
               <a:xfrm>
-                <a:off x="5879030" y="21850179"/>
+                <a:off x="6137305" y="21850179"/>
                 <a:ext cx="320843" cy="272716"/>
               </a:xfrm>
               <a:prstGeom prst="ellipse">
@@ -4121,51 +4033,10 @@
               <a:lstStyle/>
               <a:p>
                 <a:pPr algn="ctr"/>
-                <a:endParaRPr lang="en-US" sz="2573"/>
+                <a:endParaRPr lang="en-US" sz="3002"/>
               </a:p>
             </p:txBody>
           </p:sp>
-          <p:cxnSp>
-            <p:nvCxnSpPr>
-              <p:cNvPr id="129" name="Straight Connector 128">
-                <a:extLst>
-                  <a:ext uri="{FF2B5EF4-FFF2-40B4-BE49-F238E27FC236}">
-                    <a16:creationId xmlns:a16="http://schemas.microsoft.com/office/drawing/2014/main" id="{9ADBEB5E-3080-453A-B5D4-E0EF8AF84163}"/>
-                  </a:ext>
-                </a:extLst>
-              </p:cNvPr>
-              <p:cNvCxnSpPr>
-                <a:cxnSpLocks/>
-              </p:cNvCxnSpPr>
-              <p:nvPr/>
-            </p:nvCxnSpPr>
-            <p:spPr>
-              <a:xfrm flipH="1">
-                <a:off x="5338258" y="22995424"/>
-                <a:ext cx="691042" cy="0"/>
-              </a:xfrm>
-              <a:prstGeom prst="line">
-                <a:avLst/>
-              </a:prstGeom>
-              <a:ln>
-                <a:prstDash val="lgDash"/>
-              </a:ln>
-            </p:spPr>
-            <p:style>
-              <a:lnRef idx="1">
-                <a:schemeClr val="accent1"/>
-              </a:lnRef>
-              <a:fillRef idx="0">
-                <a:schemeClr val="accent1"/>
-              </a:fillRef>
-              <a:effectRef idx="0">
-                <a:schemeClr val="accent1"/>
-              </a:effectRef>
-              <a:fontRef idx="minor">
-                <a:schemeClr val="tx1"/>
-              </a:fontRef>
-            </p:style>
-          </p:cxnSp>
         </p:grpSp>
         <p:sp>
           <p:nvSpPr>
@@ -4182,7 +4053,7 @@
           <p:spPr>
             <a:xfrm>
               <a:off x="8948079" y="19052014"/>
-              <a:ext cx="2124299" cy="615553"/>
+              <a:ext cx="2098376" cy="602418"/>
             </a:xfrm>
             <a:prstGeom prst="rect">
               <a:avLst/>
@@ -4196,7 +4067,7 @@
             <a:lstStyle/>
             <a:p>
               <a:r>
-                <a:rPr lang="en-US" sz="3400" i="1" dirty="0">
+                <a:rPr lang="en-US" sz="3967" i="1" dirty="0">
                   <a:latin typeface="Times New Roman" panose="02020603050405020304" pitchFamily="18" charset="0"/>
                   <a:cs typeface="Times New Roman" panose="02020603050405020304" pitchFamily="18" charset="0"/>
                 </a:rPr>
@@ -4206,205 +4077,6 @@
           </p:txBody>
         </p:sp>
       </p:grpSp>
-      <p:sp>
-        <p:nvSpPr>
-          <p:cNvPr id="29" name="Arrow: Right 28">
-            <a:extLst>
-              <a:ext uri="{FF2B5EF4-FFF2-40B4-BE49-F238E27FC236}">
-                <a16:creationId xmlns:a16="http://schemas.microsoft.com/office/drawing/2014/main" id="{F96A55D3-3A7A-4415-981C-1519D673EE31}"/>
-              </a:ext>
-            </a:extLst>
-          </p:cNvPr>
-          <p:cNvSpPr/>
-          <p:nvPr/>
-        </p:nvSpPr>
-        <p:spPr>
-          <a:xfrm rot="5400000">
-            <a:off x="7009952" y="14850699"/>
-            <a:ext cx="1857889" cy="1622421"/>
-          </a:xfrm>
-          <a:prstGeom prst="rightArrow">
-            <a:avLst/>
-          </a:prstGeom>
-          <a:solidFill>
-            <a:schemeClr val="bg1"/>
-          </a:solidFill>
-          <a:ln w="28575">
-            <a:solidFill>
-              <a:schemeClr val="tx1">
-                <a:lumMod val="95000"/>
-                <a:lumOff val="5000"/>
-              </a:schemeClr>
-            </a:solidFill>
-            <a:extLst>
-              <a:ext uri="{C807C97D-BFC1-408E-A445-0C87EB9F89A2}">
-                <ask:lineSketchStyleProps xmlns:ask="http://schemas.microsoft.com/office/drawing/2018/sketchyshapes" sd="1372901674">
-                  <a:custGeom>
-                    <a:avLst/>
-                    <a:gdLst>
-                      <a:gd name="connsiteX0" fmla="*/ 0 w 1136157"/>
-                      <a:gd name="connsiteY0" fmla="*/ 295357 h 1181428"/>
-                      <a:gd name="connsiteX1" fmla="*/ 568079 w 1136157"/>
-                      <a:gd name="connsiteY1" fmla="*/ 295357 h 1181428"/>
-                      <a:gd name="connsiteX2" fmla="*/ 568079 w 1136157"/>
-                      <a:gd name="connsiteY2" fmla="*/ 0 h 1181428"/>
-                      <a:gd name="connsiteX3" fmla="*/ 1136157 w 1136157"/>
-                      <a:gd name="connsiteY3" fmla="*/ 590714 h 1181428"/>
-                      <a:gd name="connsiteX4" fmla="*/ 568079 w 1136157"/>
-                      <a:gd name="connsiteY4" fmla="*/ 1181428 h 1181428"/>
-                      <a:gd name="connsiteX5" fmla="*/ 568079 w 1136157"/>
-                      <a:gd name="connsiteY5" fmla="*/ 886071 h 1181428"/>
-                      <a:gd name="connsiteX6" fmla="*/ 0 w 1136157"/>
-                      <a:gd name="connsiteY6" fmla="*/ 886071 h 1181428"/>
-                      <a:gd name="connsiteX7" fmla="*/ 0 w 1136157"/>
-                      <a:gd name="connsiteY7" fmla="*/ 295357 h 1181428"/>
-                    </a:gdLst>
-                    <a:ahLst/>
-                    <a:cxnLst>
-                      <a:cxn ang="0">
-                        <a:pos x="connsiteX0" y="connsiteY0"/>
-                      </a:cxn>
-                      <a:cxn ang="0">
-                        <a:pos x="connsiteX1" y="connsiteY1"/>
-                      </a:cxn>
-                      <a:cxn ang="0">
-                        <a:pos x="connsiteX2" y="connsiteY2"/>
-                      </a:cxn>
-                      <a:cxn ang="0">
-                        <a:pos x="connsiteX3" y="connsiteY3"/>
-                      </a:cxn>
-                      <a:cxn ang="0">
-                        <a:pos x="connsiteX4" y="connsiteY4"/>
-                      </a:cxn>
-                      <a:cxn ang="0">
-                        <a:pos x="connsiteX5" y="connsiteY5"/>
-                      </a:cxn>
-                      <a:cxn ang="0">
-                        <a:pos x="connsiteX6" y="connsiteY6"/>
-                      </a:cxn>
-                      <a:cxn ang="0">
-                        <a:pos x="connsiteX7" y="connsiteY7"/>
-                      </a:cxn>
-                    </a:cxnLst>
-                    <a:rect l="l" t="t" r="r" b="b"/>
-                    <a:pathLst>
-                      <a:path w="1136157" h="1181428" fill="none" extrusionOk="0">
-                        <a:moveTo>
-                          <a:pt x="0" y="295357"/>
-                        </a:moveTo>
-                        <a:cubicBezTo>
-                          <a:pt x="123945" y="312598"/>
-                          <a:pt x="438105" y="335532"/>
-                          <a:pt x="568079" y="295357"/>
-                        </a:cubicBezTo>
-                        <a:cubicBezTo>
-                          <a:pt x="568880" y="197262"/>
-                          <a:pt x="546738" y="120342"/>
-                          <a:pt x="568079" y="0"/>
-                        </a:cubicBezTo>
-                        <a:cubicBezTo>
-                          <a:pt x="685137" y="160668"/>
-                          <a:pt x="908270" y="340460"/>
-                          <a:pt x="1136157" y="590714"/>
-                        </a:cubicBezTo>
-                        <a:cubicBezTo>
-                          <a:pt x="891489" y="747037"/>
-                          <a:pt x="653810" y="1077475"/>
-                          <a:pt x="568079" y="1181428"/>
-                        </a:cubicBezTo>
-                        <a:cubicBezTo>
-                          <a:pt x="578517" y="1145391"/>
-                          <a:pt x="569204" y="989739"/>
-                          <a:pt x="568079" y="886071"/>
-                        </a:cubicBezTo>
-                        <a:cubicBezTo>
-                          <a:pt x="447401" y="847365"/>
-                          <a:pt x="280900" y="890381"/>
-                          <a:pt x="0" y="886071"/>
-                        </a:cubicBezTo>
-                        <a:cubicBezTo>
-                          <a:pt x="17828" y="786666"/>
-                          <a:pt x="26704" y="362396"/>
-                          <a:pt x="0" y="295357"/>
-                        </a:cubicBezTo>
-                        <a:close/>
-                      </a:path>
-                      <a:path w="1136157" h="1181428" stroke="0" extrusionOk="0">
-                        <a:moveTo>
-                          <a:pt x="0" y="295357"/>
-                        </a:moveTo>
-                        <a:cubicBezTo>
-                          <a:pt x="252352" y="307751"/>
-                          <a:pt x="418623" y="296643"/>
-                          <a:pt x="568079" y="295357"/>
-                        </a:cubicBezTo>
-                        <a:cubicBezTo>
-                          <a:pt x="565793" y="217388"/>
-                          <a:pt x="579244" y="48583"/>
-                          <a:pt x="568079" y="0"/>
-                        </a:cubicBezTo>
-                        <a:cubicBezTo>
-                          <a:pt x="809662" y="146256"/>
-                          <a:pt x="1058320" y="403693"/>
-                          <a:pt x="1136157" y="590714"/>
-                        </a:cubicBezTo>
-                        <a:cubicBezTo>
-                          <a:pt x="977931" y="730994"/>
-                          <a:pt x="772343" y="1025567"/>
-                          <a:pt x="568079" y="1181428"/>
-                        </a:cubicBezTo>
-                        <a:cubicBezTo>
-                          <a:pt x="570021" y="1065852"/>
-                          <a:pt x="572648" y="992795"/>
-                          <a:pt x="568079" y="886071"/>
-                        </a:cubicBezTo>
-                        <a:cubicBezTo>
-                          <a:pt x="486134" y="899959"/>
-                          <a:pt x="249887" y="854415"/>
-                          <a:pt x="0" y="886071"/>
-                        </a:cubicBezTo>
-                        <a:cubicBezTo>
-                          <a:pt x="-30962" y="808271"/>
-                          <a:pt x="-17407" y="515406"/>
-                          <a:pt x="0" y="295357"/>
-                        </a:cubicBezTo>
-                        <a:close/>
-                      </a:path>
-                    </a:pathLst>
-                  </a:custGeom>
-                  <ask:type>
-                    <ask:lineSketchNone/>
-                  </ask:type>
-                </ask:lineSketchStyleProps>
-              </a:ext>
-            </a:extLst>
-          </a:ln>
-        </p:spPr>
-        <p:style>
-          <a:lnRef idx="2">
-            <a:schemeClr val="accent1">
-              <a:shade val="50000"/>
-            </a:schemeClr>
-          </a:lnRef>
-          <a:fillRef idx="1">
-            <a:schemeClr val="accent1"/>
-          </a:fillRef>
-          <a:effectRef idx="0">
-            <a:schemeClr val="accent1"/>
-          </a:effectRef>
-          <a:fontRef idx="minor">
-            <a:schemeClr val="lt1"/>
-          </a:fontRef>
-        </p:style>
-        <p:txBody>
-          <a:bodyPr rtlCol="0" anchor="ctr"/>
-          <a:lstStyle/>
-          <a:p>
-            <a:pPr algn="ctr"/>
-            <a:endParaRPr lang="en-US" sz="2571"/>
-          </a:p>
-        </p:txBody>
-      </p:sp>
       <p:grpSp>
         <p:nvGrpSpPr>
           <p:cNvPr id="4" name="Group 3">
@@ -4419,10 +4091,10 @@
         </p:nvGrpSpPr>
         <p:grpSpPr>
           <a:xfrm>
-            <a:off x="15345718" y="22946287"/>
-            <a:ext cx="7066940" cy="3054886"/>
+            <a:off x="14468325" y="28282220"/>
+            <a:ext cx="7521714" cy="3429930"/>
             <a:chOff x="17385277" y="18931406"/>
-            <a:chExt cx="7066940" cy="3054886"/>
+            <a:chExt cx="7066940" cy="3041814"/>
           </a:xfrm>
         </p:grpSpPr>
         <p:sp>
@@ -4440,7 +4112,7 @@
           <p:spPr>
             <a:xfrm>
               <a:off x="18146508" y="19857696"/>
-              <a:ext cx="6135244" cy="2128596"/>
+              <a:ext cx="6135244" cy="2115524"/>
             </a:xfrm>
             <a:prstGeom prst="rect">
               <a:avLst/>
@@ -4454,7 +4126,7 @@
             <a:lstStyle/>
             <a:p>
               <a:r>
-                <a:rPr lang="en-US" sz="4329" dirty="0">
+                <a:rPr lang="en-US" sz="5051" dirty="0">
                   <a:latin typeface="Times New Roman" panose="02020603050405020304" pitchFamily="18" charset="0"/>
                   <a:ea typeface="Calibri" panose="020F0502020204030204" pitchFamily="34" charset="0"/>
                   <a:cs typeface="Times New Roman" panose="02020603050405020304" pitchFamily="18" charset="0"/>
@@ -4462,7 +4134,7 @@
                 <a:t>k</a:t>
               </a:r>
               <a:r>
-                <a:rPr lang="en-US" sz="4329" baseline="-25000" dirty="0">
+                <a:rPr lang="en-US" sz="5051" baseline="-25000" dirty="0">
                   <a:latin typeface="Times New Roman" panose="02020603050405020304" pitchFamily="18" charset="0"/>
                   <a:ea typeface="Calibri" panose="020F0502020204030204" pitchFamily="34" charset="0"/>
                   <a:cs typeface="Times New Roman" panose="02020603050405020304" pitchFamily="18" charset="0"/>
@@ -4470,7 +4142,7 @@
                 <a:t>i</a:t>
               </a:r>
               <a:r>
-                <a:rPr lang="en-US" sz="4329" baseline="30000" dirty="0">
+                <a:rPr lang="en-US" sz="5051" baseline="30000" dirty="0">
                   <a:latin typeface="Times New Roman" panose="02020603050405020304" pitchFamily="18" charset="0"/>
                   <a:ea typeface="Calibri" panose="020F0502020204030204" pitchFamily="34" charset="0"/>
                   <a:cs typeface="Times New Roman" panose="02020603050405020304" pitchFamily="18" charset="0"/>
@@ -4478,14 +4150,14 @@
                 <a:t>+ </a:t>
               </a:r>
               <a:r>
-                <a:rPr lang="en-US" sz="4329" dirty="0">
+                <a:rPr lang="en-US" sz="5051" dirty="0">
                   <a:latin typeface="Times New Roman" panose="02020603050405020304" pitchFamily="18" charset="0"/>
                   <a:cs typeface="Times New Roman" panose="02020603050405020304" pitchFamily="18" charset="0"/>
                 </a:rPr>
                 <a:t>= </a:t>
               </a:r>
               <a:r>
-                <a:rPr lang="en-US" sz="4330" dirty="0">
+                <a:rPr lang="en-US" sz="5052" dirty="0">
                   <a:latin typeface="Times New Roman" panose="02020603050405020304" pitchFamily="18" charset="0"/>
                   <a:cs typeface="Times New Roman" panose="02020603050405020304" pitchFamily="18" charset="0"/>
                 </a:rPr>
@@ -4494,7 +4166,7 @@
             </a:p>
             <a:p>
               <a:r>
-                <a:rPr lang="en-US" sz="4329" dirty="0">
+                <a:rPr lang="en-US" sz="5051" dirty="0">
                   <a:latin typeface="Times New Roman" panose="02020603050405020304" pitchFamily="18" charset="0"/>
                   <a:ea typeface="Calibri" panose="020F0502020204030204" pitchFamily="34" charset="0"/>
                   <a:cs typeface="Times New Roman" panose="02020603050405020304" pitchFamily="18" charset="0"/>
@@ -4502,7 +4174,7 @@
                 <a:t>k</a:t>
               </a:r>
               <a:r>
-                <a:rPr lang="en-US" sz="4329" baseline="-25000" dirty="0">
+                <a:rPr lang="en-US" sz="5051" baseline="-25000" dirty="0">
                   <a:latin typeface="Times New Roman" panose="02020603050405020304" pitchFamily="18" charset="0"/>
                   <a:ea typeface="Calibri" panose="020F0502020204030204" pitchFamily="34" charset="0"/>
                   <a:cs typeface="Times New Roman" panose="02020603050405020304" pitchFamily="18" charset="0"/>
@@ -4510,7 +4182,7 @@
                 <a:t>i</a:t>
               </a:r>
               <a:r>
-                <a:rPr lang="en-US" sz="4329" baseline="30000" dirty="0">
+                <a:rPr lang="en-US" sz="5051" baseline="30000" dirty="0">
                   <a:latin typeface="Times New Roman" panose="02020603050405020304" pitchFamily="18" charset="0"/>
                   <a:ea typeface="Calibri" panose="020F0502020204030204" pitchFamily="34" charset="0"/>
                   <a:cs typeface="Times New Roman" panose="02020603050405020304" pitchFamily="18" charset="0"/>
@@ -4518,7 +4190,7 @@
                 <a:t>- </a:t>
               </a:r>
               <a:r>
-                <a:rPr lang="en-US" sz="4330" dirty="0">
+                <a:rPr lang="en-US" sz="5052" dirty="0">
                   <a:latin typeface="Times New Roman" panose="02020603050405020304" pitchFamily="18" charset="0"/>
                   <a:cs typeface="Times New Roman" panose="02020603050405020304" pitchFamily="18" charset="0"/>
                 </a:rPr>
@@ -4527,7 +4199,7 @@
             </a:p>
             <a:p>
               <a:r>
-                <a:rPr lang="el-GR" sz="4329" dirty="0">
+                <a:rPr lang="el-GR" sz="5051" dirty="0">
                   <a:latin typeface="Times New Roman" panose="02020603050405020304" pitchFamily="18" charset="0"/>
                   <a:ea typeface="Calibri" panose="020F0502020204030204" pitchFamily="34" charset="0"/>
                   <a:cs typeface="Times New Roman" panose="02020603050405020304" pitchFamily="18" charset="0"/>
@@ -4535,7 +4207,7 @@
                 <a:t>ρ</a:t>
               </a:r>
               <a:r>
-                <a:rPr lang="en-US" sz="4329" baseline="-25000" dirty="0">
+                <a:rPr lang="en-US" sz="5051" baseline="-25000" dirty="0">
                   <a:latin typeface="Times New Roman" panose="02020603050405020304" pitchFamily="18" charset="0"/>
                   <a:ea typeface="Calibri" panose="020F0502020204030204" pitchFamily="34" charset="0"/>
                   <a:cs typeface="Times New Roman" panose="02020603050405020304" pitchFamily="18" charset="0"/>
@@ -4543,7 +4215,7 @@
                 <a:t>i </a:t>
               </a:r>
               <a:r>
-                <a:rPr lang="el-GR" sz="4572" dirty="0">
+                <a:rPr lang="el-GR" sz="5334" dirty="0">
                   <a:solidFill>
                     <a:srgbClr val="202124"/>
                   </a:solidFill>
@@ -4553,7 +4225,7 @@
                 <a:t> </a:t>
               </a:r>
               <a:r>
-                <a:rPr lang="en-US" sz="4330" dirty="0">
+                <a:rPr lang="en-US" sz="5052" dirty="0">
                   <a:latin typeface="Times New Roman" panose="02020603050405020304" pitchFamily="18" charset="0"/>
                   <a:cs typeface="Times New Roman" panose="02020603050405020304" pitchFamily="18" charset="0"/>
                 </a:rPr>
@@ -4577,7 +4249,7 @@
           <p:spPr>
             <a:xfrm>
               <a:off x="17385277" y="18931406"/>
-              <a:ext cx="7066940" cy="1675459"/>
+              <a:ext cx="7066940" cy="1657872"/>
             </a:xfrm>
             <a:prstGeom prst="rect">
               <a:avLst/>
@@ -4592,7 +4264,7 @@
             <a:p>
               <a:pPr algn="l"/>
               <a:r>
-                <a:rPr lang="en-US" sz="3400" i="1" dirty="0">
+                <a:rPr lang="en-US" sz="3967" i="1" dirty="0">
                   <a:latin typeface="-apple-system"/>
                 </a:rPr>
                 <a:t>Ligand: Ripk1-IN-7</a:t>
@@ -4600,11 +4272,11 @@
             </a:p>
             <a:p>
               <a:br>
-                <a:rPr lang="en-US" sz="3429" dirty="0">
+                <a:rPr lang="en-US" sz="4001" dirty="0">
                   <a:latin typeface="-apple-system"/>
                 </a:rPr>
               </a:br>
-              <a:endParaRPr lang="en-US" sz="3429" dirty="0">
+              <a:endParaRPr lang="en-US" sz="4001" dirty="0">
                 <a:latin typeface="Times New Roman" panose="02020603050405020304" pitchFamily="18" charset="0"/>
                 <a:cs typeface="Times New Roman" panose="02020603050405020304" pitchFamily="18" charset="0"/>
               </a:endParaRPr>
@@ -4626,8 +4298,8 @@
         </p:nvGrpSpPr>
         <p:grpSpPr>
           <a:xfrm>
-            <a:off x="1942968" y="17130936"/>
-            <a:ext cx="12221510" cy="9357604"/>
+            <a:off x="1815621" y="22876717"/>
+            <a:ext cx="11372818" cy="8898466"/>
             <a:chOff x="12257314" y="8882742"/>
             <a:chExt cx="12221510" cy="9357604"/>
           </a:xfrm>
@@ -4680,7 +4352,7 @@
             <a:lstStyle/>
             <a:p>
               <a:pPr algn="ctr"/>
-              <a:endParaRPr lang="en-US" sz="3117"/>
+              <a:endParaRPr lang="en-US" sz="3637"/>
             </a:p>
           </p:txBody>
         </p:sp>
@@ -4735,7 +4407,7 @@
             <a:lstStyle/>
             <a:p>
               <a:pPr algn="ctr"/>
-              <a:endParaRPr lang="en-US" sz="2571"/>
+              <a:endParaRPr lang="en-US" sz="3000"/>
             </a:p>
           </p:txBody>
         </p:sp>
@@ -4795,7 +4467,7 @@
           <p:spPr>
             <a:xfrm>
               <a:off x="17411884" y="15114100"/>
-              <a:ext cx="7066940" cy="1675459"/>
+              <a:ext cx="7066940" cy="1662323"/>
             </a:xfrm>
             <a:prstGeom prst="rect">
               <a:avLst/>
@@ -4810,19 +4482,21 @@
             <a:p>
               <a:pPr algn="l"/>
               <a:r>
-                <a:rPr lang="en-US" sz="3429" dirty="0">
-                  <a:latin typeface="-apple-system"/>
+                <a:rPr lang="en-US" sz="3200" dirty="0">
+                  <a:latin typeface="Times New Roman" panose="02020603050405020304" pitchFamily="18" charset="0"/>
+                  <a:cs typeface="Times New Roman" panose="02020603050405020304" pitchFamily="18" charset="0"/>
                 </a:rPr>
                 <a:t>Ripk1-IN-7</a:t>
               </a:r>
             </a:p>
             <a:p>
               <a:br>
-                <a:rPr lang="en-US" sz="3429" dirty="0">
-                  <a:latin typeface="-apple-system"/>
+                <a:rPr lang="en-US" sz="3200" dirty="0">
+                  <a:latin typeface="Times New Roman" panose="02020603050405020304" pitchFamily="18" charset="0"/>
+                  <a:cs typeface="Times New Roman" panose="02020603050405020304" pitchFamily="18" charset="0"/>
                 </a:rPr>
               </a:br>
-              <a:endParaRPr lang="en-US" sz="3429" dirty="0">
+              <a:endParaRPr lang="en-US" sz="3200" dirty="0">
                 <a:latin typeface="Times New Roman" panose="02020603050405020304" pitchFamily="18" charset="0"/>
                 <a:cs typeface="Times New Roman" panose="02020603050405020304" pitchFamily="18" charset="0"/>
               </a:endParaRPr>
@@ -4844,7 +4518,7 @@
           <p:spPr>
             <a:xfrm>
               <a:off x="13205356" y="14357881"/>
-              <a:ext cx="3207100" cy="1147750"/>
+              <a:ext cx="3501590" cy="1173912"/>
             </a:xfrm>
             <a:prstGeom prst="rect">
               <a:avLst/>
@@ -4859,7 +4533,7 @@
             <a:p>
               <a:pPr algn="l"/>
               <a:r>
-                <a:rPr lang="en-US" sz="3429" dirty="0">
+                <a:rPr lang="en-US" sz="3200" dirty="0">
                   <a:latin typeface="Times New Roman" panose="02020603050405020304" pitchFamily="18" charset="0"/>
                   <a:cs typeface="Times New Roman" panose="02020603050405020304" pitchFamily="18" charset="0"/>
                 </a:rPr>
@@ -4916,7 +4590,7 @@
             <a:lstStyle/>
             <a:p>
               <a:pPr algn="ctr"/>
-              <a:endParaRPr lang="en-US" sz="2571"/>
+              <a:endParaRPr lang="en-US" sz="3000"/>
             </a:p>
           </p:txBody>
         </p:sp>
@@ -5057,7 +4731,7 @@
               <a:lstStyle/>
               <a:p>
                 <a:pPr algn="ctr"/>
-                <a:endParaRPr lang="en-US" sz="2571"/>
+                <a:endParaRPr lang="en-US" sz="3000"/>
               </a:p>
             </p:txBody>
           </p:sp>
@@ -5137,7 +4811,7 @@
           <p:spPr>
             <a:xfrm>
               <a:off x="20516929" y="10812604"/>
-              <a:ext cx="2972120" cy="1147750"/>
+              <a:ext cx="2972120" cy="1134597"/>
             </a:xfrm>
             <a:prstGeom prst="rect">
               <a:avLst/>
@@ -5152,7 +4826,7 @@
             <a:p>
               <a:pPr algn="l"/>
               <a:r>
-                <a:rPr lang="en-US" sz="3429" dirty="0">
+                <a:rPr lang="en-US" sz="3200" dirty="0">
                   <a:solidFill>
                     <a:srgbClr val="333333"/>
                   </a:solidFill>
@@ -5212,7 +4886,7 @@
             <a:lstStyle/>
             <a:p>
               <a:pPr algn="ctr"/>
-              <a:endParaRPr lang="en-US" sz="2571"/>
+              <a:endParaRPr lang="en-US" sz="3000"/>
             </a:p>
           </p:txBody>
         </p:sp>
@@ -5301,8 +4975,8 @@
           </p:nvSpPr>
           <p:spPr>
             <a:xfrm>
-              <a:off x="18664380" y="16149746"/>
-              <a:ext cx="3207100" cy="1147750"/>
+              <a:off x="18644516" y="16332837"/>
+              <a:ext cx="3586585" cy="1173912"/>
             </a:xfrm>
             <a:prstGeom prst="rect">
               <a:avLst/>
@@ -5317,7 +4991,7 @@
             <a:p>
               <a:pPr algn="l"/>
               <a:r>
-                <a:rPr lang="en-US" sz="3429" dirty="0">
+                <a:rPr lang="en-US" sz="3200" dirty="0">
                   <a:latin typeface="Times New Roman" panose="02020603050405020304" pitchFamily="18" charset="0"/>
                   <a:cs typeface="Times New Roman" panose="02020603050405020304" pitchFamily="18" charset="0"/>
                 </a:rPr>
@@ -5327,204 +5001,82 @@
           </p:txBody>
         </p:sp>
       </p:grpSp>
-      <p:grpSp>
-        <p:nvGrpSpPr>
-          <p:cNvPr id="44" name="Group 43">
+      <p:sp>
+        <p:nvSpPr>
+          <p:cNvPr id="45" name="TextBox 44">
             <a:extLst>
               <a:ext uri="{FF2B5EF4-FFF2-40B4-BE49-F238E27FC236}">
-                <a16:creationId xmlns:a16="http://schemas.microsoft.com/office/drawing/2014/main" id="{4416685E-D165-499F-B9AA-E071C5E6C8F4}"/>
+                <a16:creationId xmlns:a16="http://schemas.microsoft.com/office/drawing/2014/main" id="{CB3D54BD-FEE6-4CAB-B89E-270A9C9018F4}"/>
               </a:ext>
             </a:extLst>
           </p:cNvPr>
-          <p:cNvGrpSpPr/>
+          <p:cNvSpPr txBox="1"/>
           <p:nvPr/>
-        </p:nvGrpSpPr>
-        <p:grpSpPr>
+        </p:nvSpPr>
+        <p:spPr>
           <a:xfrm>
-            <a:off x="16227816" y="10300855"/>
-            <a:ext cx="4141783" cy="2111758"/>
-            <a:chOff x="729252" y="10234438"/>
-            <a:chExt cx="1824572" cy="893689"/>
+            <a:off x="20314777" y="22579757"/>
+            <a:ext cx="1570273" cy="652486"/>
           </a:xfrm>
-        </p:grpSpPr>
-        <p:sp>
-          <p:nvSpPr>
-            <p:cNvPr id="45" name="TextBox 44">
-              <a:extLst>
-                <a:ext uri="{FF2B5EF4-FFF2-40B4-BE49-F238E27FC236}">
-                  <a16:creationId xmlns:a16="http://schemas.microsoft.com/office/drawing/2014/main" id="{CB3D54BD-FEE6-4CAB-B89E-270A9C9018F4}"/>
-                </a:ext>
-              </a:extLst>
-            </p:cNvPr>
-            <p:cNvSpPr txBox="1"/>
-            <p:nvPr/>
-          </p:nvSpPr>
-          <p:spPr>
-            <a:xfrm>
-              <a:off x="1288682" y="10271062"/>
-              <a:ext cx="1265142" cy="242265"/>
-            </a:xfrm>
-            <a:prstGeom prst="rect">
-              <a:avLst/>
-            </a:prstGeom>
-            <a:noFill/>
-          </p:spPr>
-          <p:txBody>
-            <a:bodyPr wrap="square" rtlCol="0">
-              <a:spAutoFit/>
-            </a:bodyPr>
-            <a:lstStyle/>
-            <a:p>
-              <a:r>
-                <a:rPr lang="en-US" sz="3120" dirty="0">
-                  <a:latin typeface="Times New Roman" panose="02020603050405020304" pitchFamily="18" charset="0"/>
-                  <a:cs typeface="Times New Roman" panose="02020603050405020304" pitchFamily="18" charset="0"/>
-                </a:rPr>
-                <a:t>Protein</a:t>
-              </a:r>
-            </a:p>
-          </p:txBody>
-        </p:sp>
-        <p:sp>
-          <p:nvSpPr>
-            <p:cNvPr id="46" name="TextBox 45">
-              <a:extLst>
-                <a:ext uri="{FF2B5EF4-FFF2-40B4-BE49-F238E27FC236}">
-                  <a16:creationId xmlns:a16="http://schemas.microsoft.com/office/drawing/2014/main" id="{044F7490-E4CE-4A17-B8F6-A39D66503EAF}"/>
-                </a:ext>
-              </a:extLst>
-            </p:cNvPr>
-            <p:cNvSpPr txBox="1"/>
-            <p:nvPr/>
-          </p:nvSpPr>
-          <p:spPr>
-            <a:xfrm>
-              <a:off x="1288682" y="10852929"/>
-              <a:ext cx="1265142" cy="242265"/>
-            </a:xfrm>
-            <a:prstGeom prst="rect">
-              <a:avLst/>
-            </a:prstGeom>
-            <a:noFill/>
-          </p:spPr>
-          <p:txBody>
-            <a:bodyPr wrap="square" rtlCol="0">
-              <a:spAutoFit/>
-            </a:bodyPr>
-            <a:lstStyle/>
-            <a:p>
-              <a:r>
-                <a:rPr lang="en-US" sz="3120" dirty="0">
-                  <a:latin typeface="Times New Roman" panose="02020603050405020304" pitchFamily="18" charset="0"/>
-                  <a:cs typeface="Times New Roman" panose="02020603050405020304" pitchFamily="18" charset="0"/>
-                </a:rPr>
-                <a:t>Ligand</a:t>
-              </a:r>
-            </a:p>
-          </p:txBody>
-        </p:sp>
-        <p:sp>
-          <p:nvSpPr>
-            <p:cNvPr id="47" name="Oval 46">
-              <a:extLst>
-                <a:ext uri="{FF2B5EF4-FFF2-40B4-BE49-F238E27FC236}">
-                  <a16:creationId xmlns:a16="http://schemas.microsoft.com/office/drawing/2014/main" id="{AFD3BE67-A648-44A7-A2F6-CAE12562BB16}"/>
-                </a:ext>
-              </a:extLst>
-            </p:cNvPr>
-            <p:cNvSpPr/>
-            <p:nvPr/>
-          </p:nvSpPr>
-          <p:spPr>
-            <a:xfrm>
-              <a:off x="729252" y="10785584"/>
-              <a:ext cx="364294" cy="342543"/>
-            </a:xfrm>
-            <a:prstGeom prst="ellipse">
-              <a:avLst/>
-            </a:prstGeom>
-            <a:solidFill>
-              <a:schemeClr val="accent6">
-                <a:lumMod val="60000"/>
-                <a:lumOff val="40000"/>
-              </a:schemeClr>
-            </a:solidFill>
-          </p:spPr>
-          <p:style>
-            <a:lnRef idx="2">
-              <a:schemeClr val="accent1">
-                <a:shade val="50000"/>
-              </a:schemeClr>
-            </a:lnRef>
-            <a:fillRef idx="1">
-              <a:schemeClr val="accent1"/>
-            </a:fillRef>
-            <a:effectRef idx="0">
-              <a:schemeClr val="accent1"/>
-            </a:effectRef>
-            <a:fontRef idx="minor">
-              <a:schemeClr val="lt1"/>
-            </a:fontRef>
-          </p:style>
-          <p:txBody>
-            <a:bodyPr rtlCol="0" anchor="ctr"/>
-            <a:lstStyle/>
-            <a:p>
-              <a:pPr algn="ctr"/>
-              <a:endParaRPr lang="en-US" sz="1801"/>
-            </a:p>
-          </p:txBody>
-        </p:sp>
-        <p:sp>
-          <p:nvSpPr>
-            <p:cNvPr id="48" name="Oval 47">
-              <a:extLst>
-                <a:ext uri="{FF2B5EF4-FFF2-40B4-BE49-F238E27FC236}">
-                  <a16:creationId xmlns:a16="http://schemas.microsoft.com/office/drawing/2014/main" id="{5D10B8C5-C557-4E69-A2F0-A95B1179DD16}"/>
-                </a:ext>
-              </a:extLst>
-            </p:cNvPr>
-            <p:cNvSpPr/>
-            <p:nvPr/>
-          </p:nvSpPr>
-          <p:spPr>
-            <a:xfrm>
-              <a:off x="729252" y="10234438"/>
-              <a:ext cx="364294" cy="342543"/>
-            </a:xfrm>
-            <a:prstGeom prst="ellipse">
-              <a:avLst/>
-            </a:prstGeom>
-            <a:solidFill>
-              <a:srgbClr val="E8718C"/>
-            </a:solidFill>
-          </p:spPr>
-          <p:style>
-            <a:lnRef idx="2">
-              <a:schemeClr val="accent1">
-                <a:shade val="50000"/>
-              </a:schemeClr>
-            </a:lnRef>
-            <a:fillRef idx="1">
-              <a:schemeClr val="accent1"/>
-            </a:fillRef>
-            <a:effectRef idx="0">
-              <a:schemeClr val="accent1"/>
-            </a:effectRef>
-            <a:fontRef idx="minor">
-              <a:schemeClr val="lt1"/>
-            </a:fontRef>
-          </p:style>
-          <p:txBody>
-            <a:bodyPr rtlCol="0" anchor="ctr"/>
-            <a:lstStyle/>
-            <a:p>
-              <a:pPr algn="ctr"/>
-              <a:endParaRPr lang="en-US" sz="1801"/>
-            </a:p>
-          </p:txBody>
-        </p:sp>
-      </p:grpSp>
+          <a:prstGeom prst="rect">
+            <a:avLst/>
+          </a:prstGeom>
+          <a:noFill/>
+        </p:spPr>
+        <p:txBody>
+          <a:bodyPr wrap="square" rtlCol="0">
+            <a:spAutoFit/>
+          </a:bodyPr>
+          <a:lstStyle/>
+          <a:p>
+            <a:r>
+              <a:rPr lang="en-US" sz="3640" dirty="0">
+                <a:latin typeface="Times New Roman" panose="02020603050405020304" pitchFamily="18" charset="0"/>
+                <a:cs typeface="Times New Roman" panose="02020603050405020304" pitchFamily="18" charset="0"/>
+              </a:rPr>
+              <a:t>Protein</a:t>
+            </a:r>
+          </a:p>
+        </p:txBody>
+      </p:sp>
+      <p:sp>
+        <p:nvSpPr>
+          <p:cNvPr id="46" name="TextBox 45">
+            <a:extLst>
+              <a:ext uri="{FF2B5EF4-FFF2-40B4-BE49-F238E27FC236}">
+                <a16:creationId xmlns:a16="http://schemas.microsoft.com/office/drawing/2014/main" id="{044F7490-E4CE-4A17-B8F6-A39D66503EAF}"/>
+              </a:ext>
+            </a:extLst>
+          </p:cNvPr>
+          <p:cNvSpPr txBox="1"/>
+          <p:nvPr/>
+        </p:nvSpPr>
+        <p:spPr>
+          <a:xfrm>
+            <a:off x="18074922" y="22579757"/>
+            <a:ext cx="1570273" cy="652486"/>
+          </a:xfrm>
+          <a:prstGeom prst="rect">
+            <a:avLst/>
+          </a:prstGeom>
+          <a:noFill/>
+        </p:spPr>
+        <p:txBody>
+          <a:bodyPr wrap="square" rtlCol="0">
+            <a:spAutoFit/>
+          </a:bodyPr>
+          <a:lstStyle/>
+          <a:p>
+            <a:r>
+              <a:rPr lang="en-US" sz="3640" dirty="0">
+                <a:latin typeface="Times New Roman" panose="02020603050405020304" pitchFamily="18" charset="0"/>
+                <a:cs typeface="Times New Roman" panose="02020603050405020304" pitchFamily="18" charset="0"/>
+              </a:rPr>
+              <a:t>Ligand</a:t>
+            </a:r>
+          </a:p>
+        </p:txBody>
+      </p:sp>
       <p:sp>
         <p:nvSpPr>
           <p:cNvPr id="52" name="TextBox 51">
@@ -5539,8 +5091,8 @@
         </p:nvSpPr>
         <p:spPr>
           <a:xfrm>
-            <a:off x="730459" y="16131088"/>
-            <a:ext cx="1974199" cy="1107996"/>
+            <a:off x="128599" y="21537736"/>
+            <a:ext cx="2303232" cy="1015663"/>
           </a:xfrm>
           <a:prstGeom prst="rect">
             <a:avLst/>
@@ -5554,11 +5106,11 @@
           <a:lstStyle/>
           <a:p>
             <a:r>
-              <a:rPr lang="en-US" sz="6600" b="1" dirty="0">
+              <a:rPr lang="en-US" sz="6000" b="1" dirty="0">
                 <a:latin typeface="Times New Roman" panose="02020603050405020304" pitchFamily="18" charset="0"/>
                 <a:cs typeface="Times New Roman" panose="02020603050405020304" pitchFamily="18" charset="0"/>
               </a:rPr>
-              <a:t>B</a:t>
+              <a:t>C</a:t>
             </a:r>
           </a:p>
         </p:txBody>
@@ -5591,8 +5143,8 @@
         </p:blipFill>
         <p:spPr>
           <a:xfrm>
-            <a:off x="984710" y="361050"/>
-            <a:ext cx="14028679" cy="14028679"/>
+            <a:off x="499432" y="8448952"/>
+            <a:ext cx="12983032" cy="12983032"/>
           </a:xfrm>
           <a:prstGeom prst="rect">
             <a:avLst/>
@@ -5613,8 +5165,8 @@
         </p:nvSpPr>
         <p:spPr>
           <a:xfrm>
-            <a:off x="681905" y="630331"/>
-            <a:ext cx="1974199" cy="1107996"/>
+            <a:off x="82799" y="8582993"/>
+            <a:ext cx="2303232" cy="1015663"/>
           </a:xfrm>
           <a:prstGeom prst="rect">
             <a:avLst/>
@@ -5628,12 +5180,906 @@
           <a:lstStyle/>
           <a:p>
             <a:r>
-              <a:rPr lang="en-US" sz="6600" b="1" dirty="0">
+              <a:rPr lang="en-US" sz="6000" b="1" dirty="0">
+                <a:latin typeface="Times New Roman" panose="02020603050405020304" pitchFamily="18" charset="0"/>
+                <a:cs typeface="Times New Roman" panose="02020603050405020304" pitchFamily="18" charset="0"/>
+              </a:rPr>
+              <a:t>B</a:t>
+            </a:r>
+          </a:p>
+        </p:txBody>
+      </p:sp>
+      <p:sp>
+        <p:nvSpPr>
+          <p:cNvPr id="49" name="TextBox 48">
+            <a:extLst>
+              <a:ext uri="{FF2B5EF4-FFF2-40B4-BE49-F238E27FC236}">
+                <a16:creationId xmlns:a16="http://schemas.microsoft.com/office/drawing/2014/main" id="{AD420565-B5EA-4AFC-B074-B1C86C045141}"/>
+              </a:ext>
+            </a:extLst>
+          </p:cNvPr>
+          <p:cNvSpPr txBox="1"/>
+          <p:nvPr/>
+        </p:nvSpPr>
+        <p:spPr>
+          <a:xfrm>
+            <a:off x="0" y="-109964"/>
+            <a:ext cx="2303232" cy="1015663"/>
+          </a:xfrm>
+          <a:prstGeom prst="rect">
+            <a:avLst/>
+          </a:prstGeom>
+          <a:noFill/>
+        </p:spPr>
+        <p:txBody>
+          <a:bodyPr wrap="square" rtlCol="0">
+            <a:spAutoFit/>
+          </a:bodyPr>
+          <a:lstStyle/>
+          <a:p>
+            <a:r>
+              <a:rPr lang="en-US" sz="6000" b="1" dirty="0">
                 <a:latin typeface="Times New Roman" panose="02020603050405020304" pitchFamily="18" charset="0"/>
                 <a:cs typeface="Times New Roman" panose="02020603050405020304" pitchFamily="18" charset="0"/>
               </a:rPr>
               <a:t>A</a:t>
             </a:r>
+          </a:p>
+        </p:txBody>
+      </p:sp>
+      <p:grpSp>
+        <p:nvGrpSpPr>
+          <p:cNvPr id="10" name="Group 9">
+            <a:extLst>
+              <a:ext uri="{FF2B5EF4-FFF2-40B4-BE49-F238E27FC236}">
+                <a16:creationId xmlns:a16="http://schemas.microsoft.com/office/drawing/2014/main" id="{2457E624-E94D-4E9E-8B3F-69ACDB817352}"/>
+              </a:ext>
+            </a:extLst>
+          </p:cNvPr>
+          <p:cNvGrpSpPr/>
+          <p:nvPr/>
+        </p:nvGrpSpPr>
+        <p:grpSpPr>
+          <a:xfrm>
+            <a:off x="126753" y="339625"/>
+            <a:ext cx="11446916" cy="8307333"/>
+            <a:chOff x="-86844" y="-19651"/>
+            <a:chExt cx="11446916" cy="8307333"/>
+          </a:xfrm>
+        </p:grpSpPr>
+        <p:grpSp>
+          <p:nvGrpSpPr>
+            <p:cNvPr id="9" name="Group 8">
+              <a:extLst>
+                <a:ext uri="{FF2B5EF4-FFF2-40B4-BE49-F238E27FC236}">
+                  <a16:creationId xmlns:a16="http://schemas.microsoft.com/office/drawing/2014/main" id="{C81061CA-612E-4BA4-BD8B-749CDDFE6AEB}"/>
+                </a:ext>
+              </a:extLst>
+            </p:cNvPr>
+            <p:cNvGrpSpPr/>
+            <p:nvPr/>
+          </p:nvGrpSpPr>
+          <p:grpSpPr>
+            <a:xfrm>
+              <a:off x="-86844" y="-19651"/>
+              <a:ext cx="11446916" cy="8307333"/>
+              <a:chOff x="-86844" y="-19651"/>
+              <a:chExt cx="11446916" cy="8307333"/>
+            </a:xfrm>
+          </p:grpSpPr>
+          <p:pic>
+            <p:nvPicPr>
+              <p:cNvPr id="1030" name="Picture 6">
+                <a:extLst>
+                  <a:ext uri="{FF2B5EF4-FFF2-40B4-BE49-F238E27FC236}">
+                    <a16:creationId xmlns:a16="http://schemas.microsoft.com/office/drawing/2014/main" id="{58A873B3-7A29-4D0E-AE36-04794723A2EE}"/>
+                  </a:ext>
+                </a:extLst>
+              </p:cNvPr>
+              <p:cNvPicPr>
+                <a:picLocks noChangeAspect="1" noChangeArrowheads="1"/>
+              </p:cNvPicPr>
+              <p:nvPr/>
+            </p:nvPicPr>
+            <p:blipFill>
+              <a:blip r:embed="rId8">
+                <a:extLst>
+                  <a:ext uri="{28A0092B-C50C-407E-A947-70E740481C1C}">
+                    <a14:useLocalDpi xmlns:a14="http://schemas.microsoft.com/office/drawing/2010/main" val="0"/>
+                  </a:ext>
+                </a:extLst>
+              </a:blip>
+              <a:srcRect/>
+              <a:stretch>
+                <a:fillRect/>
+              </a:stretch>
+            </p:blipFill>
+            <p:spPr bwMode="auto">
+              <a:xfrm>
+                <a:off x="563061" y="-19651"/>
+                <a:ext cx="10797011" cy="7934915"/>
+              </a:xfrm>
+              <a:prstGeom prst="rect">
+                <a:avLst/>
+              </a:prstGeom>
+              <a:noFill/>
+              <a:extLst>
+                <a:ext uri="{909E8E84-426E-40DD-AFC4-6F175D3DCCD1}">
+                  <a14:hiddenFill xmlns:a14="http://schemas.microsoft.com/office/drawing/2010/main">
+                    <a:solidFill>
+                      <a:srgbClr val="FFFFFF"/>
+                    </a:solidFill>
+                  </a14:hiddenFill>
+                </a:ext>
+              </a:extLst>
+            </p:spPr>
+          </p:pic>
+          <p:sp>
+            <p:nvSpPr>
+              <p:cNvPr id="6" name="TextBox 5">
+                <a:extLst>
+                  <a:ext uri="{FF2B5EF4-FFF2-40B4-BE49-F238E27FC236}">
+                    <a16:creationId xmlns:a16="http://schemas.microsoft.com/office/drawing/2014/main" id="{E44BBE31-EE00-4913-BA2A-68E343E17684}"/>
+                  </a:ext>
+                </a:extLst>
+              </p:cNvPr>
+              <p:cNvSpPr txBox="1"/>
+              <p:nvPr/>
+            </p:nvSpPr>
+            <p:spPr>
+              <a:xfrm>
+                <a:off x="4989146" y="7764462"/>
+                <a:ext cx="2568332" cy="523220"/>
+              </a:xfrm>
+              <a:prstGeom prst="rect">
+                <a:avLst/>
+              </a:prstGeom>
+              <a:noFill/>
+            </p:spPr>
+            <p:txBody>
+              <a:bodyPr wrap="none" rtlCol="0">
+                <a:spAutoFit/>
+              </a:bodyPr>
+              <a:lstStyle/>
+              <a:p>
+                <a:r>
+                  <a:rPr lang="en-US" sz="2800" dirty="0">
+                    <a:latin typeface="Times New Roman" panose="02020603050405020304" pitchFamily="18" charset="0"/>
+                    <a:cs typeface="Times New Roman" panose="02020603050405020304" pitchFamily="18" charset="0"/>
+                  </a:rPr>
+                  <a:t>Annotations (</a:t>
+                </a:r>
+                <a:r>
+                  <a:rPr lang="en-US" sz="2800" dirty="0">
+                    <a:effectLst/>
+                    <a:latin typeface="Times New Roman" panose="02020603050405020304" pitchFamily="18" charset="0"/>
+                    <a:ea typeface="Calibri" panose="020F0502020204030204" pitchFamily="34" charset="0"/>
+                  </a:rPr>
+                  <a:t>k</a:t>
+                </a:r>
+                <a:r>
+                  <a:rPr lang="en-US" sz="2800" baseline="-25000" dirty="0">
+                    <a:effectLst/>
+                    <a:latin typeface="Times New Roman" panose="02020603050405020304" pitchFamily="18" charset="0"/>
+                    <a:ea typeface="Calibri" panose="020F0502020204030204" pitchFamily="34" charset="0"/>
+                  </a:rPr>
+                  <a:t>p</a:t>
+                </a:r>
+                <a:r>
+                  <a:rPr lang="en-US" sz="2800" dirty="0">
+                    <a:latin typeface="Times New Roman" panose="02020603050405020304" pitchFamily="18" charset="0"/>
+                    <a:cs typeface="Times New Roman" panose="02020603050405020304" pitchFamily="18" charset="0"/>
+                  </a:rPr>
+                  <a:t>)</a:t>
+                </a:r>
+              </a:p>
+            </p:txBody>
+          </p:sp>
+          <p:sp>
+            <p:nvSpPr>
+              <p:cNvPr id="53" name="TextBox 52">
+                <a:extLst>
+                  <a:ext uri="{FF2B5EF4-FFF2-40B4-BE49-F238E27FC236}">
+                    <a16:creationId xmlns:a16="http://schemas.microsoft.com/office/drawing/2014/main" id="{FB005931-0487-4140-B624-0FE4BC41DB45}"/>
+                  </a:ext>
+                </a:extLst>
+              </p:cNvPr>
+              <p:cNvSpPr txBox="1"/>
+              <p:nvPr/>
+            </p:nvSpPr>
+            <p:spPr>
+              <a:xfrm rot="16200000">
+                <a:off x="-72417" y="3287973"/>
+                <a:ext cx="925253" cy="954107"/>
+              </a:xfrm>
+              <a:prstGeom prst="rect">
+                <a:avLst/>
+              </a:prstGeom>
+              <a:noFill/>
+            </p:spPr>
+            <p:txBody>
+              <a:bodyPr wrap="none" rtlCol="0">
+                <a:spAutoFit/>
+              </a:bodyPr>
+              <a:lstStyle/>
+              <a:p>
+                <a:r>
+                  <a:rPr lang="en-US" sz="2800" dirty="0">
+                    <a:latin typeface="Times New Roman" panose="02020603050405020304" pitchFamily="18" charset="0"/>
+                    <a:cs typeface="Times New Roman" panose="02020603050405020304" pitchFamily="18" charset="0"/>
+                  </a:rPr>
+                  <a:t>P(</a:t>
+                </a:r>
+                <a:r>
+                  <a:rPr lang="en-US" sz="2800" dirty="0">
+                    <a:effectLst/>
+                    <a:latin typeface="Times New Roman" panose="02020603050405020304" pitchFamily="18" charset="0"/>
+                    <a:ea typeface="Calibri" panose="020F0502020204030204" pitchFamily="34" charset="0"/>
+                  </a:rPr>
+                  <a:t>k</a:t>
+                </a:r>
+                <a:r>
+                  <a:rPr lang="en-US" sz="2800" baseline="-25000" dirty="0">
+                    <a:effectLst/>
+                    <a:latin typeface="Times New Roman" panose="02020603050405020304" pitchFamily="18" charset="0"/>
+                    <a:ea typeface="Calibri" panose="020F0502020204030204" pitchFamily="34" charset="0"/>
+                  </a:rPr>
+                  <a:t>p</a:t>
+                </a:r>
+                <a:r>
+                  <a:rPr lang="en-US" sz="2800" dirty="0">
+                    <a:latin typeface="Times New Roman" panose="02020603050405020304" pitchFamily="18" charset="0"/>
+                    <a:cs typeface="Times New Roman" panose="02020603050405020304" pitchFamily="18" charset="0"/>
+                  </a:rPr>
+                  <a:t>)</a:t>
+                </a:r>
+              </a:p>
+              <a:p>
+                <a:endParaRPr lang="en-US" sz="2800" dirty="0">
+                  <a:latin typeface="Times New Roman" panose="02020603050405020304" pitchFamily="18" charset="0"/>
+                  <a:cs typeface="Times New Roman" panose="02020603050405020304" pitchFamily="18" charset="0"/>
+                </a:endParaRPr>
+              </a:p>
+            </p:txBody>
+          </p:sp>
+        </p:grpSp>
+        <p:sp>
+          <p:nvSpPr>
+            <p:cNvPr id="58" name="TextBox 57">
+              <a:extLst>
+                <a:ext uri="{FF2B5EF4-FFF2-40B4-BE49-F238E27FC236}">
+                  <a16:creationId xmlns:a16="http://schemas.microsoft.com/office/drawing/2014/main" id="{A12B8553-66FB-4D5B-9E09-05DF1A429CE4}"/>
+                </a:ext>
+              </a:extLst>
+            </p:cNvPr>
+            <p:cNvSpPr txBox="1"/>
+            <p:nvPr/>
+          </p:nvSpPr>
+          <p:spPr>
+            <a:xfrm>
+              <a:off x="9013000" y="613311"/>
+              <a:ext cx="1656223" cy="584775"/>
+            </a:xfrm>
+            <a:prstGeom prst="rect">
+              <a:avLst/>
+            </a:prstGeom>
+            <a:noFill/>
+          </p:spPr>
+          <p:txBody>
+            <a:bodyPr wrap="none" rtlCol="0">
+              <a:spAutoFit/>
+            </a:bodyPr>
+            <a:lstStyle/>
+            <a:p>
+              <a:r>
+                <a:rPr lang="en-US" sz="3200" dirty="0">
+                  <a:effectLst/>
+                  <a:latin typeface="Times New Roman" panose="02020603050405020304" pitchFamily="18" charset="0"/>
+                  <a:ea typeface="Calibri" panose="020F0502020204030204" pitchFamily="34" charset="0"/>
+                </a:rPr>
+                <a:t>γ</a:t>
+              </a:r>
+              <a:r>
+                <a:rPr lang="en-US" sz="3200" baseline="-25000" dirty="0">
+                  <a:effectLst/>
+                  <a:latin typeface="Times New Roman" panose="02020603050405020304" pitchFamily="18" charset="0"/>
+                  <a:ea typeface="Calibri" panose="020F0502020204030204" pitchFamily="34" charset="0"/>
+                </a:rPr>
+                <a:t>p</a:t>
+              </a:r>
+              <a:r>
+                <a:rPr lang="en-US" sz="3200" dirty="0">
+                  <a:effectLst/>
+                  <a:latin typeface="Times New Roman" panose="02020603050405020304" pitchFamily="18" charset="0"/>
+                  <a:ea typeface="Calibri" panose="020F0502020204030204" pitchFamily="34" charset="0"/>
+                </a:rPr>
+                <a:t> = 2.84</a:t>
+              </a:r>
+              <a:endParaRPr lang="en-US" sz="3200" dirty="0">
+                <a:latin typeface="Times New Roman" panose="02020603050405020304" pitchFamily="18" charset="0"/>
+                <a:cs typeface="Times New Roman" panose="02020603050405020304" pitchFamily="18" charset="0"/>
+              </a:endParaRPr>
+            </a:p>
+          </p:txBody>
+        </p:sp>
+        <p:sp>
+          <p:nvSpPr>
+            <p:cNvPr id="8" name="Rectangle: Rounded Corners 7">
+              <a:extLst>
+                <a:ext uri="{FF2B5EF4-FFF2-40B4-BE49-F238E27FC236}">
+                  <a16:creationId xmlns:a16="http://schemas.microsoft.com/office/drawing/2014/main" id="{052BABE5-4119-448F-92C2-664A6A0A9C01}"/>
+                </a:ext>
+              </a:extLst>
+            </p:cNvPr>
+            <p:cNvSpPr/>
+            <p:nvPr/>
+          </p:nvSpPr>
+          <p:spPr>
+            <a:xfrm>
+              <a:off x="8808802" y="397867"/>
+              <a:ext cx="1944323" cy="1015663"/>
+            </a:xfrm>
+            <a:prstGeom prst="roundRect">
+              <a:avLst/>
+            </a:prstGeom>
+            <a:noFill/>
+            <a:ln>
+              <a:solidFill>
+                <a:srgbClr val="F5BCC8"/>
+              </a:solidFill>
+            </a:ln>
+          </p:spPr>
+          <p:style>
+            <a:lnRef idx="2">
+              <a:schemeClr val="accent1">
+                <a:shade val="50000"/>
+              </a:schemeClr>
+            </a:lnRef>
+            <a:fillRef idx="1">
+              <a:schemeClr val="accent1"/>
+            </a:fillRef>
+            <a:effectRef idx="0">
+              <a:schemeClr val="accent1"/>
+            </a:effectRef>
+            <a:fontRef idx="minor">
+              <a:schemeClr val="lt1"/>
+            </a:fontRef>
+          </p:style>
+          <p:txBody>
+            <a:bodyPr rtlCol="0" anchor="ctr"/>
+            <a:lstStyle/>
+            <a:p>
+              <a:pPr algn="ctr"/>
+              <a:endParaRPr lang="en-US"/>
+            </a:p>
+          </p:txBody>
+        </p:sp>
+      </p:grpSp>
+      <p:grpSp>
+        <p:nvGrpSpPr>
+          <p:cNvPr id="12" name="Group 11">
+            <a:extLst>
+              <a:ext uri="{FF2B5EF4-FFF2-40B4-BE49-F238E27FC236}">
+                <a16:creationId xmlns:a16="http://schemas.microsoft.com/office/drawing/2014/main" id="{E85B7A01-6EF2-4030-B1F3-0AABD40411B8}"/>
+              </a:ext>
+            </a:extLst>
+          </p:cNvPr>
+          <p:cNvGrpSpPr/>
+          <p:nvPr/>
+        </p:nvGrpSpPr>
+        <p:grpSpPr>
+          <a:xfrm>
+            <a:off x="11520892" y="339625"/>
+            <a:ext cx="11212355" cy="8245603"/>
+            <a:chOff x="11647645" y="-456"/>
+            <a:chExt cx="11212355" cy="8245603"/>
+          </a:xfrm>
+        </p:grpSpPr>
+        <p:pic>
+          <p:nvPicPr>
+            <p:cNvPr id="1028" name="Picture 4">
+              <a:extLst>
+                <a:ext uri="{FF2B5EF4-FFF2-40B4-BE49-F238E27FC236}">
+                  <a16:creationId xmlns:a16="http://schemas.microsoft.com/office/drawing/2014/main" id="{2FE15F33-0640-4D12-B196-CF4B95EAB757}"/>
+                </a:ext>
+              </a:extLst>
+            </p:cNvPr>
+            <p:cNvPicPr>
+              <a:picLocks noChangeAspect="1" noChangeArrowheads="1"/>
+            </p:cNvPicPr>
+            <p:nvPr/>
+          </p:nvPicPr>
+          <p:blipFill>
+            <a:blip r:embed="rId9">
+              <a:extLst>
+                <a:ext uri="{28A0092B-C50C-407E-A947-70E740481C1C}">
+                  <a14:useLocalDpi xmlns:a14="http://schemas.microsoft.com/office/drawing/2010/main" val="0"/>
+                </a:ext>
+              </a:extLst>
+            </a:blip>
+            <a:srcRect/>
+            <a:stretch>
+              <a:fillRect/>
+            </a:stretch>
+          </p:blipFill>
+          <p:spPr bwMode="auto">
+            <a:xfrm>
+              <a:off x="12062989" y="-456"/>
+              <a:ext cx="10797011" cy="7934915"/>
+            </a:xfrm>
+            <a:prstGeom prst="rect">
+              <a:avLst/>
+            </a:prstGeom>
+            <a:noFill/>
+            <a:extLst>
+              <a:ext uri="{909E8E84-426E-40DD-AFC4-6F175D3DCCD1}">
+                <a14:hiddenFill xmlns:a14="http://schemas.microsoft.com/office/drawing/2010/main">
+                  <a:solidFill>
+                    <a:srgbClr val="FFFFFF"/>
+                  </a:solidFill>
+                </a14:hiddenFill>
+              </a:ext>
+            </a:extLst>
+          </p:spPr>
+        </p:pic>
+        <p:sp>
+          <p:nvSpPr>
+            <p:cNvPr id="51" name="TextBox 50">
+              <a:extLst>
+                <a:ext uri="{FF2B5EF4-FFF2-40B4-BE49-F238E27FC236}">
+                  <a16:creationId xmlns:a16="http://schemas.microsoft.com/office/drawing/2014/main" id="{5C7035A3-5E9A-4DB4-98A2-211DF823A13F}"/>
+                </a:ext>
+              </a:extLst>
+            </p:cNvPr>
+            <p:cNvSpPr txBox="1"/>
+            <p:nvPr/>
+          </p:nvSpPr>
+          <p:spPr>
+            <a:xfrm>
+              <a:off x="16939410" y="7721927"/>
+              <a:ext cx="2513830" cy="523220"/>
+            </a:xfrm>
+            <a:prstGeom prst="rect">
+              <a:avLst/>
+            </a:prstGeom>
+            <a:noFill/>
+          </p:spPr>
+          <p:txBody>
+            <a:bodyPr wrap="none" rtlCol="0">
+              <a:spAutoFit/>
+            </a:bodyPr>
+            <a:lstStyle/>
+            <a:p>
+              <a:r>
+                <a:rPr lang="en-US" sz="2800" dirty="0">
+                  <a:latin typeface="Times New Roman" panose="02020603050405020304" pitchFamily="18" charset="0"/>
+                  <a:cs typeface="Times New Roman" panose="02020603050405020304" pitchFamily="18" charset="0"/>
+                </a:rPr>
+                <a:t>Annotations (</a:t>
+              </a:r>
+              <a:r>
+                <a:rPr lang="en-US" sz="2800" dirty="0">
+                  <a:effectLst/>
+                  <a:latin typeface="Times New Roman" panose="02020603050405020304" pitchFamily="18" charset="0"/>
+                  <a:ea typeface="Calibri" panose="020F0502020204030204" pitchFamily="34" charset="0"/>
+                </a:rPr>
+                <a:t>k</a:t>
+              </a:r>
+              <a:r>
+                <a:rPr lang="en-US" sz="2800" baseline="-25000" dirty="0">
+                  <a:effectLst/>
+                  <a:latin typeface="Times New Roman" panose="02020603050405020304" pitchFamily="18" charset="0"/>
+                  <a:ea typeface="Calibri" panose="020F0502020204030204" pitchFamily="34" charset="0"/>
+                </a:rPr>
+                <a:t>l</a:t>
+              </a:r>
+              <a:r>
+                <a:rPr lang="en-US" sz="2800" dirty="0">
+                  <a:latin typeface="Times New Roman" panose="02020603050405020304" pitchFamily="18" charset="0"/>
+                  <a:cs typeface="Times New Roman" panose="02020603050405020304" pitchFamily="18" charset="0"/>
+                </a:rPr>
+                <a:t>)</a:t>
+              </a:r>
+            </a:p>
+          </p:txBody>
+        </p:sp>
+        <p:sp>
+          <p:nvSpPr>
+            <p:cNvPr id="55" name="TextBox 54">
+              <a:extLst>
+                <a:ext uri="{FF2B5EF4-FFF2-40B4-BE49-F238E27FC236}">
+                  <a16:creationId xmlns:a16="http://schemas.microsoft.com/office/drawing/2014/main" id="{58D46D19-74FF-474D-850E-8566F2258A6E}"/>
+                </a:ext>
+              </a:extLst>
+            </p:cNvPr>
+            <p:cNvSpPr txBox="1"/>
+            <p:nvPr/>
+          </p:nvSpPr>
+          <p:spPr>
+            <a:xfrm rot="16200000">
+              <a:off x="11473879" y="3503416"/>
+              <a:ext cx="870751" cy="523220"/>
+            </a:xfrm>
+            <a:prstGeom prst="rect">
+              <a:avLst/>
+            </a:prstGeom>
+            <a:noFill/>
+          </p:spPr>
+          <p:txBody>
+            <a:bodyPr wrap="none" rtlCol="0">
+              <a:spAutoFit/>
+            </a:bodyPr>
+            <a:lstStyle/>
+            <a:p>
+              <a:r>
+                <a:rPr lang="en-US" sz="2800" dirty="0">
+                  <a:latin typeface="Times New Roman" panose="02020603050405020304" pitchFamily="18" charset="0"/>
+                  <a:cs typeface="Times New Roman" panose="02020603050405020304" pitchFamily="18" charset="0"/>
+                </a:rPr>
+                <a:t>P(</a:t>
+              </a:r>
+              <a:r>
+                <a:rPr lang="en-US" sz="2800" dirty="0">
+                  <a:effectLst/>
+                  <a:latin typeface="Times New Roman" panose="02020603050405020304" pitchFamily="18" charset="0"/>
+                  <a:ea typeface="Calibri" panose="020F0502020204030204" pitchFamily="34" charset="0"/>
+                </a:rPr>
+                <a:t>k</a:t>
+              </a:r>
+              <a:r>
+                <a:rPr lang="en-US" sz="2800" baseline="-25000" dirty="0">
+                  <a:effectLst/>
+                  <a:latin typeface="Times New Roman" panose="02020603050405020304" pitchFamily="18" charset="0"/>
+                  <a:ea typeface="Calibri" panose="020F0502020204030204" pitchFamily="34" charset="0"/>
+                </a:rPr>
+                <a:t>l</a:t>
+              </a:r>
+              <a:r>
+                <a:rPr lang="en-US" sz="2800" dirty="0">
+                  <a:latin typeface="Times New Roman" panose="02020603050405020304" pitchFamily="18" charset="0"/>
+                  <a:cs typeface="Times New Roman" panose="02020603050405020304" pitchFamily="18" charset="0"/>
+                </a:rPr>
+                <a:t>)</a:t>
+              </a:r>
+            </a:p>
+          </p:txBody>
+        </p:sp>
+        <p:sp>
+          <p:nvSpPr>
+            <p:cNvPr id="59" name="Rectangle: Rounded Corners 58">
+              <a:extLst>
+                <a:ext uri="{FF2B5EF4-FFF2-40B4-BE49-F238E27FC236}">
+                  <a16:creationId xmlns:a16="http://schemas.microsoft.com/office/drawing/2014/main" id="{5FE14469-E324-480E-962E-F8B9D380D6CD}"/>
+                </a:ext>
+              </a:extLst>
+            </p:cNvPr>
+            <p:cNvSpPr/>
+            <p:nvPr/>
+          </p:nvSpPr>
+          <p:spPr>
+            <a:xfrm>
+              <a:off x="20348891" y="397866"/>
+              <a:ext cx="1944323" cy="1015663"/>
+            </a:xfrm>
+            <a:prstGeom prst="roundRect">
+              <a:avLst/>
+            </a:prstGeom>
+            <a:noFill/>
+            <a:ln>
+              <a:solidFill>
+                <a:srgbClr val="9AD9BC"/>
+              </a:solidFill>
+            </a:ln>
+          </p:spPr>
+          <p:style>
+            <a:lnRef idx="2">
+              <a:schemeClr val="accent1">
+                <a:shade val="50000"/>
+              </a:schemeClr>
+            </a:lnRef>
+            <a:fillRef idx="1">
+              <a:schemeClr val="accent1"/>
+            </a:fillRef>
+            <a:effectRef idx="0">
+              <a:schemeClr val="accent1"/>
+            </a:effectRef>
+            <a:fontRef idx="minor">
+              <a:schemeClr val="lt1"/>
+            </a:fontRef>
+          </p:style>
+          <p:txBody>
+            <a:bodyPr rtlCol="0" anchor="ctr"/>
+            <a:lstStyle/>
+            <a:p>
+              <a:pPr algn="ctr"/>
+              <a:endParaRPr lang="en-US"/>
+            </a:p>
+          </p:txBody>
+        </p:sp>
+        <p:sp>
+          <p:nvSpPr>
+            <p:cNvPr id="60" name="TextBox 59">
+              <a:extLst>
+                <a:ext uri="{FF2B5EF4-FFF2-40B4-BE49-F238E27FC236}">
+                  <a16:creationId xmlns:a16="http://schemas.microsoft.com/office/drawing/2014/main" id="{5BB5E873-B787-4150-96B7-58057DC23E62}"/>
+                </a:ext>
+              </a:extLst>
+            </p:cNvPr>
+            <p:cNvSpPr txBox="1"/>
+            <p:nvPr/>
+          </p:nvSpPr>
+          <p:spPr>
+            <a:xfrm>
+              <a:off x="20610815" y="613309"/>
+              <a:ext cx="1595309" cy="584775"/>
+            </a:xfrm>
+            <a:prstGeom prst="rect">
+              <a:avLst/>
+            </a:prstGeom>
+            <a:noFill/>
+          </p:spPr>
+          <p:txBody>
+            <a:bodyPr wrap="none" rtlCol="0">
+              <a:spAutoFit/>
+            </a:bodyPr>
+            <a:lstStyle/>
+            <a:p>
+              <a:r>
+                <a:rPr lang="en-US" sz="3200" dirty="0">
+                  <a:effectLst/>
+                  <a:latin typeface="Times New Roman" panose="02020603050405020304" pitchFamily="18" charset="0"/>
+                  <a:ea typeface="Calibri" panose="020F0502020204030204" pitchFamily="34" charset="0"/>
+                </a:rPr>
+                <a:t>γ</a:t>
+              </a:r>
+              <a:r>
+                <a:rPr lang="en-US" sz="3200" baseline="-25000" dirty="0">
+                  <a:latin typeface="Times New Roman" panose="02020603050405020304" pitchFamily="18" charset="0"/>
+                  <a:ea typeface="Calibri" panose="020F0502020204030204" pitchFamily="34" charset="0"/>
+                </a:rPr>
+                <a:t>l</a:t>
+              </a:r>
+              <a:r>
+                <a:rPr lang="en-US" sz="3200" dirty="0">
+                  <a:effectLst/>
+                  <a:latin typeface="Times New Roman" panose="02020603050405020304" pitchFamily="18" charset="0"/>
+                  <a:ea typeface="Calibri" panose="020F0502020204030204" pitchFamily="34" charset="0"/>
+                </a:rPr>
+                <a:t> = 2.94</a:t>
+              </a:r>
+              <a:endParaRPr lang="en-US" sz="3200" dirty="0">
+                <a:latin typeface="Times New Roman" panose="02020603050405020304" pitchFamily="18" charset="0"/>
+                <a:cs typeface="Times New Roman" panose="02020603050405020304" pitchFamily="18" charset="0"/>
+              </a:endParaRPr>
+            </a:p>
+          </p:txBody>
+        </p:sp>
+      </p:grpSp>
+      <p:sp>
+        <p:nvSpPr>
+          <p:cNvPr id="61" name="TextBox 60">
+            <a:extLst>
+              <a:ext uri="{FF2B5EF4-FFF2-40B4-BE49-F238E27FC236}">
+                <a16:creationId xmlns:a16="http://schemas.microsoft.com/office/drawing/2014/main" id="{32E431E6-16EA-472F-9F4A-8DD81A8328B9}"/>
+              </a:ext>
+            </a:extLst>
+          </p:cNvPr>
+          <p:cNvSpPr txBox="1"/>
+          <p:nvPr/>
+        </p:nvSpPr>
+        <p:spPr>
+          <a:xfrm>
+            <a:off x="5634325" y="-32793"/>
+            <a:ext cx="1420582" cy="523220"/>
+          </a:xfrm>
+          <a:prstGeom prst="rect">
+            <a:avLst/>
+          </a:prstGeom>
+          <a:noFill/>
+        </p:spPr>
+        <p:txBody>
+          <a:bodyPr wrap="none" rtlCol="0">
+            <a:spAutoFit/>
+          </a:bodyPr>
+          <a:lstStyle/>
+          <a:p>
+            <a:r>
+              <a:rPr lang="en-US" sz="2800" b="1" i="1" dirty="0">
+                <a:latin typeface="Times New Roman" panose="02020603050405020304" pitchFamily="18" charset="0"/>
+                <a:cs typeface="Times New Roman" panose="02020603050405020304" pitchFamily="18" charset="0"/>
+              </a:rPr>
+              <a:t>Proteins</a:t>
+            </a:r>
+          </a:p>
+        </p:txBody>
+      </p:sp>
+      <p:sp>
+        <p:nvSpPr>
+          <p:cNvPr id="66" name="TextBox 65">
+            <a:extLst>
+              <a:ext uri="{FF2B5EF4-FFF2-40B4-BE49-F238E27FC236}">
+                <a16:creationId xmlns:a16="http://schemas.microsoft.com/office/drawing/2014/main" id="{ED096D5A-5C7D-4D90-BCC4-9460EC16624E}"/>
+              </a:ext>
+            </a:extLst>
+          </p:cNvPr>
+          <p:cNvSpPr txBox="1"/>
+          <p:nvPr/>
+        </p:nvSpPr>
+        <p:spPr>
+          <a:xfrm>
+            <a:off x="17225675" y="-32793"/>
+            <a:ext cx="1382110" cy="523220"/>
+          </a:xfrm>
+          <a:prstGeom prst="rect">
+            <a:avLst/>
+          </a:prstGeom>
+          <a:noFill/>
+        </p:spPr>
+        <p:txBody>
+          <a:bodyPr wrap="none" rtlCol="0">
+            <a:spAutoFit/>
+          </a:bodyPr>
+          <a:lstStyle/>
+          <a:p>
+            <a:r>
+              <a:rPr lang="en-US" sz="2800" b="1" i="1" dirty="0">
+                <a:latin typeface="Times New Roman" panose="02020603050405020304" pitchFamily="18" charset="0"/>
+                <a:cs typeface="Times New Roman" panose="02020603050405020304" pitchFamily="18" charset="0"/>
+              </a:rPr>
+              <a:t>Ligands</a:t>
+            </a:r>
+          </a:p>
+        </p:txBody>
+      </p:sp>
+      <p:cxnSp>
+        <p:nvCxnSpPr>
+          <p:cNvPr id="62" name="Straight Connector 61">
+            <a:extLst>
+              <a:ext uri="{FF2B5EF4-FFF2-40B4-BE49-F238E27FC236}">
+                <a16:creationId xmlns:a16="http://schemas.microsoft.com/office/drawing/2014/main" id="{B81FFED8-AF53-4CC3-9C25-B5D52207B4DD}"/>
+              </a:ext>
+            </a:extLst>
+          </p:cNvPr>
+          <p:cNvCxnSpPr>
+            <a:cxnSpLocks/>
+          </p:cNvCxnSpPr>
+          <p:nvPr/>
+        </p:nvCxnSpPr>
+        <p:spPr>
+          <a:xfrm>
+            <a:off x="19448737" y="26325069"/>
+            <a:ext cx="1526722" cy="0"/>
+          </a:xfrm>
+          <a:prstGeom prst="line">
+            <a:avLst/>
+          </a:prstGeom>
+          <a:ln w="19050">
+            <a:prstDash val="lgDash"/>
+          </a:ln>
+        </p:spPr>
+        <p:style>
+          <a:lnRef idx="1">
+            <a:schemeClr val="accent1"/>
+          </a:lnRef>
+          <a:fillRef idx="0">
+            <a:schemeClr val="accent1"/>
+          </a:fillRef>
+          <a:effectRef idx="0">
+            <a:schemeClr val="accent1"/>
+          </a:effectRef>
+          <a:fontRef idx="minor">
+            <a:schemeClr val="tx1"/>
+          </a:fontRef>
+        </p:style>
+      </p:cxnSp>
+      <p:sp>
+        <p:nvSpPr>
+          <p:cNvPr id="17" name="Moon 16">
+            <a:extLst>
+              <a:ext uri="{FF2B5EF4-FFF2-40B4-BE49-F238E27FC236}">
+                <a16:creationId xmlns:a16="http://schemas.microsoft.com/office/drawing/2014/main" id="{E921E2C3-EDE1-481E-AD68-ECFF0CF802D5}"/>
+              </a:ext>
+            </a:extLst>
+          </p:cNvPr>
+          <p:cNvSpPr/>
+          <p:nvPr/>
+        </p:nvSpPr>
+        <p:spPr>
+          <a:xfrm rot="20532653" flipH="1">
+            <a:off x="9417618" y="14384047"/>
+            <a:ext cx="4029995" cy="8007473"/>
+          </a:xfrm>
+          <a:prstGeom prst="moon">
+            <a:avLst/>
+          </a:prstGeom>
+          <a:solidFill>
+            <a:schemeClr val="bg1"/>
+          </a:solidFill>
+          <a:ln>
+            <a:solidFill>
+              <a:schemeClr val="tx1">
+                <a:lumMod val="85000"/>
+                <a:lumOff val="15000"/>
+              </a:schemeClr>
+            </a:solidFill>
+          </a:ln>
+        </p:spPr>
+        <p:style>
+          <a:lnRef idx="2">
+            <a:schemeClr val="accent1">
+              <a:shade val="50000"/>
+            </a:schemeClr>
+          </a:lnRef>
+          <a:fillRef idx="1">
+            <a:schemeClr val="accent1"/>
+          </a:fillRef>
+          <a:effectRef idx="0">
+            <a:schemeClr val="accent1"/>
+          </a:effectRef>
+          <a:fontRef idx="minor">
+            <a:schemeClr val="lt1"/>
+          </a:fontRef>
+        </p:style>
+        <p:txBody>
+          <a:bodyPr rtlCol="0" anchor="ctr"/>
+          <a:lstStyle/>
+          <a:p>
+            <a:pPr algn="ctr"/>
+            <a:endParaRPr lang="en-US"/>
+          </a:p>
+        </p:txBody>
+      </p:sp>
+      <p:sp>
+        <p:nvSpPr>
+          <p:cNvPr id="18" name="Isosceles Triangle 17">
+            <a:extLst>
+              <a:ext uri="{FF2B5EF4-FFF2-40B4-BE49-F238E27FC236}">
+                <a16:creationId xmlns:a16="http://schemas.microsoft.com/office/drawing/2014/main" id="{5EF9923B-4718-4220-90A7-228BB7ECC636}"/>
+              </a:ext>
+            </a:extLst>
+          </p:cNvPr>
+          <p:cNvSpPr/>
+          <p:nvPr/>
+        </p:nvSpPr>
+        <p:spPr>
+          <a:xfrm rot="12780936">
+            <a:off x="9231858" y="20158008"/>
+            <a:ext cx="4683621" cy="3567503"/>
+          </a:xfrm>
+          <a:prstGeom prst="triangle">
+            <a:avLst/>
+          </a:prstGeom>
+          <a:solidFill>
+            <a:schemeClr val="bg1"/>
+          </a:solidFill>
+          <a:ln>
+            <a:solidFill>
+              <a:schemeClr val="tx1"/>
+            </a:solidFill>
+          </a:ln>
+        </p:spPr>
+        <p:style>
+          <a:lnRef idx="2">
+            <a:schemeClr val="accent1">
+              <a:shade val="50000"/>
+            </a:schemeClr>
+          </a:lnRef>
+          <a:fillRef idx="1">
+            <a:schemeClr val="accent1"/>
+          </a:fillRef>
+          <a:effectRef idx="0">
+            <a:schemeClr val="accent1"/>
+          </a:effectRef>
+          <a:fontRef idx="minor">
+            <a:schemeClr val="lt1"/>
+          </a:fontRef>
+        </p:style>
+        <p:txBody>
+          <a:bodyPr rtlCol="0" anchor="ctr"/>
+          <a:lstStyle/>
+          <a:p>
+            <a:pPr algn="ctr"/>
+            <a:endParaRPr lang="en-US"/>
           </a:p>
         </p:txBody>
       </p:sp>
